--- a/CP2SlideDeck.pptx
+++ b/CP2SlideDeck.pptx
@@ -4,22 +4,26 @@
   <p:sldMasterIdLst>
     <p:sldMasterId id="2147483700" r:id="rId1"/>
   </p:sldMasterIdLst>
+  <p:notesMasterIdLst>
+    <p:notesMasterId r:id="rId18"/>
+  </p:notesMasterIdLst>
   <p:sldIdLst>
     <p:sldId id="256" r:id="rId2"/>
     <p:sldId id="257" r:id="rId3"/>
     <p:sldId id="258" r:id="rId4"/>
     <p:sldId id="259" r:id="rId5"/>
-    <p:sldId id="260" r:id="rId6"/>
-    <p:sldId id="261" r:id="rId7"/>
-    <p:sldId id="262" r:id="rId8"/>
-    <p:sldId id="263" r:id="rId9"/>
-    <p:sldId id="266" r:id="rId10"/>
-    <p:sldId id="264" r:id="rId11"/>
-    <p:sldId id="265" r:id="rId12"/>
-    <p:sldId id="267" r:id="rId13"/>
-    <p:sldId id="268" r:id="rId14"/>
-    <p:sldId id="269" r:id="rId15"/>
-    <p:sldId id="270" r:id="rId16"/>
+    <p:sldId id="261" r:id="rId6"/>
+    <p:sldId id="262" r:id="rId7"/>
+    <p:sldId id="263" r:id="rId8"/>
+    <p:sldId id="266" r:id="rId9"/>
+    <p:sldId id="264" r:id="rId10"/>
+    <p:sldId id="265" r:id="rId11"/>
+    <p:sldId id="267" r:id="rId12"/>
+    <p:sldId id="268" r:id="rId13"/>
+    <p:sldId id="269" r:id="rId14"/>
+    <p:sldId id="270" r:id="rId15"/>
+    <p:sldId id="271" r:id="rId16"/>
+    <p:sldId id="272" r:id="rId17"/>
   </p:sldIdLst>
   <p:sldSz cx="12192000" cy="6858000"/>
   <p:notesSz cx="6858000" cy="9144000"/>
@@ -122,788 +126,6 @@
 </file>
 
 <file path=ppt/diagrams/colors1.xml><?xml version="1.0" encoding="utf-8"?>
-<dgm:colorsDef xmlns:dgm="http://schemas.openxmlformats.org/drawingml/2006/diagram" xmlns:a="http://schemas.openxmlformats.org/drawingml/2006/main" uniqueId="urn:microsoft.com/office/officeart/2005/8/colors/colorful2">
-  <dgm:title val=""/>
-  <dgm:desc val=""/>
-  <dgm:catLst>
-    <dgm:cat type="colorful" pri="10200"/>
-  </dgm:catLst>
-  <dgm:styleLbl name="node0">
-    <dgm:fillClrLst meth="repeat">
-      <a:schemeClr val="accent1"/>
-    </dgm:fillClrLst>
-    <dgm:linClrLst meth="repeat">
-      <a:schemeClr val="lt1"/>
-    </dgm:linClrLst>
-    <dgm:effectClrLst/>
-    <dgm:txLinClrLst/>
-    <dgm:txFillClrLst/>
-    <dgm:txEffectClrLst/>
-  </dgm:styleLbl>
-  <dgm:styleLbl name="node1">
-    <dgm:fillClrLst>
-      <a:schemeClr val="accent2"/>
-      <a:schemeClr val="accent3"/>
-    </dgm:fillClrLst>
-    <dgm:linClrLst meth="repeat">
-      <a:schemeClr val="lt1"/>
-    </dgm:linClrLst>
-    <dgm:effectClrLst/>
-    <dgm:txLinClrLst/>
-    <dgm:txFillClrLst/>
-    <dgm:txEffectClrLst/>
-  </dgm:styleLbl>
-  <dgm:styleLbl name="alignNode1">
-    <dgm:fillClrLst>
-      <a:schemeClr val="accent2"/>
-      <a:schemeClr val="accent3"/>
-    </dgm:fillClrLst>
-    <dgm:linClrLst>
-      <a:schemeClr val="accent2"/>
-      <a:schemeClr val="accent3"/>
-    </dgm:linClrLst>
-    <dgm:effectClrLst/>
-    <dgm:txLinClrLst/>
-    <dgm:txFillClrLst/>
-    <dgm:txEffectClrLst/>
-  </dgm:styleLbl>
-  <dgm:styleLbl name="lnNode1">
-    <dgm:fillClrLst>
-      <a:schemeClr val="accent2"/>
-      <a:schemeClr val="accent3"/>
-    </dgm:fillClrLst>
-    <dgm:linClrLst meth="repeat">
-      <a:schemeClr val="lt1"/>
-    </dgm:linClrLst>
-    <dgm:effectClrLst/>
-    <dgm:txLinClrLst/>
-    <dgm:txFillClrLst/>
-    <dgm:txEffectClrLst/>
-  </dgm:styleLbl>
-  <dgm:styleLbl name="vennNode1">
-    <dgm:fillClrLst>
-      <a:schemeClr val="accent2">
-        <a:alpha val="50000"/>
-      </a:schemeClr>
-      <a:schemeClr val="accent3">
-        <a:alpha val="50000"/>
-      </a:schemeClr>
-    </dgm:fillClrLst>
-    <dgm:linClrLst meth="repeat">
-      <a:schemeClr val="lt1"/>
-    </dgm:linClrLst>
-    <dgm:effectClrLst/>
-    <dgm:txLinClrLst/>
-    <dgm:txFillClrLst/>
-    <dgm:txEffectClrLst/>
-  </dgm:styleLbl>
-  <dgm:styleLbl name="node2">
-    <dgm:fillClrLst>
-      <a:schemeClr val="accent3"/>
-    </dgm:fillClrLst>
-    <dgm:linClrLst meth="repeat">
-      <a:schemeClr val="lt1"/>
-    </dgm:linClrLst>
-    <dgm:effectClrLst/>
-    <dgm:txLinClrLst/>
-    <dgm:txFillClrLst/>
-    <dgm:txEffectClrLst/>
-  </dgm:styleLbl>
-  <dgm:styleLbl name="node3">
-    <dgm:fillClrLst>
-      <a:schemeClr val="accent4"/>
-    </dgm:fillClrLst>
-    <dgm:linClrLst meth="repeat">
-      <a:schemeClr val="lt1"/>
-    </dgm:linClrLst>
-    <dgm:effectClrLst/>
-    <dgm:txLinClrLst/>
-    <dgm:txFillClrLst/>
-    <dgm:txEffectClrLst/>
-  </dgm:styleLbl>
-  <dgm:styleLbl name="node4">
-    <dgm:fillClrLst>
-      <a:schemeClr val="accent5"/>
-    </dgm:fillClrLst>
-    <dgm:linClrLst meth="repeat">
-      <a:schemeClr val="lt1"/>
-    </dgm:linClrLst>
-    <dgm:effectClrLst/>
-    <dgm:txLinClrLst/>
-    <dgm:txFillClrLst/>
-    <dgm:txEffectClrLst/>
-  </dgm:styleLbl>
-  <dgm:styleLbl name="fgImgPlace1">
-    <dgm:fillClrLst>
-      <a:schemeClr val="accent2">
-        <a:tint val="50000"/>
-      </a:schemeClr>
-      <a:schemeClr val="accent3">
-        <a:tint val="50000"/>
-      </a:schemeClr>
-    </dgm:fillClrLst>
-    <dgm:linClrLst meth="repeat">
-      <a:schemeClr val="lt1"/>
-    </dgm:linClrLst>
-    <dgm:effectClrLst/>
-    <dgm:txLinClrLst/>
-    <dgm:txFillClrLst meth="repeat">
-      <a:schemeClr val="lt1"/>
-    </dgm:txFillClrLst>
-    <dgm:txEffectClrLst/>
-  </dgm:styleLbl>
-  <dgm:styleLbl name="alignImgPlace1">
-    <dgm:fillClrLst>
-      <a:schemeClr val="accent2">
-        <a:tint val="50000"/>
-      </a:schemeClr>
-      <a:schemeClr val="accent3">
-        <a:tint val="20000"/>
-      </a:schemeClr>
-    </dgm:fillClrLst>
-    <dgm:linClrLst meth="repeat">
-      <a:schemeClr val="lt1"/>
-    </dgm:linClrLst>
-    <dgm:effectClrLst/>
-    <dgm:txLinClrLst/>
-    <dgm:txFillClrLst meth="repeat">
-      <a:schemeClr val="lt1"/>
-    </dgm:txFillClrLst>
-    <dgm:txEffectClrLst/>
-  </dgm:styleLbl>
-  <dgm:styleLbl name="bgImgPlace1">
-    <dgm:fillClrLst>
-      <a:schemeClr val="accent2">
-        <a:tint val="50000"/>
-      </a:schemeClr>
-      <a:schemeClr val="accent3">
-        <a:tint val="20000"/>
-      </a:schemeClr>
-    </dgm:fillClrLst>
-    <dgm:linClrLst meth="repeat">
-      <a:schemeClr val="lt1"/>
-    </dgm:linClrLst>
-    <dgm:effectClrLst/>
-    <dgm:txLinClrLst/>
-    <dgm:txFillClrLst meth="repeat">
-      <a:schemeClr val="lt1"/>
-    </dgm:txFillClrLst>
-    <dgm:txEffectClrLst/>
-  </dgm:styleLbl>
-  <dgm:styleLbl name="sibTrans2D1">
-    <dgm:fillClrLst>
-      <a:schemeClr val="accent2"/>
-      <a:schemeClr val="accent3"/>
-    </dgm:fillClrLst>
-    <dgm:linClrLst meth="repeat">
-      <a:schemeClr val="lt1"/>
-    </dgm:linClrLst>
-    <dgm:effectClrLst/>
-    <dgm:txLinClrLst/>
-    <dgm:txFillClrLst/>
-    <dgm:txEffectClrLst/>
-  </dgm:styleLbl>
-  <dgm:styleLbl name="fgSibTrans2D1">
-    <dgm:fillClrLst>
-      <a:schemeClr val="accent2"/>
-      <a:schemeClr val="accent3"/>
-    </dgm:fillClrLst>
-    <dgm:linClrLst meth="repeat">
-      <a:schemeClr val="lt1"/>
-    </dgm:linClrLst>
-    <dgm:effectClrLst/>
-    <dgm:txLinClrLst/>
-    <dgm:txFillClrLst meth="repeat">
-      <a:schemeClr val="lt1"/>
-    </dgm:txFillClrLst>
-    <dgm:txEffectClrLst/>
-  </dgm:styleLbl>
-  <dgm:styleLbl name="bgSibTrans2D1">
-    <dgm:fillClrLst>
-      <a:schemeClr val="accent2"/>
-      <a:schemeClr val="accent3"/>
-    </dgm:fillClrLst>
-    <dgm:linClrLst meth="repeat">
-      <a:schemeClr val="lt1"/>
-    </dgm:linClrLst>
-    <dgm:effectClrLst/>
-    <dgm:txLinClrLst/>
-    <dgm:txFillClrLst meth="repeat">
-      <a:schemeClr val="lt1"/>
-    </dgm:txFillClrLst>
-    <dgm:txEffectClrLst/>
-  </dgm:styleLbl>
-  <dgm:styleLbl name="sibTrans1D1">
-    <dgm:fillClrLst/>
-    <dgm:linClrLst>
-      <a:schemeClr val="accent2"/>
-      <a:schemeClr val="accent3"/>
-    </dgm:linClrLst>
-    <dgm:effectClrLst/>
-    <dgm:txLinClrLst/>
-    <dgm:txFillClrLst meth="repeat">
-      <a:schemeClr val="tx1"/>
-    </dgm:txFillClrLst>
-    <dgm:txEffectClrLst/>
-  </dgm:styleLbl>
-  <dgm:styleLbl name="callout">
-    <dgm:fillClrLst meth="repeat">
-      <a:schemeClr val="accent2"/>
-    </dgm:fillClrLst>
-    <dgm:linClrLst meth="repeat">
-      <a:schemeClr val="accent2">
-        <a:tint val="50000"/>
-      </a:schemeClr>
-    </dgm:linClrLst>
-    <dgm:effectClrLst/>
-    <dgm:txLinClrLst/>
-    <dgm:txFillClrLst meth="repeat">
-      <a:schemeClr val="tx1"/>
-    </dgm:txFillClrLst>
-    <dgm:txEffectClrLst/>
-  </dgm:styleLbl>
-  <dgm:styleLbl name="asst0">
-    <dgm:fillClrLst meth="repeat">
-      <a:schemeClr val="accent2"/>
-    </dgm:fillClrLst>
-    <dgm:linClrLst meth="repeat">
-      <a:schemeClr val="lt1">
-        <a:shade val="80000"/>
-      </a:schemeClr>
-    </dgm:linClrLst>
-    <dgm:effectClrLst/>
-    <dgm:txLinClrLst/>
-    <dgm:txFillClrLst/>
-    <dgm:txEffectClrLst/>
-  </dgm:styleLbl>
-  <dgm:styleLbl name="asst1">
-    <dgm:fillClrLst meth="repeat">
-      <a:schemeClr val="accent3"/>
-    </dgm:fillClrLst>
-    <dgm:linClrLst meth="repeat">
-      <a:schemeClr val="lt1">
-        <a:shade val="80000"/>
-      </a:schemeClr>
-    </dgm:linClrLst>
-    <dgm:effectClrLst/>
-    <dgm:txLinClrLst/>
-    <dgm:txFillClrLst/>
-    <dgm:txEffectClrLst/>
-  </dgm:styleLbl>
-  <dgm:styleLbl name="asst2">
-    <dgm:fillClrLst>
-      <a:schemeClr val="accent4"/>
-    </dgm:fillClrLst>
-    <dgm:linClrLst meth="repeat">
-      <a:schemeClr val="lt1"/>
-    </dgm:linClrLst>
-    <dgm:effectClrLst/>
-    <dgm:txLinClrLst/>
-    <dgm:txFillClrLst/>
-    <dgm:txEffectClrLst/>
-  </dgm:styleLbl>
-  <dgm:styleLbl name="asst3">
-    <dgm:fillClrLst>
-      <a:schemeClr val="accent5"/>
-    </dgm:fillClrLst>
-    <dgm:linClrLst meth="repeat">
-      <a:schemeClr val="lt1"/>
-    </dgm:linClrLst>
-    <dgm:effectClrLst/>
-    <dgm:txLinClrLst/>
-    <dgm:txFillClrLst/>
-    <dgm:txEffectClrLst/>
-  </dgm:styleLbl>
-  <dgm:styleLbl name="asst4">
-    <dgm:fillClrLst>
-      <a:schemeClr val="accent6"/>
-    </dgm:fillClrLst>
-    <dgm:linClrLst meth="repeat">
-      <a:schemeClr val="lt1"/>
-    </dgm:linClrLst>
-    <dgm:effectClrLst/>
-    <dgm:txLinClrLst/>
-    <dgm:txFillClrLst/>
-    <dgm:txEffectClrLst/>
-  </dgm:styleLbl>
-  <dgm:styleLbl name="parChTrans2D1">
-    <dgm:fillClrLst meth="repeat">
-      <a:schemeClr val="accent2"/>
-    </dgm:fillClrLst>
-    <dgm:linClrLst meth="repeat">
-      <a:schemeClr val="lt1"/>
-    </dgm:linClrLst>
-    <dgm:effectClrLst/>
-    <dgm:txLinClrLst/>
-    <dgm:txFillClrLst meth="repeat">
-      <a:schemeClr val="lt1"/>
-    </dgm:txFillClrLst>
-    <dgm:txEffectClrLst/>
-  </dgm:styleLbl>
-  <dgm:styleLbl name="parChTrans2D2">
-    <dgm:fillClrLst meth="repeat">
-      <a:schemeClr val="accent3"/>
-    </dgm:fillClrLst>
-    <dgm:linClrLst meth="repeat">
-      <a:schemeClr val="lt1"/>
-    </dgm:linClrLst>
-    <dgm:effectClrLst/>
-    <dgm:txLinClrLst/>
-    <dgm:txFillClrLst/>
-    <dgm:txEffectClrLst/>
-  </dgm:styleLbl>
-  <dgm:styleLbl name="parChTrans2D3">
-    <dgm:fillClrLst meth="repeat">
-      <a:schemeClr val="accent4"/>
-    </dgm:fillClrLst>
-    <dgm:linClrLst meth="repeat">
-      <a:schemeClr val="lt1"/>
-    </dgm:linClrLst>
-    <dgm:effectClrLst/>
-    <dgm:txLinClrLst/>
-    <dgm:txFillClrLst/>
-    <dgm:txEffectClrLst/>
-  </dgm:styleLbl>
-  <dgm:styleLbl name="parChTrans2D4">
-    <dgm:fillClrLst meth="repeat">
-      <a:schemeClr val="accent5"/>
-    </dgm:fillClrLst>
-    <dgm:linClrLst meth="repeat">
-      <a:schemeClr val="lt1"/>
-    </dgm:linClrLst>
-    <dgm:effectClrLst/>
-    <dgm:txLinClrLst/>
-    <dgm:txFillClrLst meth="repeat">
-      <a:schemeClr val="lt1"/>
-    </dgm:txFillClrLst>
-    <dgm:txEffectClrLst/>
-  </dgm:styleLbl>
-  <dgm:styleLbl name="parChTrans1D1">
-    <dgm:fillClrLst meth="repeat">
-      <a:schemeClr val="accent2"/>
-    </dgm:fillClrLst>
-    <dgm:linClrLst meth="repeat">
-      <a:schemeClr val="accent2"/>
-    </dgm:linClrLst>
-    <dgm:effectClrLst/>
-    <dgm:txLinClrLst/>
-    <dgm:txFillClrLst meth="repeat">
-      <a:schemeClr val="tx1"/>
-    </dgm:txFillClrLst>
-    <dgm:txEffectClrLst/>
-  </dgm:styleLbl>
-  <dgm:styleLbl name="parChTrans1D2">
-    <dgm:fillClrLst meth="repeat">
-      <a:schemeClr val="accent2">
-        <a:tint val="90000"/>
-      </a:schemeClr>
-    </dgm:fillClrLst>
-    <dgm:linClrLst meth="repeat">
-      <a:schemeClr val="accent3"/>
-    </dgm:linClrLst>
-    <dgm:effectClrLst/>
-    <dgm:txLinClrLst/>
-    <dgm:txFillClrLst meth="repeat">
-      <a:schemeClr val="tx1"/>
-    </dgm:txFillClrLst>
-    <dgm:txEffectClrLst/>
-  </dgm:styleLbl>
-  <dgm:styleLbl name="parChTrans1D3">
-    <dgm:fillClrLst meth="repeat">
-      <a:schemeClr val="accent2">
-        <a:tint val="70000"/>
-      </a:schemeClr>
-    </dgm:fillClrLst>
-    <dgm:linClrLst meth="repeat">
-      <a:schemeClr val="accent4"/>
-    </dgm:linClrLst>
-    <dgm:effectClrLst/>
-    <dgm:txLinClrLst/>
-    <dgm:txFillClrLst meth="repeat">
-      <a:schemeClr val="tx1"/>
-    </dgm:txFillClrLst>
-    <dgm:txEffectClrLst/>
-  </dgm:styleLbl>
-  <dgm:styleLbl name="parChTrans1D4">
-    <dgm:fillClrLst meth="repeat">
-      <a:schemeClr val="accent2">
-        <a:tint val="50000"/>
-      </a:schemeClr>
-    </dgm:fillClrLst>
-    <dgm:linClrLst meth="repeat">
-      <a:schemeClr val="accent5"/>
-    </dgm:linClrLst>
-    <dgm:effectClrLst/>
-    <dgm:txLinClrLst/>
-    <dgm:txFillClrLst meth="repeat">
-      <a:schemeClr val="tx1"/>
-    </dgm:txFillClrLst>
-    <dgm:txEffectClrLst/>
-  </dgm:styleLbl>
-  <dgm:styleLbl name="fgAcc1">
-    <dgm:fillClrLst meth="repeat">
-      <a:schemeClr val="lt1">
-        <a:alpha val="90000"/>
-      </a:schemeClr>
-    </dgm:fillClrLst>
-    <dgm:linClrLst>
-      <a:schemeClr val="accent2"/>
-      <a:schemeClr val="accent3"/>
-    </dgm:linClrLst>
-    <dgm:effectClrLst/>
-    <dgm:txLinClrLst/>
-    <dgm:txFillClrLst meth="repeat">
-      <a:schemeClr val="dk1"/>
-    </dgm:txFillClrLst>
-    <dgm:txEffectClrLst/>
-  </dgm:styleLbl>
-  <dgm:styleLbl name="conFgAcc1">
-    <dgm:fillClrLst meth="repeat">
-      <a:schemeClr val="lt1">
-        <a:alpha val="90000"/>
-      </a:schemeClr>
-    </dgm:fillClrLst>
-    <dgm:linClrLst>
-      <a:schemeClr val="accent2"/>
-      <a:schemeClr val="accent3"/>
-    </dgm:linClrLst>
-    <dgm:effectClrLst/>
-    <dgm:txLinClrLst/>
-    <dgm:txFillClrLst meth="repeat">
-      <a:schemeClr val="dk1"/>
-    </dgm:txFillClrLst>
-    <dgm:txEffectClrLst/>
-  </dgm:styleLbl>
-  <dgm:styleLbl name="alignAcc1">
-    <dgm:fillClrLst meth="repeat">
-      <a:schemeClr val="lt1">
-        <a:alpha val="90000"/>
-      </a:schemeClr>
-    </dgm:fillClrLst>
-    <dgm:linClrLst>
-      <a:schemeClr val="accent2"/>
-      <a:schemeClr val="accent3"/>
-    </dgm:linClrLst>
-    <dgm:effectClrLst/>
-    <dgm:txLinClrLst/>
-    <dgm:txFillClrLst meth="repeat">
-      <a:schemeClr val="dk1"/>
-    </dgm:txFillClrLst>
-    <dgm:txEffectClrLst/>
-  </dgm:styleLbl>
-  <dgm:styleLbl name="trAlignAcc1">
-    <dgm:fillClrLst meth="repeat">
-      <a:schemeClr val="lt1">
-        <a:alpha val="40000"/>
-      </a:schemeClr>
-    </dgm:fillClrLst>
-    <dgm:linClrLst meth="repeat">
-      <a:schemeClr val="accent2"/>
-    </dgm:linClrLst>
-    <dgm:effectClrLst/>
-    <dgm:txLinClrLst/>
-    <dgm:txFillClrLst meth="repeat">
-      <a:schemeClr val="dk1"/>
-    </dgm:txFillClrLst>
-    <dgm:txEffectClrLst/>
-  </dgm:styleLbl>
-  <dgm:styleLbl name="bgAcc1">
-    <dgm:fillClrLst meth="repeat">
-      <a:schemeClr val="lt1">
-        <a:alpha val="90000"/>
-      </a:schemeClr>
-    </dgm:fillClrLst>
-    <dgm:linClrLst>
-      <a:schemeClr val="accent2"/>
-      <a:schemeClr val="accent3"/>
-    </dgm:linClrLst>
-    <dgm:effectClrLst/>
-    <dgm:txLinClrLst/>
-    <dgm:txFillClrLst meth="repeat">
-      <a:schemeClr val="dk1"/>
-    </dgm:txFillClrLst>
-    <dgm:txEffectClrLst/>
-  </dgm:styleLbl>
-  <dgm:styleLbl name="solidFgAcc1">
-    <dgm:fillClrLst meth="repeat">
-      <a:schemeClr val="lt1"/>
-    </dgm:fillClrLst>
-    <dgm:linClrLst>
-      <a:schemeClr val="accent2"/>
-      <a:schemeClr val="accent3"/>
-    </dgm:linClrLst>
-    <dgm:effectClrLst/>
-    <dgm:txLinClrLst/>
-    <dgm:txFillClrLst meth="repeat">
-      <a:schemeClr val="dk1"/>
-    </dgm:txFillClrLst>
-    <dgm:txEffectClrLst/>
-  </dgm:styleLbl>
-  <dgm:styleLbl name="solidAlignAcc1">
-    <dgm:fillClrLst meth="repeat">
-      <a:schemeClr val="lt1"/>
-    </dgm:fillClrLst>
-    <dgm:linClrLst>
-      <a:schemeClr val="accent2"/>
-      <a:schemeClr val="accent3"/>
-    </dgm:linClrLst>
-    <dgm:effectClrLst/>
-    <dgm:txLinClrLst/>
-    <dgm:txFillClrLst meth="repeat">
-      <a:schemeClr val="dk1"/>
-    </dgm:txFillClrLst>
-    <dgm:txEffectClrLst/>
-  </dgm:styleLbl>
-  <dgm:styleLbl name="solidBgAcc1">
-    <dgm:fillClrLst meth="repeat">
-      <a:schemeClr val="lt1"/>
-    </dgm:fillClrLst>
-    <dgm:linClrLst>
-      <a:schemeClr val="accent2"/>
-      <a:schemeClr val="accent3"/>
-    </dgm:linClrLst>
-    <dgm:effectClrLst/>
-    <dgm:txLinClrLst/>
-    <dgm:txFillClrLst meth="repeat">
-      <a:schemeClr val="dk1"/>
-    </dgm:txFillClrLst>
-    <dgm:txEffectClrLst/>
-  </dgm:styleLbl>
-  <dgm:styleLbl name="fgAccFollowNode1">
-    <dgm:fillClrLst>
-      <a:schemeClr val="accent2">
-        <a:tint val="40000"/>
-        <a:alpha val="90000"/>
-      </a:schemeClr>
-      <a:schemeClr val="accent3">
-        <a:tint val="40000"/>
-        <a:alpha val="90000"/>
-      </a:schemeClr>
-    </dgm:fillClrLst>
-    <dgm:linClrLst>
-      <a:schemeClr val="accent2">
-        <a:tint val="40000"/>
-        <a:alpha val="90000"/>
-      </a:schemeClr>
-      <a:schemeClr val="accent3">
-        <a:tint val="40000"/>
-        <a:alpha val="90000"/>
-      </a:schemeClr>
-    </dgm:linClrLst>
-    <dgm:effectClrLst/>
-    <dgm:txLinClrLst/>
-    <dgm:txFillClrLst meth="repeat">
-      <a:schemeClr val="dk1"/>
-    </dgm:txFillClrLst>
-    <dgm:txEffectClrLst/>
-  </dgm:styleLbl>
-  <dgm:styleLbl name="alignAccFollowNode1">
-    <dgm:fillClrLst>
-      <a:schemeClr val="accent2">
-        <a:tint val="40000"/>
-        <a:alpha val="90000"/>
-      </a:schemeClr>
-      <a:schemeClr val="accent3">
-        <a:tint val="40000"/>
-        <a:alpha val="90000"/>
-      </a:schemeClr>
-    </dgm:fillClrLst>
-    <dgm:linClrLst>
-      <a:schemeClr val="accent2">
-        <a:tint val="40000"/>
-        <a:alpha val="90000"/>
-      </a:schemeClr>
-      <a:schemeClr val="accent3">
-        <a:tint val="40000"/>
-        <a:alpha val="90000"/>
-      </a:schemeClr>
-    </dgm:linClrLst>
-    <dgm:effectClrLst/>
-    <dgm:txLinClrLst/>
-    <dgm:txFillClrLst meth="repeat">
-      <a:schemeClr val="dk1"/>
-    </dgm:txFillClrLst>
-    <dgm:txEffectClrLst/>
-  </dgm:styleLbl>
-  <dgm:styleLbl name="bgAccFollowNode1">
-    <dgm:fillClrLst>
-      <a:schemeClr val="accent2">
-        <a:tint val="40000"/>
-        <a:alpha val="90000"/>
-      </a:schemeClr>
-      <a:schemeClr val="accent3">
-        <a:tint val="40000"/>
-        <a:alpha val="90000"/>
-      </a:schemeClr>
-    </dgm:fillClrLst>
-    <dgm:linClrLst>
-      <a:schemeClr val="accent2">
-        <a:tint val="40000"/>
-        <a:alpha val="90000"/>
-      </a:schemeClr>
-      <a:schemeClr val="accent3">
-        <a:tint val="40000"/>
-        <a:alpha val="90000"/>
-      </a:schemeClr>
-    </dgm:linClrLst>
-    <dgm:effectClrLst/>
-    <dgm:txLinClrLst/>
-    <dgm:txFillClrLst meth="repeat">
-      <a:schemeClr val="dk1"/>
-    </dgm:txFillClrLst>
-    <dgm:txEffectClrLst/>
-  </dgm:styleLbl>
-  <dgm:styleLbl name="fgAcc0">
-    <dgm:fillClrLst meth="repeat">
-      <a:schemeClr val="lt1">
-        <a:alpha val="90000"/>
-      </a:schemeClr>
-    </dgm:fillClrLst>
-    <dgm:linClrLst>
-      <a:schemeClr val="accent1"/>
-    </dgm:linClrLst>
-    <dgm:effectClrLst/>
-    <dgm:txLinClrLst/>
-    <dgm:txFillClrLst meth="repeat">
-      <a:schemeClr val="dk1"/>
-    </dgm:txFillClrLst>
-    <dgm:txEffectClrLst/>
-  </dgm:styleLbl>
-  <dgm:styleLbl name="fgAcc2">
-    <dgm:fillClrLst meth="repeat">
-      <a:schemeClr val="lt1">
-        <a:alpha val="90000"/>
-      </a:schemeClr>
-    </dgm:fillClrLst>
-    <dgm:linClrLst>
-      <a:schemeClr val="accent3"/>
-    </dgm:linClrLst>
-    <dgm:effectClrLst/>
-    <dgm:txLinClrLst/>
-    <dgm:txFillClrLst meth="repeat">
-      <a:schemeClr val="dk1"/>
-    </dgm:txFillClrLst>
-    <dgm:txEffectClrLst/>
-  </dgm:styleLbl>
-  <dgm:styleLbl name="fgAcc3">
-    <dgm:fillClrLst meth="repeat">
-      <a:schemeClr val="lt1">
-        <a:alpha val="90000"/>
-      </a:schemeClr>
-    </dgm:fillClrLst>
-    <dgm:linClrLst>
-      <a:schemeClr val="accent4"/>
-    </dgm:linClrLst>
-    <dgm:effectClrLst/>
-    <dgm:txLinClrLst/>
-    <dgm:txFillClrLst meth="repeat">
-      <a:schemeClr val="dk1"/>
-    </dgm:txFillClrLst>
-    <dgm:txEffectClrLst/>
-  </dgm:styleLbl>
-  <dgm:styleLbl name="fgAcc4">
-    <dgm:fillClrLst meth="repeat">
-      <a:schemeClr val="lt1">
-        <a:alpha val="90000"/>
-      </a:schemeClr>
-    </dgm:fillClrLst>
-    <dgm:linClrLst>
-      <a:schemeClr val="accent5"/>
-    </dgm:linClrLst>
-    <dgm:effectClrLst/>
-    <dgm:txLinClrLst/>
-    <dgm:txFillClrLst meth="repeat">
-      <a:schemeClr val="dk1"/>
-    </dgm:txFillClrLst>
-    <dgm:txEffectClrLst/>
-  </dgm:styleLbl>
-  <dgm:styleLbl name="bgShp">
-    <dgm:fillClrLst meth="repeat">
-      <a:schemeClr val="accent2">
-        <a:tint val="40000"/>
-      </a:schemeClr>
-    </dgm:fillClrLst>
-    <dgm:linClrLst meth="repeat">
-      <a:schemeClr val="dk1"/>
-    </dgm:linClrLst>
-    <dgm:effectClrLst/>
-    <dgm:txLinClrLst/>
-    <dgm:txFillClrLst meth="repeat">
-      <a:schemeClr val="dk1"/>
-    </dgm:txFillClrLst>
-    <dgm:txEffectClrLst/>
-  </dgm:styleLbl>
-  <dgm:styleLbl name="dkBgShp">
-    <dgm:fillClrLst meth="repeat">
-      <a:schemeClr val="accent2">
-        <a:shade val="90000"/>
-      </a:schemeClr>
-    </dgm:fillClrLst>
-    <dgm:linClrLst meth="repeat">
-      <a:schemeClr val="dk1"/>
-    </dgm:linClrLst>
-    <dgm:effectClrLst/>
-    <dgm:txLinClrLst/>
-    <dgm:txFillClrLst meth="repeat">
-      <a:schemeClr val="lt1"/>
-    </dgm:txFillClrLst>
-    <dgm:txEffectClrLst/>
-  </dgm:styleLbl>
-  <dgm:styleLbl name="trBgShp">
-    <dgm:fillClrLst meth="repeat">
-      <a:schemeClr val="accent2">
-        <a:tint val="50000"/>
-        <a:alpha val="40000"/>
-      </a:schemeClr>
-    </dgm:fillClrLst>
-    <dgm:linClrLst meth="repeat">
-      <a:schemeClr val="accent2"/>
-    </dgm:linClrLst>
-    <dgm:effectClrLst/>
-    <dgm:txLinClrLst/>
-    <dgm:txFillClrLst meth="repeat">
-      <a:schemeClr val="lt1"/>
-    </dgm:txFillClrLst>
-    <dgm:txEffectClrLst/>
-  </dgm:styleLbl>
-  <dgm:styleLbl name="fgShp">
-    <dgm:fillClrLst meth="repeat">
-      <a:schemeClr val="accent2">
-        <a:tint val="40000"/>
-      </a:schemeClr>
-    </dgm:fillClrLst>
-    <dgm:linClrLst meth="repeat">
-      <a:schemeClr val="lt1"/>
-    </dgm:linClrLst>
-    <dgm:effectClrLst/>
-    <dgm:txLinClrLst/>
-    <dgm:txFillClrLst meth="repeat">
-      <a:schemeClr val="dk1"/>
-    </dgm:txFillClrLst>
-    <dgm:txEffectClrLst/>
-  </dgm:styleLbl>
-  <dgm:styleLbl name="revTx">
-    <dgm:fillClrLst meth="repeat">
-      <a:schemeClr val="lt1">
-        <a:alpha val="0"/>
-      </a:schemeClr>
-    </dgm:fillClrLst>
-    <dgm:linClrLst meth="repeat">
-      <a:schemeClr val="dk1">
-        <a:alpha val="0"/>
-      </a:schemeClr>
-    </dgm:linClrLst>
-    <dgm:effectClrLst/>
-    <dgm:txLinClrLst/>
-    <dgm:txFillClrLst meth="repeat">
-      <a:schemeClr val="tx1"/>
-    </dgm:txFillClrLst>
-    <dgm:txEffectClrLst/>
-  </dgm:styleLbl>
-</dgm:colorsDef>
-</file>
-
-<file path=ppt/diagrams/colors2.xml><?xml version="1.0" encoding="utf-8"?>
 <dgm:colorsDef xmlns:dgm="http://schemas.openxmlformats.org/drawingml/2006/diagram" xmlns:a="http://schemas.openxmlformats.org/drawingml/2006/main" uniqueId="urn:microsoft.com/office/officeart/2005/8/colors/colorful1">
   <dgm:title val=""/>
   <dgm:desc val=""/>
@@ -1825,250 +1047,6 @@
 <file path=ppt/diagrams/data1.xml><?xml version="1.0" encoding="utf-8"?>
 <dgm:dataModel xmlns:dgm="http://schemas.openxmlformats.org/drawingml/2006/diagram" xmlns:a="http://schemas.openxmlformats.org/drawingml/2006/main">
   <dgm:ptLst>
-    <dgm:pt modelId="{499132E3-2F43-4651-8E14-ACFE37648C29}" type="doc">
-      <dgm:prSet loTypeId="urn:microsoft.com/office/officeart/2005/8/layout/vList2" loCatId="list" qsTypeId="urn:microsoft.com/office/officeart/2005/8/quickstyle/simple1" qsCatId="simple" csTypeId="urn:microsoft.com/office/officeart/2005/8/colors/colorful2" csCatId="colorful"/>
-      <dgm:spPr/>
-      <dgm:t>
-        <a:bodyPr/>
-        <a:lstStyle/>
-        <a:p>
-          <a:endParaRPr lang="en-US"/>
-        </a:p>
-      </dgm:t>
-    </dgm:pt>
-    <dgm:pt modelId="{F4D41EF5-E557-4F64-AC90-BFF011FB6779}">
-      <dgm:prSet/>
-      <dgm:spPr/>
-      <dgm:t>
-        <a:bodyPr/>
-        <a:lstStyle/>
-        <a:p>
-          <a:r>
-            <a:rPr lang="en-US"/>
-            <a:t>Item category</a:t>
-          </a:r>
-        </a:p>
-      </dgm:t>
-    </dgm:pt>
-    <dgm:pt modelId="{CAC38689-F47B-4A01-BE6E-4EBD23E21C7D}" type="parTrans" cxnId="{06BCFDB0-CEB0-42C5-A22E-55F8263F8E3B}">
-      <dgm:prSet/>
-      <dgm:spPr/>
-      <dgm:t>
-        <a:bodyPr/>
-        <a:lstStyle/>
-        <a:p>
-          <a:endParaRPr lang="en-US"/>
-        </a:p>
-      </dgm:t>
-    </dgm:pt>
-    <dgm:pt modelId="{5F7B2411-6D7A-4966-BEDA-74640FE8E2A2}" type="sibTrans" cxnId="{06BCFDB0-CEB0-42C5-A22E-55F8263F8E3B}">
-      <dgm:prSet/>
-      <dgm:spPr/>
-      <dgm:t>
-        <a:bodyPr/>
-        <a:lstStyle/>
-        <a:p>
-          <a:endParaRPr lang="en-US"/>
-        </a:p>
-      </dgm:t>
-    </dgm:pt>
-    <dgm:pt modelId="{C312D8E6-DBDB-407A-8B16-2B80BEE4FBD9}">
-      <dgm:prSet/>
-      <dgm:spPr/>
-      <dgm:t>
-        <a:bodyPr/>
-        <a:lstStyle/>
-        <a:p>
-          <a:r>
-            <a:rPr lang="en-US"/>
-            <a:t>Condition</a:t>
-          </a:r>
-        </a:p>
-      </dgm:t>
-    </dgm:pt>
-    <dgm:pt modelId="{DC9DFF09-4AA1-4FDE-AA51-0B4158AA3772}" type="parTrans" cxnId="{EECD3580-1FAE-42DB-A096-926AB421B2C8}">
-      <dgm:prSet/>
-      <dgm:spPr/>
-      <dgm:t>
-        <a:bodyPr/>
-        <a:lstStyle/>
-        <a:p>
-          <a:endParaRPr lang="en-US"/>
-        </a:p>
-      </dgm:t>
-    </dgm:pt>
-    <dgm:pt modelId="{CBD54B16-9178-4F16-B82D-30C0ACA12213}" type="sibTrans" cxnId="{EECD3580-1FAE-42DB-A096-926AB421B2C8}">
-      <dgm:prSet/>
-      <dgm:spPr/>
-      <dgm:t>
-        <a:bodyPr/>
-        <a:lstStyle/>
-        <a:p>
-          <a:endParaRPr lang="en-US"/>
-        </a:p>
-      </dgm:t>
-    </dgm:pt>
-    <dgm:pt modelId="{607F0A33-A580-4A45-830B-6E3B8613BD2B}">
-      <dgm:prSet/>
-      <dgm:spPr/>
-      <dgm:t>
-        <a:bodyPr/>
-        <a:lstStyle/>
-        <a:p>
-          <a:r>
-            <a:rPr lang="en-US"/>
-            <a:t>Brand</a:t>
-          </a:r>
-        </a:p>
-      </dgm:t>
-    </dgm:pt>
-    <dgm:pt modelId="{BEA67842-FE4E-48E5-B555-E44E40A474AD}" type="parTrans" cxnId="{BEFD501D-75D2-4F35-A23C-C361AB28AFDF}">
-      <dgm:prSet/>
-      <dgm:spPr/>
-      <dgm:t>
-        <a:bodyPr/>
-        <a:lstStyle/>
-        <a:p>
-          <a:endParaRPr lang="en-US"/>
-        </a:p>
-      </dgm:t>
-    </dgm:pt>
-    <dgm:pt modelId="{D53546F3-EE64-4D1E-9B5D-DA9ACF45CCE9}" type="sibTrans" cxnId="{BEFD501D-75D2-4F35-A23C-C361AB28AFDF}">
-      <dgm:prSet/>
-      <dgm:spPr/>
-      <dgm:t>
-        <a:bodyPr/>
-        <a:lstStyle/>
-        <a:p>
-          <a:endParaRPr lang="en-US"/>
-        </a:p>
-      </dgm:t>
-    </dgm:pt>
-    <dgm:pt modelId="{1FDD3FDF-C395-4AC1-A4D1-8EF4E9366560}">
-      <dgm:prSet/>
-      <dgm:spPr/>
-      <dgm:t>
-        <a:bodyPr/>
-        <a:lstStyle/>
-        <a:p>
-          <a:r>
-            <a:rPr lang="en-US"/>
-            <a:t>Availability</a:t>
-          </a:r>
-        </a:p>
-      </dgm:t>
-    </dgm:pt>
-    <dgm:pt modelId="{79320C07-BA91-4937-9541-FCEE248604B2}" type="parTrans" cxnId="{7777CC80-7A1A-4BC1-918C-88918A042192}">
-      <dgm:prSet/>
-      <dgm:spPr/>
-      <dgm:t>
-        <a:bodyPr/>
-        <a:lstStyle/>
-        <a:p>
-          <a:endParaRPr lang="en-US"/>
-        </a:p>
-      </dgm:t>
-    </dgm:pt>
-    <dgm:pt modelId="{45276AE0-057F-45CE-9079-8D832566D7DD}" type="sibTrans" cxnId="{7777CC80-7A1A-4BC1-918C-88918A042192}">
-      <dgm:prSet/>
-      <dgm:spPr/>
-      <dgm:t>
-        <a:bodyPr/>
-        <a:lstStyle/>
-        <a:p>
-          <a:endParaRPr lang="en-US"/>
-        </a:p>
-      </dgm:t>
-    </dgm:pt>
-    <dgm:pt modelId="{9660E36F-C7F8-CC42-BE2E-A0B8A9CC36F7}" type="pres">
-      <dgm:prSet presAssocID="{499132E3-2F43-4651-8E14-ACFE37648C29}" presName="linear" presStyleCnt="0">
-        <dgm:presLayoutVars>
-          <dgm:animLvl val="lvl"/>
-          <dgm:resizeHandles val="exact"/>
-        </dgm:presLayoutVars>
-      </dgm:prSet>
-      <dgm:spPr/>
-    </dgm:pt>
-    <dgm:pt modelId="{3EB5B67E-FC5F-C64B-9887-6B047A9FE088}" type="pres">
-      <dgm:prSet presAssocID="{F4D41EF5-E557-4F64-AC90-BFF011FB6779}" presName="parentText" presStyleLbl="node1" presStyleIdx="0" presStyleCnt="4">
-        <dgm:presLayoutVars>
-          <dgm:chMax val="0"/>
-          <dgm:bulletEnabled val="1"/>
-        </dgm:presLayoutVars>
-      </dgm:prSet>
-      <dgm:spPr/>
-    </dgm:pt>
-    <dgm:pt modelId="{92ADB4B2-E8F0-5349-8B1E-5144B39282A8}" type="pres">
-      <dgm:prSet presAssocID="{5F7B2411-6D7A-4966-BEDA-74640FE8E2A2}" presName="spacer" presStyleCnt="0"/>
-      <dgm:spPr/>
-    </dgm:pt>
-    <dgm:pt modelId="{0172F9C7-FE80-3C47-BA00-C950A8C8BFFC}" type="pres">
-      <dgm:prSet presAssocID="{C312D8E6-DBDB-407A-8B16-2B80BEE4FBD9}" presName="parentText" presStyleLbl="node1" presStyleIdx="1" presStyleCnt="4">
-        <dgm:presLayoutVars>
-          <dgm:chMax val="0"/>
-          <dgm:bulletEnabled val="1"/>
-        </dgm:presLayoutVars>
-      </dgm:prSet>
-      <dgm:spPr/>
-    </dgm:pt>
-    <dgm:pt modelId="{E96F3955-7AC5-3243-BEC0-45758E618B83}" type="pres">
-      <dgm:prSet presAssocID="{CBD54B16-9178-4F16-B82D-30C0ACA12213}" presName="spacer" presStyleCnt="0"/>
-      <dgm:spPr/>
-    </dgm:pt>
-    <dgm:pt modelId="{AD0A19DD-95D0-2F47-9582-E112DAE66DBD}" type="pres">
-      <dgm:prSet presAssocID="{607F0A33-A580-4A45-830B-6E3B8613BD2B}" presName="parentText" presStyleLbl="node1" presStyleIdx="2" presStyleCnt="4">
-        <dgm:presLayoutVars>
-          <dgm:chMax val="0"/>
-          <dgm:bulletEnabled val="1"/>
-        </dgm:presLayoutVars>
-      </dgm:prSet>
-      <dgm:spPr/>
-    </dgm:pt>
-    <dgm:pt modelId="{94A9D913-3381-6648-B5A9-BDF00177D90C}" type="pres">
-      <dgm:prSet presAssocID="{D53546F3-EE64-4D1E-9B5D-DA9ACF45CCE9}" presName="spacer" presStyleCnt="0"/>
-      <dgm:spPr/>
-    </dgm:pt>
-    <dgm:pt modelId="{102F454B-A0E0-124B-B624-B9A66CFE8242}" type="pres">
-      <dgm:prSet presAssocID="{1FDD3FDF-C395-4AC1-A4D1-8EF4E9366560}" presName="parentText" presStyleLbl="node1" presStyleIdx="3" presStyleCnt="4">
-        <dgm:presLayoutVars>
-          <dgm:chMax val="0"/>
-          <dgm:bulletEnabled val="1"/>
-        </dgm:presLayoutVars>
-      </dgm:prSet>
-      <dgm:spPr/>
-    </dgm:pt>
-  </dgm:ptLst>
-  <dgm:cxnLst>
-    <dgm:cxn modelId="{A5A87809-8A44-A14C-9FD8-C367ABB89812}" type="presOf" srcId="{C312D8E6-DBDB-407A-8B16-2B80BEE4FBD9}" destId="{0172F9C7-FE80-3C47-BA00-C950A8C8BFFC}" srcOrd="0" destOrd="0" presId="urn:microsoft.com/office/officeart/2005/8/layout/vList2"/>
-    <dgm:cxn modelId="{2AC3F50D-DEC9-9E45-9BC5-9C8B48DD7FEE}" type="presOf" srcId="{1FDD3FDF-C395-4AC1-A4D1-8EF4E9366560}" destId="{102F454B-A0E0-124B-B624-B9A66CFE8242}" srcOrd="0" destOrd="0" presId="urn:microsoft.com/office/officeart/2005/8/layout/vList2"/>
-    <dgm:cxn modelId="{43708E12-7829-B848-B1BA-9B483835D764}" type="presOf" srcId="{499132E3-2F43-4651-8E14-ACFE37648C29}" destId="{9660E36F-C7F8-CC42-BE2E-A0B8A9CC36F7}" srcOrd="0" destOrd="0" presId="urn:microsoft.com/office/officeart/2005/8/layout/vList2"/>
-    <dgm:cxn modelId="{BEFD501D-75D2-4F35-A23C-C361AB28AFDF}" srcId="{499132E3-2F43-4651-8E14-ACFE37648C29}" destId="{607F0A33-A580-4A45-830B-6E3B8613BD2B}" srcOrd="2" destOrd="0" parTransId="{BEA67842-FE4E-48E5-B555-E44E40A474AD}" sibTransId="{D53546F3-EE64-4D1E-9B5D-DA9ACF45CCE9}"/>
-    <dgm:cxn modelId="{EECD3580-1FAE-42DB-A096-926AB421B2C8}" srcId="{499132E3-2F43-4651-8E14-ACFE37648C29}" destId="{C312D8E6-DBDB-407A-8B16-2B80BEE4FBD9}" srcOrd="1" destOrd="0" parTransId="{DC9DFF09-4AA1-4FDE-AA51-0B4158AA3772}" sibTransId="{CBD54B16-9178-4F16-B82D-30C0ACA12213}"/>
-    <dgm:cxn modelId="{7777CC80-7A1A-4BC1-918C-88918A042192}" srcId="{499132E3-2F43-4651-8E14-ACFE37648C29}" destId="{1FDD3FDF-C395-4AC1-A4D1-8EF4E9366560}" srcOrd="3" destOrd="0" parTransId="{79320C07-BA91-4937-9541-FCEE248604B2}" sibTransId="{45276AE0-057F-45CE-9079-8D832566D7DD}"/>
-    <dgm:cxn modelId="{06BCFDB0-CEB0-42C5-A22E-55F8263F8E3B}" srcId="{499132E3-2F43-4651-8E14-ACFE37648C29}" destId="{F4D41EF5-E557-4F64-AC90-BFF011FB6779}" srcOrd="0" destOrd="0" parTransId="{CAC38689-F47B-4A01-BE6E-4EBD23E21C7D}" sibTransId="{5F7B2411-6D7A-4966-BEDA-74640FE8E2A2}"/>
-    <dgm:cxn modelId="{639853DC-8AEF-194D-8D56-995F7D6C6FCE}" type="presOf" srcId="{607F0A33-A580-4A45-830B-6E3B8613BD2B}" destId="{AD0A19DD-95D0-2F47-9582-E112DAE66DBD}" srcOrd="0" destOrd="0" presId="urn:microsoft.com/office/officeart/2005/8/layout/vList2"/>
-    <dgm:cxn modelId="{ACF0B2E5-D264-E142-8CA6-95B1D8CC738A}" type="presOf" srcId="{F4D41EF5-E557-4F64-AC90-BFF011FB6779}" destId="{3EB5B67E-FC5F-C64B-9887-6B047A9FE088}" srcOrd="0" destOrd="0" presId="urn:microsoft.com/office/officeart/2005/8/layout/vList2"/>
-    <dgm:cxn modelId="{2E34BCA8-CC81-994D-93AA-92458213A67C}" type="presParOf" srcId="{9660E36F-C7F8-CC42-BE2E-A0B8A9CC36F7}" destId="{3EB5B67E-FC5F-C64B-9887-6B047A9FE088}" srcOrd="0" destOrd="0" presId="urn:microsoft.com/office/officeart/2005/8/layout/vList2"/>
-    <dgm:cxn modelId="{35EC273A-D380-064E-A677-DA617FF267AA}" type="presParOf" srcId="{9660E36F-C7F8-CC42-BE2E-A0B8A9CC36F7}" destId="{92ADB4B2-E8F0-5349-8B1E-5144B39282A8}" srcOrd="1" destOrd="0" presId="urn:microsoft.com/office/officeart/2005/8/layout/vList2"/>
-    <dgm:cxn modelId="{34F5B28A-25CA-6D4A-92FA-73646BAEA231}" type="presParOf" srcId="{9660E36F-C7F8-CC42-BE2E-A0B8A9CC36F7}" destId="{0172F9C7-FE80-3C47-BA00-C950A8C8BFFC}" srcOrd="2" destOrd="0" presId="urn:microsoft.com/office/officeart/2005/8/layout/vList2"/>
-    <dgm:cxn modelId="{1E678313-7E7A-E340-9E64-5B3C273AD7FF}" type="presParOf" srcId="{9660E36F-C7F8-CC42-BE2E-A0B8A9CC36F7}" destId="{E96F3955-7AC5-3243-BEC0-45758E618B83}" srcOrd="3" destOrd="0" presId="urn:microsoft.com/office/officeart/2005/8/layout/vList2"/>
-    <dgm:cxn modelId="{150A1599-8C01-1949-9FB5-169527D89BA2}" type="presParOf" srcId="{9660E36F-C7F8-CC42-BE2E-A0B8A9CC36F7}" destId="{AD0A19DD-95D0-2F47-9582-E112DAE66DBD}" srcOrd="4" destOrd="0" presId="urn:microsoft.com/office/officeart/2005/8/layout/vList2"/>
-    <dgm:cxn modelId="{F10DE6FE-7716-AD4E-9EE5-B68C95A1AAFB}" type="presParOf" srcId="{9660E36F-C7F8-CC42-BE2E-A0B8A9CC36F7}" destId="{94A9D913-3381-6648-B5A9-BDF00177D90C}" srcOrd="5" destOrd="0" presId="urn:microsoft.com/office/officeart/2005/8/layout/vList2"/>
-    <dgm:cxn modelId="{60CFA20D-77D6-2E43-990F-310D58D32F44}" type="presParOf" srcId="{9660E36F-C7F8-CC42-BE2E-A0B8A9CC36F7}" destId="{102F454B-A0E0-124B-B624-B9A66CFE8242}" srcOrd="6" destOrd="0" presId="urn:microsoft.com/office/officeart/2005/8/layout/vList2"/>
-  </dgm:cxnLst>
-  <dgm:bg/>
-  <dgm:whole/>
-  <dgm:extLst>
-    <a:ext uri="http://schemas.microsoft.com/office/drawing/2008/diagram">
-      <dsp:dataModelExt xmlns:dsp="http://schemas.microsoft.com/office/drawing/2008/diagram" relId="rId7" minVer="http://schemas.openxmlformats.org/drawingml/2006/diagram"/>
-    </a:ext>
-  </dgm:extLst>
-</dgm:dataModel>
-</file>
-
-<file path=ppt/diagrams/data2.xml><?xml version="1.0" encoding="utf-8"?>
-<dgm:dataModel xmlns:dgm="http://schemas.openxmlformats.org/drawingml/2006/diagram" xmlns:a="http://schemas.openxmlformats.org/drawingml/2006/main">
-  <dgm:ptLst>
     <dgm:pt modelId="{CA70F443-9E5D-4FCC-A05E-D5F2C427ECBD}" type="doc">
       <dgm:prSet loTypeId="urn:microsoft.com/office/officeart/2005/8/layout/vProcess5" loCatId="process" qsTypeId="urn:microsoft.com/office/officeart/2005/8/quickstyle/simple1" qsCatId="simple" csTypeId="urn:microsoft.com/office/officeart/2005/8/colors/colorful1" csCatId="colorful"/>
       <dgm:spPr/>
@@ -2437,330 +1415,6 @@
 </file>
 
 <file path=ppt/diagrams/drawing1.xml><?xml version="1.0" encoding="utf-8"?>
-<dsp:drawing xmlns:dgm="http://schemas.openxmlformats.org/drawingml/2006/diagram" xmlns:dsp="http://schemas.microsoft.com/office/drawing/2008/diagram" xmlns:a="http://schemas.openxmlformats.org/drawingml/2006/main">
-  <dsp:spTree>
-    <dsp:nvGrpSpPr>
-      <dsp:cNvPr id="0" name=""/>
-      <dsp:cNvGrpSpPr/>
-    </dsp:nvGrpSpPr>
-    <dsp:grpSpPr/>
-    <dsp:sp modelId="{3EB5B67E-FC5F-C64B-9887-6B047A9FE088}">
-      <dsp:nvSpPr>
-        <dsp:cNvPr id="0" name=""/>
-        <dsp:cNvSpPr/>
-      </dsp:nvSpPr>
-      <dsp:spPr>
-        <a:xfrm>
-          <a:off x="0" y="45852"/>
-          <a:ext cx="7003777" cy="1319175"/>
-        </a:xfrm>
-        <a:prstGeom prst="roundRect">
-          <a:avLst/>
-        </a:prstGeom>
-        <a:solidFill>
-          <a:schemeClr val="accent2">
-            <a:hueOff val="0"/>
-            <a:satOff val="0"/>
-            <a:lumOff val="0"/>
-            <a:alphaOff val="0"/>
-          </a:schemeClr>
-        </a:solidFill>
-        <a:ln w="12700" cap="flat" cmpd="sng" algn="ctr">
-          <a:solidFill>
-            <a:schemeClr val="lt1">
-              <a:hueOff val="0"/>
-              <a:satOff val="0"/>
-              <a:lumOff val="0"/>
-              <a:alphaOff val="0"/>
-            </a:schemeClr>
-          </a:solidFill>
-          <a:prstDash val="solid"/>
-          <a:miter lim="800000"/>
-        </a:ln>
-        <a:effectLst/>
-      </dsp:spPr>
-      <dsp:style>
-        <a:lnRef idx="2">
-          <a:scrgbClr r="0" g="0" b="0"/>
-        </a:lnRef>
-        <a:fillRef idx="1">
-          <a:scrgbClr r="0" g="0" b="0"/>
-        </a:fillRef>
-        <a:effectRef idx="0">
-          <a:scrgbClr r="0" g="0" b="0"/>
-        </a:effectRef>
-        <a:fontRef idx="minor">
-          <a:schemeClr val="lt1"/>
-        </a:fontRef>
-      </dsp:style>
-      <dsp:txBody>
-        <a:bodyPr spcFirstLastPara="0" vert="horz" wrap="square" lIns="209550" tIns="209550" rIns="209550" bIns="209550" numCol="1" spcCol="1270" anchor="ctr" anchorCtr="0">
-          <a:noAutofit/>
-        </a:bodyPr>
-        <a:lstStyle/>
-        <a:p>
-          <a:pPr marL="0" lvl="0" indent="0" algn="l" defTabSz="2444750">
-            <a:lnSpc>
-              <a:spcPct val="90000"/>
-            </a:lnSpc>
-            <a:spcBef>
-              <a:spcPct val="0"/>
-            </a:spcBef>
-            <a:spcAft>
-              <a:spcPct val="35000"/>
-            </a:spcAft>
-            <a:buNone/>
-          </a:pPr>
-          <a:r>
-            <a:rPr lang="en-US" sz="5500" kern="1200"/>
-            <a:t>Item category</a:t>
-          </a:r>
-        </a:p>
-      </dsp:txBody>
-      <dsp:txXfrm>
-        <a:off x="64397" y="110249"/>
-        <a:ext cx="6874983" cy="1190381"/>
-      </dsp:txXfrm>
-    </dsp:sp>
-    <dsp:sp modelId="{0172F9C7-FE80-3C47-BA00-C950A8C8BFFC}">
-      <dsp:nvSpPr>
-        <dsp:cNvPr id="0" name=""/>
-        <dsp:cNvSpPr/>
-      </dsp:nvSpPr>
-      <dsp:spPr>
-        <a:xfrm>
-          <a:off x="0" y="1523427"/>
-          <a:ext cx="7003777" cy="1319175"/>
-        </a:xfrm>
-        <a:prstGeom prst="roundRect">
-          <a:avLst/>
-        </a:prstGeom>
-        <a:solidFill>
-          <a:schemeClr val="accent2">
-            <a:hueOff val="-6702090"/>
-            <a:satOff val="-255"/>
-            <a:lumOff val="1699"/>
-            <a:alphaOff val="0"/>
-          </a:schemeClr>
-        </a:solidFill>
-        <a:ln w="12700" cap="flat" cmpd="sng" algn="ctr">
-          <a:solidFill>
-            <a:schemeClr val="lt1">
-              <a:hueOff val="0"/>
-              <a:satOff val="0"/>
-              <a:lumOff val="0"/>
-              <a:alphaOff val="0"/>
-            </a:schemeClr>
-          </a:solidFill>
-          <a:prstDash val="solid"/>
-          <a:miter lim="800000"/>
-        </a:ln>
-        <a:effectLst/>
-      </dsp:spPr>
-      <dsp:style>
-        <a:lnRef idx="2">
-          <a:scrgbClr r="0" g="0" b="0"/>
-        </a:lnRef>
-        <a:fillRef idx="1">
-          <a:scrgbClr r="0" g="0" b="0"/>
-        </a:fillRef>
-        <a:effectRef idx="0">
-          <a:scrgbClr r="0" g="0" b="0"/>
-        </a:effectRef>
-        <a:fontRef idx="minor">
-          <a:schemeClr val="lt1"/>
-        </a:fontRef>
-      </dsp:style>
-      <dsp:txBody>
-        <a:bodyPr spcFirstLastPara="0" vert="horz" wrap="square" lIns="209550" tIns="209550" rIns="209550" bIns="209550" numCol="1" spcCol="1270" anchor="ctr" anchorCtr="0">
-          <a:noAutofit/>
-        </a:bodyPr>
-        <a:lstStyle/>
-        <a:p>
-          <a:pPr marL="0" lvl="0" indent="0" algn="l" defTabSz="2444750">
-            <a:lnSpc>
-              <a:spcPct val="90000"/>
-            </a:lnSpc>
-            <a:spcBef>
-              <a:spcPct val="0"/>
-            </a:spcBef>
-            <a:spcAft>
-              <a:spcPct val="35000"/>
-            </a:spcAft>
-            <a:buNone/>
-          </a:pPr>
-          <a:r>
-            <a:rPr lang="en-US" sz="5500" kern="1200"/>
-            <a:t>Condition</a:t>
-          </a:r>
-        </a:p>
-      </dsp:txBody>
-      <dsp:txXfrm>
-        <a:off x="64397" y="1587824"/>
-        <a:ext cx="6874983" cy="1190381"/>
-      </dsp:txXfrm>
-    </dsp:sp>
-    <dsp:sp modelId="{AD0A19DD-95D0-2F47-9582-E112DAE66DBD}">
-      <dsp:nvSpPr>
-        <dsp:cNvPr id="0" name=""/>
-        <dsp:cNvSpPr/>
-      </dsp:nvSpPr>
-      <dsp:spPr>
-        <a:xfrm>
-          <a:off x="0" y="3001002"/>
-          <a:ext cx="7003777" cy="1319175"/>
-        </a:xfrm>
-        <a:prstGeom prst="roundRect">
-          <a:avLst/>
-        </a:prstGeom>
-        <a:solidFill>
-          <a:schemeClr val="accent2">
-            <a:hueOff val="-13404180"/>
-            <a:satOff val="-510"/>
-            <a:lumOff val="3399"/>
-            <a:alphaOff val="0"/>
-          </a:schemeClr>
-        </a:solidFill>
-        <a:ln w="12700" cap="flat" cmpd="sng" algn="ctr">
-          <a:solidFill>
-            <a:schemeClr val="lt1">
-              <a:hueOff val="0"/>
-              <a:satOff val="0"/>
-              <a:lumOff val="0"/>
-              <a:alphaOff val="0"/>
-            </a:schemeClr>
-          </a:solidFill>
-          <a:prstDash val="solid"/>
-          <a:miter lim="800000"/>
-        </a:ln>
-        <a:effectLst/>
-      </dsp:spPr>
-      <dsp:style>
-        <a:lnRef idx="2">
-          <a:scrgbClr r="0" g="0" b="0"/>
-        </a:lnRef>
-        <a:fillRef idx="1">
-          <a:scrgbClr r="0" g="0" b="0"/>
-        </a:fillRef>
-        <a:effectRef idx="0">
-          <a:scrgbClr r="0" g="0" b="0"/>
-        </a:effectRef>
-        <a:fontRef idx="minor">
-          <a:schemeClr val="lt1"/>
-        </a:fontRef>
-      </dsp:style>
-      <dsp:txBody>
-        <a:bodyPr spcFirstLastPara="0" vert="horz" wrap="square" lIns="209550" tIns="209550" rIns="209550" bIns="209550" numCol="1" spcCol="1270" anchor="ctr" anchorCtr="0">
-          <a:noAutofit/>
-        </a:bodyPr>
-        <a:lstStyle/>
-        <a:p>
-          <a:pPr marL="0" lvl="0" indent="0" algn="l" defTabSz="2444750">
-            <a:lnSpc>
-              <a:spcPct val="90000"/>
-            </a:lnSpc>
-            <a:spcBef>
-              <a:spcPct val="0"/>
-            </a:spcBef>
-            <a:spcAft>
-              <a:spcPct val="35000"/>
-            </a:spcAft>
-            <a:buNone/>
-          </a:pPr>
-          <a:r>
-            <a:rPr lang="en-US" sz="5500" kern="1200"/>
-            <a:t>Brand</a:t>
-          </a:r>
-        </a:p>
-      </dsp:txBody>
-      <dsp:txXfrm>
-        <a:off x="64397" y="3065399"/>
-        <a:ext cx="6874983" cy="1190381"/>
-      </dsp:txXfrm>
-    </dsp:sp>
-    <dsp:sp modelId="{102F454B-A0E0-124B-B624-B9A66CFE8242}">
-      <dsp:nvSpPr>
-        <dsp:cNvPr id="0" name=""/>
-        <dsp:cNvSpPr/>
-      </dsp:nvSpPr>
-      <dsp:spPr>
-        <a:xfrm>
-          <a:off x="0" y="4478577"/>
-          <a:ext cx="7003777" cy="1319175"/>
-        </a:xfrm>
-        <a:prstGeom prst="roundRect">
-          <a:avLst/>
-        </a:prstGeom>
-        <a:solidFill>
-          <a:schemeClr val="accent2">
-            <a:hueOff val="-20106270"/>
-            <a:satOff val="-765"/>
-            <a:lumOff val="5098"/>
-            <a:alphaOff val="0"/>
-          </a:schemeClr>
-        </a:solidFill>
-        <a:ln w="12700" cap="flat" cmpd="sng" algn="ctr">
-          <a:solidFill>
-            <a:schemeClr val="lt1">
-              <a:hueOff val="0"/>
-              <a:satOff val="0"/>
-              <a:lumOff val="0"/>
-              <a:alphaOff val="0"/>
-            </a:schemeClr>
-          </a:solidFill>
-          <a:prstDash val="solid"/>
-          <a:miter lim="800000"/>
-        </a:ln>
-        <a:effectLst/>
-      </dsp:spPr>
-      <dsp:style>
-        <a:lnRef idx="2">
-          <a:scrgbClr r="0" g="0" b="0"/>
-        </a:lnRef>
-        <a:fillRef idx="1">
-          <a:scrgbClr r="0" g="0" b="0"/>
-        </a:fillRef>
-        <a:effectRef idx="0">
-          <a:scrgbClr r="0" g="0" b="0"/>
-        </a:effectRef>
-        <a:fontRef idx="minor">
-          <a:schemeClr val="lt1"/>
-        </a:fontRef>
-      </dsp:style>
-      <dsp:txBody>
-        <a:bodyPr spcFirstLastPara="0" vert="horz" wrap="square" lIns="209550" tIns="209550" rIns="209550" bIns="209550" numCol="1" spcCol="1270" anchor="ctr" anchorCtr="0">
-          <a:noAutofit/>
-        </a:bodyPr>
-        <a:lstStyle/>
-        <a:p>
-          <a:pPr marL="0" lvl="0" indent="0" algn="l" defTabSz="2444750">
-            <a:lnSpc>
-              <a:spcPct val="90000"/>
-            </a:lnSpc>
-            <a:spcBef>
-              <a:spcPct val="0"/>
-            </a:spcBef>
-            <a:spcAft>
-              <a:spcPct val="35000"/>
-            </a:spcAft>
-            <a:buNone/>
-          </a:pPr>
-          <a:r>
-            <a:rPr lang="en-US" sz="5500" kern="1200"/>
-            <a:t>Availability</a:t>
-          </a:r>
-        </a:p>
-      </dsp:txBody>
-      <dsp:txXfrm>
-        <a:off x="64397" y="4542974"/>
-        <a:ext cx="6874983" cy="1190381"/>
-      </dsp:txXfrm>
-    </dsp:sp>
-  </dsp:spTree>
-</dsp:drawing>
-</file>
-
-<file path=ppt/diagrams/drawing2.xml><?xml version="1.0" encoding="utf-8"?>
 <dsp:drawing xmlns:dgm="http://schemas.openxmlformats.org/drawingml/2006/diagram" xmlns:dsp="http://schemas.microsoft.com/office/drawing/2008/diagram" xmlns:a="http://schemas.openxmlformats.org/drawingml/2006/main">
   <dsp:spTree>
     <dsp:nvGrpSpPr>
@@ -3493,173 +2147,6 @@
 </file>
 
 <file path=ppt/diagrams/layout1.xml><?xml version="1.0" encoding="utf-8"?>
-<dgm:layoutDef xmlns:dgm="http://schemas.openxmlformats.org/drawingml/2006/diagram" xmlns:a="http://schemas.openxmlformats.org/drawingml/2006/main" uniqueId="urn:microsoft.com/office/officeart/2005/8/layout/vList2">
-  <dgm:title val=""/>
-  <dgm:desc val=""/>
-  <dgm:catLst>
-    <dgm:cat type="list" pri="3000"/>
-    <dgm:cat type="convert" pri="1000"/>
-  </dgm:catLst>
-  <dgm:sampData>
-    <dgm:dataModel>
-      <dgm:ptLst>
-        <dgm:pt modelId="0" type="doc"/>
-        <dgm:pt modelId="1">
-          <dgm:prSet phldr="1"/>
-        </dgm:pt>
-        <dgm:pt modelId="11">
-          <dgm:prSet phldr="1"/>
-        </dgm:pt>
-        <dgm:pt modelId="2">
-          <dgm:prSet phldr="1"/>
-        </dgm:pt>
-        <dgm:pt modelId="21">
-          <dgm:prSet phldr="1"/>
-        </dgm:pt>
-      </dgm:ptLst>
-      <dgm:cxnLst>
-        <dgm:cxn modelId="4" srcId="0" destId="1" srcOrd="0" destOrd="0"/>
-        <dgm:cxn modelId="5" srcId="0" destId="2" srcOrd="1" destOrd="0"/>
-        <dgm:cxn modelId="12" srcId="1" destId="11" srcOrd="0" destOrd="0"/>
-        <dgm:cxn modelId="23" srcId="2" destId="21" srcOrd="0" destOrd="0"/>
-      </dgm:cxnLst>
-      <dgm:bg/>
-      <dgm:whole/>
-    </dgm:dataModel>
-  </dgm:sampData>
-  <dgm:styleData>
-    <dgm:dataModel>
-      <dgm:ptLst>
-        <dgm:pt modelId="0" type="doc"/>
-        <dgm:pt modelId="1"/>
-        <dgm:pt modelId="2"/>
-      </dgm:ptLst>
-      <dgm:cxnLst>
-        <dgm:cxn modelId="3" srcId="0" destId="1" srcOrd="0" destOrd="0"/>
-        <dgm:cxn modelId="4" srcId="0" destId="2" srcOrd="1" destOrd="0"/>
-      </dgm:cxnLst>
-      <dgm:bg/>
-      <dgm:whole/>
-    </dgm:dataModel>
-  </dgm:styleData>
-  <dgm:clrData>
-    <dgm:dataModel>
-      <dgm:ptLst>
-        <dgm:pt modelId="0" type="doc"/>
-        <dgm:pt modelId="1"/>
-        <dgm:pt modelId="2"/>
-        <dgm:pt modelId="3"/>
-        <dgm:pt modelId="4"/>
-      </dgm:ptLst>
-      <dgm:cxnLst>
-        <dgm:cxn modelId="5" srcId="0" destId="1" srcOrd="0" destOrd="0"/>
-        <dgm:cxn modelId="6" srcId="0" destId="2" srcOrd="1" destOrd="0"/>
-        <dgm:cxn modelId="7" srcId="0" destId="3" srcOrd="2" destOrd="0"/>
-        <dgm:cxn modelId="8" srcId="0" destId="4" srcOrd="3" destOrd="0"/>
-      </dgm:cxnLst>
-      <dgm:bg/>
-      <dgm:whole/>
-    </dgm:dataModel>
-  </dgm:clrData>
-  <dgm:layoutNode name="linear">
-    <dgm:varLst>
-      <dgm:animLvl val="lvl"/>
-      <dgm:resizeHandles val="exact"/>
-    </dgm:varLst>
-    <dgm:alg type="lin">
-      <dgm:param type="linDir" val="fromT"/>
-      <dgm:param type="vertAlign" val="mid"/>
-    </dgm:alg>
-    <dgm:shape xmlns:r="http://schemas.openxmlformats.org/officeDocument/2006/relationships" r:blip="">
-      <dgm:adjLst/>
-    </dgm:shape>
-    <dgm:presOf/>
-    <dgm:constrLst>
-      <dgm:constr type="w" for="ch" forName="parentText" refType="w"/>
-      <dgm:constr type="h" for="ch" forName="parentText" refType="primFontSz" refFor="ch" refForName="parentText" fact="0.52"/>
-      <dgm:constr type="w" for="ch" forName="childText" refType="w"/>
-      <dgm:constr type="h" for="ch" forName="childText" refType="primFontSz" refFor="ch" refForName="parentText" fact="0.46"/>
-      <dgm:constr type="h" for="ch" forName="parentText" op="equ"/>
-      <dgm:constr type="primFontSz" for="ch" forName="parentText" op="equ" val="65"/>
-      <dgm:constr type="primFontSz" for="ch" forName="childText" refType="primFontSz" refFor="ch" refForName="parentText" op="equ"/>
-      <dgm:constr type="h" for="ch" forName="spacer" refType="primFontSz" refFor="ch" refForName="parentText" fact="0.08"/>
-    </dgm:constrLst>
-    <dgm:ruleLst>
-      <dgm:rule type="primFontSz" for="ch" forName="parentText" val="5" fact="NaN" max="NaN"/>
-    </dgm:ruleLst>
-    <dgm:forEach name="Name0" axis="ch" ptType="node">
-      <dgm:layoutNode name="parentText" styleLbl="node1">
-        <dgm:varLst>
-          <dgm:chMax val="0"/>
-          <dgm:bulletEnabled val="1"/>
-        </dgm:varLst>
-        <dgm:alg type="tx">
-          <dgm:param type="parTxLTRAlign" val="l"/>
-          <dgm:param type="parTxRTLAlign" val="r"/>
-        </dgm:alg>
-        <dgm:shape xmlns:r="http://schemas.openxmlformats.org/officeDocument/2006/relationships" type="roundRect" r:blip="">
-          <dgm:adjLst/>
-        </dgm:shape>
-        <dgm:presOf axis="self"/>
-        <dgm:constrLst>
-          <dgm:constr type="tMarg" refType="primFontSz" fact="0.3"/>
-          <dgm:constr type="bMarg" refType="primFontSz" fact="0.3"/>
-          <dgm:constr type="lMarg" refType="primFontSz" fact="0.3"/>
-          <dgm:constr type="rMarg" refType="primFontSz" fact="0.3"/>
-        </dgm:constrLst>
-        <dgm:ruleLst>
-          <dgm:rule type="h" val="INF" fact="NaN" max="NaN"/>
-        </dgm:ruleLst>
-      </dgm:layoutNode>
-      <dgm:choose name="Name1">
-        <dgm:if name="Name2" axis="ch" ptType="node" func="cnt" op="gte" val="1">
-          <dgm:layoutNode name="childText" styleLbl="revTx">
-            <dgm:varLst>
-              <dgm:bulletEnabled val="1"/>
-            </dgm:varLst>
-            <dgm:alg type="tx">
-              <dgm:param type="stBulletLvl" val="1"/>
-              <dgm:param type="lnSpAfChP" val="20"/>
-            </dgm:alg>
-            <dgm:shape xmlns:r="http://schemas.openxmlformats.org/officeDocument/2006/relationships" type="rect" r:blip="">
-              <dgm:adjLst/>
-            </dgm:shape>
-            <dgm:presOf axis="des" ptType="node"/>
-            <dgm:constrLst>
-              <dgm:constr type="tMarg" refType="primFontSz" fact="0.1"/>
-              <dgm:constr type="bMarg" refType="primFontSz" fact="0.1"/>
-              <dgm:constr type="lMarg" refType="w" fact="0.09"/>
-            </dgm:constrLst>
-            <dgm:ruleLst>
-              <dgm:rule type="h" val="INF" fact="NaN" max="NaN"/>
-            </dgm:ruleLst>
-          </dgm:layoutNode>
-        </dgm:if>
-        <dgm:else name="Name3">
-          <dgm:choose name="Name4">
-            <dgm:if name="Name5" axis="par ch" ptType="doc node" func="cnt" op="gte" val="2">
-              <dgm:forEach name="Name6" axis="followSib" ptType="sibTrans" cnt="1">
-                <dgm:layoutNode name="spacer">
-                  <dgm:alg type="sp"/>
-                  <dgm:shape xmlns:r="http://schemas.openxmlformats.org/officeDocument/2006/relationships" r:blip="">
-                    <dgm:adjLst/>
-                  </dgm:shape>
-                  <dgm:presOf/>
-                  <dgm:constrLst/>
-                  <dgm:ruleLst/>
-                </dgm:layoutNode>
-              </dgm:forEach>
-            </dgm:if>
-            <dgm:else name="Name7"/>
-          </dgm:choose>
-        </dgm:else>
-      </dgm:choose>
-    </dgm:forEach>
-  </dgm:layoutNode>
-</dgm:layoutDef>
-</file>
-
-<file path=ppt/diagrams/layout2.xml><?xml version="1.0" encoding="utf-8"?>
 <dgm:layoutDef xmlns:dgm="http://schemas.openxmlformats.org/drawingml/2006/diagram" xmlns:a="http://schemas.openxmlformats.org/drawingml/2006/main" uniqueId="urn:microsoft.com/office/officeart/2005/8/layout/vProcess5">
   <dgm:title val=""/>
   <dgm:desc val=""/>
@@ -5919,1038 +4406,749 @@
 </dgm:styleDef>
 </file>
 
-<file path=ppt/diagrams/quickStyle2.xml><?xml version="1.0" encoding="utf-8"?>
-<dgm:styleDef xmlns:dgm="http://schemas.openxmlformats.org/drawingml/2006/diagram" xmlns:a="http://schemas.openxmlformats.org/drawingml/2006/main" uniqueId="urn:microsoft.com/office/officeart/2005/8/quickstyle/simple1">
-  <dgm:title val=""/>
-  <dgm:desc val=""/>
-  <dgm:catLst>
-    <dgm:cat type="simple" pri="10100"/>
-  </dgm:catLst>
-  <dgm:scene3d>
-    <a:camera prst="orthographicFront"/>
-    <a:lightRig rig="threePt" dir="t"/>
-  </dgm:scene3d>
-  <dgm:styleLbl name="node0">
-    <dgm:scene3d>
-      <a:camera prst="orthographicFront"/>
-      <a:lightRig rig="threePt" dir="t"/>
-    </dgm:scene3d>
-    <dgm:sp3d/>
-    <dgm:txPr/>
-    <dgm:style>
-      <a:lnRef idx="2">
-        <a:scrgbClr r="0" g="0" b="0"/>
-      </a:lnRef>
-      <a:fillRef idx="1">
-        <a:scrgbClr r="0" g="0" b="0"/>
-      </a:fillRef>
-      <a:effectRef idx="0">
-        <a:scrgbClr r="0" g="0" b="0"/>
-      </a:effectRef>
-      <a:fontRef idx="minor">
-        <a:schemeClr val="lt1"/>
-      </a:fontRef>
-    </dgm:style>
-  </dgm:styleLbl>
-  <dgm:styleLbl name="lnNode1">
-    <dgm:scene3d>
-      <a:camera prst="orthographicFront"/>
-      <a:lightRig rig="threePt" dir="t"/>
-    </dgm:scene3d>
-    <dgm:sp3d/>
-    <dgm:txPr/>
-    <dgm:style>
-      <a:lnRef idx="2">
-        <a:scrgbClr r="0" g="0" b="0"/>
-      </a:lnRef>
-      <a:fillRef idx="1">
-        <a:scrgbClr r="0" g="0" b="0"/>
-      </a:fillRef>
-      <a:effectRef idx="0">
-        <a:scrgbClr r="0" g="0" b="0"/>
-      </a:effectRef>
-      <a:fontRef idx="minor">
-        <a:schemeClr val="lt1"/>
-      </a:fontRef>
-    </dgm:style>
-  </dgm:styleLbl>
-  <dgm:styleLbl name="vennNode1">
-    <dgm:scene3d>
-      <a:camera prst="orthographicFront"/>
-      <a:lightRig rig="threePt" dir="t"/>
-    </dgm:scene3d>
-    <dgm:sp3d/>
-    <dgm:txPr/>
-    <dgm:style>
-      <a:lnRef idx="2">
-        <a:scrgbClr r="0" g="0" b="0"/>
-      </a:lnRef>
-      <a:fillRef idx="1">
-        <a:scrgbClr r="0" g="0" b="0"/>
-      </a:fillRef>
-      <a:effectRef idx="0">
-        <a:scrgbClr r="0" g="0" b="0"/>
-      </a:effectRef>
-      <a:fontRef idx="minor">
-        <a:schemeClr val="tx1"/>
-      </a:fontRef>
-    </dgm:style>
-  </dgm:styleLbl>
-  <dgm:styleLbl name="alignNode1">
-    <dgm:scene3d>
-      <a:camera prst="orthographicFront"/>
-      <a:lightRig rig="threePt" dir="t"/>
-    </dgm:scene3d>
-    <dgm:sp3d/>
-    <dgm:txPr/>
-    <dgm:style>
-      <a:lnRef idx="2">
-        <a:scrgbClr r="0" g="0" b="0"/>
-      </a:lnRef>
-      <a:fillRef idx="1">
-        <a:scrgbClr r="0" g="0" b="0"/>
-      </a:fillRef>
-      <a:effectRef idx="0">
-        <a:scrgbClr r="0" g="0" b="0"/>
-      </a:effectRef>
-      <a:fontRef idx="minor">
-        <a:schemeClr val="lt1"/>
-      </a:fontRef>
-    </dgm:style>
-  </dgm:styleLbl>
-  <dgm:styleLbl name="node1">
-    <dgm:scene3d>
-      <a:camera prst="orthographicFront"/>
-      <a:lightRig rig="threePt" dir="t"/>
-    </dgm:scene3d>
-    <dgm:sp3d/>
-    <dgm:txPr/>
-    <dgm:style>
-      <a:lnRef idx="2">
-        <a:scrgbClr r="0" g="0" b="0"/>
-      </a:lnRef>
-      <a:fillRef idx="1">
-        <a:scrgbClr r="0" g="0" b="0"/>
-      </a:fillRef>
-      <a:effectRef idx="0">
-        <a:scrgbClr r="0" g="0" b="0"/>
-      </a:effectRef>
-      <a:fontRef idx="minor">
-        <a:schemeClr val="lt1"/>
-      </a:fontRef>
-    </dgm:style>
-  </dgm:styleLbl>
-  <dgm:styleLbl name="node2">
-    <dgm:scene3d>
-      <a:camera prst="orthographicFront"/>
-      <a:lightRig rig="threePt" dir="t"/>
-    </dgm:scene3d>
-    <dgm:sp3d/>
-    <dgm:txPr/>
-    <dgm:style>
-      <a:lnRef idx="2">
-        <a:scrgbClr r="0" g="0" b="0"/>
-      </a:lnRef>
-      <a:fillRef idx="1">
-        <a:scrgbClr r="0" g="0" b="0"/>
-      </a:fillRef>
-      <a:effectRef idx="0">
-        <a:scrgbClr r="0" g="0" b="0"/>
-      </a:effectRef>
-      <a:fontRef idx="minor">
-        <a:schemeClr val="lt1"/>
-      </a:fontRef>
-    </dgm:style>
-  </dgm:styleLbl>
-  <dgm:styleLbl name="node3">
-    <dgm:scene3d>
-      <a:camera prst="orthographicFront"/>
-      <a:lightRig rig="threePt" dir="t"/>
-    </dgm:scene3d>
-    <dgm:sp3d/>
-    <dgm:txPr/>
-    <dgm:style>
-      <a:lnRef idx="2">
-        <a:scrgbClr r="0" g="0" b="0"/>
-      </a:lnRef>
-      <a:fillRef idx="1">
-        <a:scrgbClr r="0" g="0" b="0"/>
-      </a:fillRef>
-      <a:effectRef idx="0">
-        <a:scrgbClr r="0" g="0" b="0"/>
-      </a:effectRef>
-      <a:fontRef idx="minor">
-        <a:schemeClr val="lt1"/>
-      </a:fontRef>
-    </dgm:style>
-  </dgm:styleLbl>
-  <dgm:styleLbl name="node4">
-    <dgm:scene3d>
-      <a:camera prst="orthographicFront"/>
-      <a:lightRig rig="threePt" dir="t"/>
-    </dgm:scene3d>
-    <dgm:sp3d/>
-    <dgm:txPr/>
-    <dgm:style>
-      <a:lnRef idx="2">
-        <a:scrgbClr r="0" g="0" b="0"/>
-      </a:lnRef>
-      <a:fillRef idx="1">
-        <a:scrgbClr r="0" g="0" b="0"/>
-      </a:fillRef>
-      <a:effectRef idx="0">
-        <a:scrgbClr r="0" g="0" b="0"/>
-      </a:effectRef>
-      <a:fontRef idx="minor">
-        <a:schemeClr val="lt1"/>
-      </a:fontRef>
-    </dgm:style>
-  </dgm:styleLbl>
-  <dgm:styleLbl name="fgImgPlace1">
-    <dgm:scene3d>
-      <a:camera prst="orthographicFront"/>
-      <a:lightRig rig="threePt" dir="t"/>
-    </dgm:scene3d>
-    <dgm:sp3d/>
-    <dgm:txPr/>
-    <dgm:style>
-      <a:lnRef idx="2">
-        <a:scrgbClr r="0" g="0" b="0"/>
-      </a:lnRef>
-      <a:fillRef idx="1">
-        <a:scrgbClr r="0" g="0" b="0"/>
-      </a:fillRef>
-      <a:effectRef idx="0">
-        <a:scrgbClr r="0" g="0" b="0"/>
-      </a:effectRef>
-      <a:fontRef idx="minor"/>
-    </dgm:style>
-  </dgm:styleLbl>
-  <dgm:styleLbl name="alignImgPlace1">
-    <dgm:scene3d>
-      <a:camera prst="orthographicFront"/>
-      <a:lightRig rig="threePt" dir="t"/>
-    </dgm:scene3d>
-    <dgm:sp3d/>
-    <dgm:txPr/>
-    <dgm:style>
-      <a:lnRef idx="2">
-        <a:scrgbClr r="0" g="0" b="0"/>
-      </a:lnRef>
-      <a:fillRef idx="1">
-        <a:scrgbClr r="0" g="0" b="0"/>
-      </a:fillRef>
-      <a:effectRef idx="0">
-        <a:scrgbClr r="0" g="0" b="0"/>
-      </a:effectRef>
-      <a:fontRef idx="minor"/>
-    </dgm:style>
-  </dgm:styleLbl>
-  <dgm:styleLbl name="bgImgPlace1">
-    <dgm:scene3d>
-      <a:camera prst="orthographicFront"/>
-      <a:lightRig rig="threePt" dir="t"/>
-    </dgm:scene3d>
-    <dgm:sp3d/>
-    <dgm:txPr/>
-    <dgm:style>
-      <a:lnRef idx="2">
-        <a:scrgbClr r="0" g="0" b="0"/>
-      </a:lnRef>
-      <a:fillRef idx="1">
-        <a:scrgbClr r="0" g="0" b="0"/>
-      </a:fillRef>
-      <a:effectRef idx="0">
-        <a:scrgbClr r="0" g="0" b="0"/>
-      </a:effectRef>
-      <a:fontRef idx="minor"/>
-    </dgm:style>
-  </dgm:styleLbl>
-  <dgm:styleLbl name="sibTrans2D1">
-    <dgm:scene3d>
-      <a:camera prst="orthographicFront"/>
-      <a:lightRig rig="threePt" dir="t"/>
-    </dgm:scene3d>
-    <dgm:sp3d/>
-    <dgm:txPr/>
-    <dgm:style>
-      <a:lnRef idx="0">
-        <a:scrgbClr r="0" g="0" b="0"/>
-      </a:lnRef>
-      <a:fillRef idx="1">
-        <a:scrgbClr r="0" g="0" b="0"/>
-      </a:fillRef>
-      <a:effectRef idx="0">
-        <a:scrgbClr r="0" g="0" b="0"/>
-      </a:effectRef>
-      <a:fontRef idx="minor">
-        <a:schemeClr val="lt1"/>
-      </a:fontRef>
-    </dgm:style>
-  </dgm:styleLbl>
-  <dgm:styleLbl name="fgSibTrans2D1">
-    <dgm:scene3d>
-      <a:camera prst="orthographicFront"/>
-      <a:lightRig rig="threePt" dir="t"/>
-    </dgm:scene3d>
-    <dgm:sp3d/>
-    <dgm:txPr/>
-    <dgm:style>
-      <a:lnRef idx="0">
-        <a:scrgbClr r="0" g="0" b="0"/>
-      </a:lnRef>
-      <a:fillRef idx="1">
-        <a:scrgbClr r="0" g="0" b="0"/>
-      </a:fillRef>
-      <a:effectRef idx="0">
-        <a:scrgbClr r="0" g="0" b="0"/>
-      </a:effectRef>
-      <a:fontRef idx="minor">
-        <a:schemeClr val="lt1"/>
-      </a:fontRef>
-    </dgm:style>
-  </dgm:styleLbl>
-  <dgm:styleLbl name="bgSibTrans2D1">
-    <dgm:scene3d>
-      <a:camera prst="orthographicFront"/>
-      <a:lightRig rig="threePt" dir="t"/>
-    </dgm:scene3d>
-    <dgm:sp3d/>
-    <dgm:txPr/>
-    <dgm:style>
-      <a:lnRef idx="0">
-        <a:scrgbClr r="0" g="0" b="0"/>
-      </a:lnRef>
-      <a:fillRef idx="1">
-        <a:scrgbClr r="0" g="0" b="0"/>
-      </a:fillRef>
-      <a:effectRef idx="0">
-        <a:scrgbClr r="0" g="0" b="0"/>
-      </a:effectRef>
-      <a:fontRef idx="minor">
-        <a:schemeClr val="lt1"/>
-      </a:fontRef>
-    </dgm:style>
-  </dgm:styleLbl>
-  <dgm:styleLbl name="sibTrans1D1">
-    <dgm:scene3d>
-      <a:camera prst="orthographicFront"/>
-      <a:lightRig rig="threePt" dir="t"/>
-    </dgm:scene3d>
-    <dgm:sp3d/>
-    <dgm:txPr/>
-    <dgm:style>
-      <a:lnRef idx="1">
-        <a:scrgbClr r="0" g="0" b="0"/>
-      </a:lnRef>
-      <a:fillRef idx="0">
-        <a:scrgbClr r="0" g="0" b="0"/>
-      </a:fillRef>
-      <a:effectRef idx="0">
-        <a:scrgbClr r="0" g="0" b="0"/>
-      </a:effectRef>
-      <a:fontRef idx="minor"/>
-    </dgm:style>
-  </dgm:styleLbl>
-  <dgm:styleLbl name="callout">
-    <dgm:scene3d>
-      <a:camera prst="orthographicFront"/>
-      <a:lightRig rig="threePt" dir="t"/>
-    </dgm:scene3d>
-    <dgm:sp3d/>
-    <dgm:txPr/>
-    <dgm:style>
-      <a:lnRef idx="2">
-        <a:scrgbClr r="0" g="0" b="0"/>
-      </a:lnRef>
-      <a:fillRef idx="1">
-        <a:scrgbClr r="0" g="0" b="0"/>
-      </a:fillRef>
-      <a:effectRef idx="0">
-        <a:scrgbClr r="0" g="0" b="0"/>
-      </a:effectRef>
-      <a:fontRef idx="minor"/>
-    </dgm:style>
-  </dgm:styleLbl>
-  <dgm:styleLbl name="asst0">
-    <dgm:scene3d>
-      <a:camera prst="orthographicFront"/>
-      <a:lightRig rig="threePt" dir="t"/>
-    </dgm:scene3d>
-    <dgm:sp3d/>
-    <dgm:txPr/>
-    <dgm:style>
-      <a:lnRef idx="2">
-        <a:scrgbClr r="0" g="0" b="0"/>
-      </a:lnRef>
-      <a:fillRef idx="1">
-        <a:scrgbClr r="0" g="0" b="0"/>
-      </a:fillRef>
-      <a:effectRef idx="0">
-        <a:scrgbClr r="0" g="0" b="0"/>
-      </a:effectRef>
-      <a:fontRef idx="minor">
-        <a:schemeClr val="lt1"/>
-      </a:fontRef>
-    </dgm:style>
-  </dgm:styleLbl>
-  <dgm:styleLbl name="asst1">
-    <dgm:scene3d>
-      <a:camera prst="orthographicFront"/>
-      <a:lightRig rig="threePt" dir="t"/>
-    </dgm:scene3d>
-    <dgm:sp3d/>
-    <dgm:txPr/>
-    <dgm:style>
-      <a:lnRef idx="2">
-        <a:scrgbClr r="0" g="0" b="0"/>
-      </a:lnRef>
-      <a:fillRef idx="1">
-        <a:scrgbClr r="0" g="0" b="0"/>
-      </a:fillRef>
-      <a:effectRef idx="0">
-        <a:scrgbClr r="0" g="0" b="0"/>
-      </a:effectRef>
-      <a:fontRef idx="minor">
-        <a:schemeClr val="lt1"/>
-      </a:fontRef>
-    </dgm:style>
-  </dgm:styleLbl>
-  <dgm:styleLbl name="asst2">
-    <dgm:scene3d>
-      <a:camera prst="orthographicFront"/>
-      <a:lightRig rig="threePt" dir="t"/>
-    </dgm:scene3d>
-    <dgm:sp3d/>
-    <dgm:txPr/>
-    <dgm:style>
-      <a:lnRef idx="2">
-        <a:scrgbClr r="0" g="0" b="0"/>
-      </a:lnRef>
-      <a:fillRef idx="1">
-        <a:scrgbClr r="0" g="0" b="0"/>
-      </a:fillRef>
-      <a:effectRef idx="0">
-        <a:scrgbClr r="0" g="0" b="0"/>
-      </a:effectRef>
-      <a:fontRef idx="minor">
-        <a:schemeClr val="lt1"/>
-      </a:fontRef>
-    </dgm:style>
-  </dgm:styleLbl>
-  <dgm:styleLbl name="asst3">
-    <dgm:scene3d>
-      <a:camera prst="orthographicFront"/>
-      <a:lightRig rig="threePt" dir="t"/>
-    </dgm:scene3d>
-    <dgm:sp3d/>
-    <dgm:txPr/>
-    <dgm:style>
-      <a:lnRef idx="2">
-        <a:scrgbClr r="0" g="0" b="0"/>
-      </a:lnRef>
-      <a:fillRef idx="1">
-        <a:scrgbClr r="0" g="0" b="0"/>
-      </a:fillRef>
-      <a:effectRef idx="0">
-        <a:scrgbClr r="0" g="0" b="0"/>
-      </a:effectRef>
-      <a:fontRef idx="minor">
-        <a:schemeClr val="lt1"/>
-      </a:fontRef>
-    </dgm:style>
-  </dgm:styleLbl>
-  <dgm:styleLbl name="asst4">
-    <dgm:scene3d>
-      <a:camera prst="orthographicFront"/>
-      <a:lightRig rig="threePt" dir="t"/>
-    </dgm:scene3d>
-    <dgm:sp3d/>
-    <dgm:txPr/>
-    <dgm:style>
-      <a:lnRef idx="2">
-        <a:scrgbClr r="0" g="0" b="0"/>
-      </a:lnRef>
-      <a:fillRef idx="1">
-        <a:scrgbClr r="0" g="0" b="0"/>
-      </a:fillRef>
-      <a:effectRef idx="0">
-        <a:scrgbClr r="0" g="0" b="0"/>
-      </a:effectRef>
-      <a:fontRef idx="minor">
-        <a:schemeClr val="lt1"/>
-      </a:fontRef>
-    </dgm:style>
-  </dgm:styleLbl>
-  <dgm:styleLbl name="parChTrans2D1">
-    <dgm:scene3d>
-      <a:camera prst="orthographicFront"/>
-      <a:lightRig rig="threePt" dir="t"/>
-    </dgm:scene3d>
-    <dgm:sp3d/>
-    <dgm:txPr/>
-    <dgm:style>
-      <a:lnRef idx="2">
-        <a:scrgbClr r="0" g="0" b="0"/>
-      </a:lnRef>
-      <a:fillRef idx="1">
-        <a:scrgbClr r="0" g="0" b="0"/>
-      </a:fillRef>
-      <a:effectRef idx="0">
-        <a:scrgbClr r="0" g="0" b="0"/>
-      </a:effectRef>
-      <a:fontRef idx="minor">
-        <a:schemeClr val="lt1"/>
-      </a:fontRef>
-    </dgm:style>
-  </dgm:styleLbl>
-  <dgm:styleLbl name="parChTrans2D2">
-    <dgm:scene3d>
-      <a:camera prst="orthographicFront"/>
-      <a:lightRig rig="threePt" dir="t"/>
-    </dgm:scene3d>
-    <dgm:sp3d/>
-    <dgm:txPr/>
-    <dgm:style>
-      <a:lnRef idx="2">
-        <a:scrgbClr r="0" g="0" b="0"/>
-      </a:lnRef>
-      <a:fillRef idx="1">
-        <a:scrgbClr r="0" g="0" b="0"/>
-      </a:fillRef>
-      <a:effectRef idx="0">
-        <a:scrgbClr r="0" g="0" b="0"/>
-      </a:effectRef>
-      <a:fontRef idx="minor">
-        <a:schemeClr val="lt1"/>
-      </a:fontRef>
-    </dgm:style>
-  </dgm:styleLbl>
-  <dgm:styleLbl name="parChTrans2D3">
-    <dgm:scene3d>
-      <a:camera prst="orthographicFront"/>
-      <a:lightRig rig="threePt" dir="t"/>
-    </dgm:scene3d>
-    <dgm:sp3d/>
-    <dgm:txPr/>
-    <dgm:style>
-      <a:lnRef idx="2">
-        <a:scrgbClr r="0" g="0" b="0"/>
-      </a:lnRef>
-      <a:fillRef idx="1">
-        <a:scrgbClr r="0" g="0" b="0"/>
-      </a:fillRef>
-      <a:effectRef idx="0">
-        <a:scrgbClr r="0" g="0" b="0"/>
-      </a:effectRef>
-      <a:fontRef idx="minor">
-        <a:schemeClr val="lt1"/>
-      </a:fontRef>
-    </dgm:style>
-  </dgm:styleLbl>
-  <dgm:styleLbl name="parChTrans2D4">
-    <dgm:scene3d>
-      <a:camera prst="orthographicFront"/>
-      <a:lightRig rig="threePt" dir="t"/>
-    </dgm:scene3d>
-    <dgm:sp3d/>
-    <dgm:txPr/>
-    <dgm:style>
-      <a:lnRef idx="2">
-        <a:scrgbClr r="0" g="0" b="0"/>
-      </a:lnRef>
-      <a:fillRef idx="1">
-        <a:scrgbClr r="0" g="0" b="0"/>
-      </a:fillRef>
-      <a:effectRef idx="0">
-        <a:scrgbClr r="0" g="0" b="0"/>
-      </a:effectRef>
-      <a:fontRef idx="minor">
-        <a:schemeClr val="lt1"/>
-      </a:fontRef>
-    </dgm:style>
-  </dgm:styleLbl>
-  <dgm:styleLbl name="parChTrans1D1">
-    <dgm:scene3d>
-      <a:camera prst="orthographicFront"/>
-      <a:lightRig rig="threePt" dir="t"/>
-    </dgm:scene3d>
-    <dgm:sp3d/>
-    <dgm:txPr/>
-    <dgm:style>
-      <a:lnRef idx="2">
-        <a:scrgbClr r="0" g="0" b="0"/>
-      </a:lnRef>
-      <a:fillRef idx="0">
-        <a:scrgbClr r="0" g="0" b="0"/>
-      </a:fillRef>
-      <a:effectRef idx="0">
-        <a:scrgbClr r="0" g="0" b="0"/>
-      </a:effectRef>
-      <a:fontRef idx="minor"/>
-    </dgm:style>
-  </dgm:styleLbl>
-  <dgm:styleLbl name="parChTrans1D2">
-    <dgm:scene3d>
-      <a:camera prst="orthographicFront"/>
-      <a:lightRig rig="threePt" dir="t"/>
-    </dgm:scene3d>
-    <dgm:sp3d/>
-    <dgm:txPr/>
-    <dgm:style>
-      <a:lnRef idx="2">
-        <a:scrgbClr r="0" g="0" b="0"/>
-      </a:lnRef>
-      <a:fillRef idx="0">
-        <a:scrgbClr r="0" g="0" b="0"/>
-      </a:fillRef>
-      <a:effectRef idx="0">
-        <a:scrgbClr r="0" g="0" b="0"/>
-      </a:effectRef>
-      <a:fontRef idx="minor"/>
-    </dgm:style>
-  </dgm:styleLbl>
-  <dgm:styleLbl name="parChTrans1D3">
-    <dgm:scene3d>
-      <a:camera prst="orthographicFront"/>
-      <a:lightRig rig="threePt" dir="t"/>
-    </dgm:scene3d>
-    <dgm:sp3d/>
-    <dgm:txPr/>
-    <dgm:style>
-      <a:lnRef idx="2">
-        <a:scrgbClr r="0" g="0" b="0"/>
-      </a:lnRef>
-      <a:fillRef idx="0">
-        <a:scrgbClr r="0" g="0" b="0"/>
-      </a:fillRef>
-      <a:effectRef idx="0">
-        <a:scrgbClr r="0" g="0" b="0"/>
-      </a:effectRef>
-      <a:fontRef idx="minor"/>
-    </dgm:style>
-  </dgm:styleLbl>
-  <dgm:styleLbl name="parChTrans1D4">
-    <dgm:scene3d>
-      <a:camera prst="orthographicFront"/>
-      <a:lightRig rig="threePt" dir="t"/>
-    </dgm:scene3d>
-    <dgm:sp3d/>
-    <dgm:txPr/>
-    <dgm:style>
-      <a:lnRef idx="2">
-        <a:scrgbClr r="0" g="0" b="0"/>
-      </a:lnRef>
-      <a:fillRef idx="0">
-        <a:scrgbClr r="0" g="0" b="0"/>
-      </a:fillRef>
-      <a:effectRef idx="0">
-        <a:scrgbClr r="0" g="0" b="0"/>
-      </a:effectRef>
-      <a:fontRef idx="minor"/>
-    </dgm:style>
-  </dgm:styleLbl>
-  <dgm:styleLbl name="fgAcc1">
-    <dgm:scene3d>
-      <a:camera prst="orthographicFront"/>
-      <a:lightRig rig="threePt" dir="t"/>
-    </dgm:scene3d>
-    <dgm:sp3d/>
-    <dgm:txPr/>
-    <dgm:style>
-      <a:lnRef idx="2">
-        <a:scrgbClr r="0" g="0" b="0"/>
-      </a:lnRef>
-      <a:fillRef idx="1">
-        <a:scrgbClr r="0" g="0" b="0"/>
-      </a:fillRef>
-      <a:effectRef idx="0">
-        <a:scrgbClr r="0" g="0" b="0"/>
-      </a:effectRef>
-      <a:fontRef idx="minor"/>
-    </dgm:style>
-  </dgm:styleLbl>
-  <dgm:styleLbl name="conFgAcc1">
-    <dgm:scene3d>
-      <a:camera prst="orthographicFront"/>
-      <a:lightRig rig="threePt" dir="t"/>
-    </dgm:scene3d>
-    <dgm:sp3d/>
-    <dgm:txPr/>
-    <dgm:style>
-      <a:lnRef idx="2">
-        <a:scrgbClr r="0" g="0" b="0"/>
-      </a:lnRef>
-      <a:fillRef idx="1">
-        <a:scrgbClr r="0" g="0" b="0"/>
-      </a:fillRef>
-      <a:effectRef idx="0">
-        <a:scrgbClr r="0" g="0" b="0"/>
-      </a:effectRef>
-      <a:fontRef idx="minor"/>
-    </dgm:style>
-  </dgm:styleLbl>
-  <dgm:styleLbl name="alignAcc1">
-    <dgm:scene3d>
-      <a:camera prst="orthographicFront"/>
-      <a:lightRig rig="threePt" dir="t"/>
-    </dgm:scene3d>
-    <dgm:sp3d/>
-    <dgm:txPr/>
-    <dgm:style>
-      <a:lnRef idx="2">
-        <a:scrgbClr r="0" g="0" b="0"/>
-      </a:lnRef>
-      <a:fillRef idx="1">
-        <a:scrgbClr r="0" g="0" b="0"/>
-      </a:fillRef>
-      <a:effectRef idx="0">
-        <a:scrgbClr r="0" g="0" b="0"/>
-      </a:effectRef>
-      <a:fontRef idx="minor"/>
-    </dgm:style>
-  </dgm:styleLbl>
-  <dgm:styleLbl name="trAlignAcc1">
-    <dgm:scene3d>
-      <a:camera prst="orthographicFront"/>
-      <a:lightRig rig="threePt" dir="t"/>
-    </dgm:scene3d>
-    <dgm:sp3d/>
-    <dgm:txPr/>
-    <dgm:style>
-      <a:lnRef idx="1">
-        <a:scrgbClr r="0" g="0" b="0"/>
-      </a:lnRef>
-      <a:fillRef idx="1">
-        <a:scrgbClr r="0" g="0" b="0"/>
-      </a:fillRef>
-      <a:effectRef idx="0">
-        <a:scrgbClr r="0" g="0" b="0"/>
-      </a:effectRef>
-      <a:fontRef idx="minor"/>
-    </dgm:style>
-  </dgm:styleLbl>
-  <dgm:styleLbl name="bgAcc1">
-    <dgm:scene3d>
-      <a:camera prst="orthographicFront"/>
-      <a:lightRig rig="threePt" dir="t"/>
-    </dgm:scene3d>
-    <dgm:sp3d/>
-    <dgm:txPr/>
-    <dgm:style>
-      <a:lnRef idx="2">
-        <a:scrgbClr r="0" g="0" b="0"/>
-      </a:lnRef>
-      <a:fillRef idx="1">
-        <a:scrgbClr r="0" g="0" b="0"/>
-      </a:fillRef>
-      <a:effectRef idx="0">
-        <a:scrgbClr r="0" g="0" b="0"/>
-      </a:effectRef>
-      <a:fontRef idx="minor"/>
-    </dgm:style>
-  </dgm:styleLbl>
-  <dgm:styleLbl name="solidFgAcc1">
-    <dgm:scene3d>
-      <a:camera prst="orthographicFront"/>
-      <a:lightRig rig="threePt" dir="t"/>
-    </dgm:scene3d>
-    <dgm:sp3d/>
-    <dgm:txPr/>
-    <dgm:style>
-      <a:lnRef idx="2">
-        <a:scrgbClr r="0" g="0" b="0"/>
-      </a:lnRef>
-      <a:fillRef idx="1">
-        <a:scrgbClr r="0" g="0" b="0"/>
-      </a:fillRef>
-      <a:effectRef idx="0">
-        <a:scrgbClr r="0" g="0" b="0"/>
-      </a:effectRef>
-      <a:fontRef idx="minor"/>
-    </dgm:style>
-  </dgm:styleLbl>
-  <dgm:styleLbl name="solidAlignAcc1">
-    <dgm:scene3d>
-      <a:camera prst="orthographicFront"/>
-      <a:lightRig rig="threePt" dir="t"/>
-    </dgm:scene3d>
-    <dgm:sp3d/>
-    <dgm:txPr/>
-    <dgm:style>
-      <a:lnRef idx="2">
-        <a:scrgbClr r="0" g="0" b="0"/>
-      </a:lnRef>
-      <a:fillRef idx="1">
-        <a:scrgbClr r="0" g="0" b="0"/>
-      </a:fillRef>
-      <a:effectRef idx="0">
-        <a:scrgbClr r="0" g="0" b="0"/>
-      </a:effectRef>
-      <a:fontRef idx="minor"/>
-    </dgm:style>
-  </dgm:styleLbl>
-  <dgm:styleLbl name="solidBgAcc1">
-    <dgm:scene3d>
-      <a:camera prst="orthographicFront"/>
-      <a:lightRig rig="threePt" dir="t"/>
-    </dgm:scene3d>
-    <dgm:sp3d/>
-    <dgm:txPr/>
-    <dgm:style>
-      <a:lnRef idx="2">
-        <a:scrgbClr r="0" g="0" b="0"/>
-      </a:lnRef>
-      <a:fillRef idx="1">
-        <a:scrgbClr r="0" g="0" b="0"/>
-      </a:fillRef>
-      <a:effectRef idx="0">
-        <a:scrgbClr r="0" g="0" b="0"/>
-      </a:effectRef>
-      <a:fontRef idx="minor"/>
-    </dgm:style>
-  </dgm:styleLbl>
-  <dgm:styleLbl name="fgAccFollowNode1">
-    <dgm:scene3d>
-      <a:camera prst="orthographicFront"/>
-      <a:lightRig rig="threePt" dir="t"/>
-    </dgm:scene3d>
-    <dgm:sp3d/>
-    <dgm:txPr/>
-    <dgm:style>
-      <a:lnRef idx="2">
-        <a:scrgbClr r="0" g="0" b="0"/>
-      </a:lnRef>
-      <a:fillRef idx="1">
-        <a:scrgbClr r="0" g="0" b="0"/>
-      </a:fillRef>
-      <a:effectRef idx="0">
-        <a:scrgbClr r="0" g="0" b="0"/>
-      </a:effectRef>
-      <a:fontRef idx="minor"/>
-    </dgm:style>
-  </dgm:styleLbl>
-  <dgm:styleLbl name="alignAccFollowNode1">
-    <dgm:scene3d>
-      <a:camera prst="orthographicFront"/>
-      <a:lightRig rig="threePt" dir="t"/>
-    </dgm:scene3d>
-    <dgm:sp3d/>
-    <dgm:txPr/>
-    <dgm:style>
-      <a:lnRef idx="2">
-        <a:scrgbClr r="0" g="0" b="0"/>
-      </a:lnRef>
-      <a:fillRef idx="1">
-        <a:scrgbClr r="0" g="0" b="0"/>
-      </a:fillRef>
-      <a:effectRef idx="0">
-        <a:scrgbClr r="0" g="0" b="0"/>
-      </a:effectRef>
-      <a:fontRef idx="minor"/>
-    </dgm:style>
-  </dgm:styleLbl>
-  <dgm:styleLbl name="bgAccFollowNode1">
-    <dgm:scene3d>
-      <a:camera prst="orthographicFront"/>
-      <a:lightRig rig="threePt" dir="t"/>
-    </dgm:scene3d>
-    <dgm:sp3d/>
-    <dgm:txPr/>
-    <dgm:style>
-      <a:lnRef idx="2">
-        <a:scrgbClr r="0" g="0" b="0"/>
-      </a:lnRef>
-      <a:fillRef idx="1">
-        <a:scrgbClr r="0" g="0" b="0"/>
-      </a:fillRef>
-      <a:effectRef idx="0">
-        <a:scrgbClr r="0" g="0" b="0"/>
-      </a:effectRef>
-      <a:fontRef idx="minor"/>
-    </dgm:style>
-  </dgm:styleLbl>
-  <dgm:styleLbl name="fgAcc0">
-    <dgm:scene3d>
-      <a:camera prst="orthographicFront"/>
-      <a:lightRig rig="threePt" dir="t"/>
-    </dgm:scene3d>
-    <dgm:sp3d/>
-    <dgm:txPr/>
-    <dgm:style>
-      <a:lnRef idx="2">
-        <a:scrgbClr r="0" g="0" b="0"/>
-      </a:lnRef>
-      <a:fillRef idx="1">
-        <a:scrgbClr r="0" g="0" b="0"/>
-      </a:fillRef>
-      <a:effectRef idx="0">
-        <a:scrgbClr r="0" g="0" b="0"/>
-      </a:effectRef>
-      <a:fontRef idx="minor"/>
-    </dgm:style>
-  </dgm:styleLbl>
-  <dgm:styleLbl name="fgAcc2">
-    <dgm:scene3d>
-      <a:camera prst="orthographicFront"/>
-      <a:lightRig rig="threePt" dir="t"/>
-    </dgm:scene3d>
-    <dgm:sp3d/>
-    <dgm:txPr/>
-    <dgm:style>
-      <a:lnRef idx="2">
-        <a:scrgbClr r="0" g="0" b="0"/>
-      </a:lnRef>
-      <a:fillRef idx="1">
-        <a:scrgbClr r="0" g="0" b="0"/>
-      </a:fillRef>
-      <a:effectRef idx="0">
-        <a:scrgbClr r="0" g="0" b="0"/>
-      </a:effectRef>
-      <a:fontRef idx="minor"/>
-    </dgm:style>
-  </dgm:styleLbl>
-  <dgm:styleLbl name="fgAcc3">
-    <dgm:scene3d>
-      <a:camera prst="orthographicFront"/>
-      <a:lightRig rig="threePt" dir="t"/>
-    </dgm:scene3d>
-    <dgm:sp3d/>
-    <dgm:txPr/>
-    <dgm:style>
-      <a:lnRef idx="2">
-        <a:scrgbClr r="0" g="0" b="0"/>
-      </a:lnRef>
-      <a:fillRef idx="1">
-        <a:scrgbClr r="0" g="0" b="0"/>
-      </a:fillRef>
-      <a:effectRef idx="0">
-        <a:scrgbClr r="0" g="0" b="0"/>
-      </a:effectRef>
-      <a:fontRef idx="minor"/>
-    </dgm:style>
-  </dgm:styleLbl>
-  <dgm:styleLbl name="fgAcc4">
-    <dgm:scene3d>
-      <a:camera prst="orthographicFront"/>
-      <a:lightRig rig="threePt" dir="t"/>
-    </dgm:scene3d>
-    <dgm:sp3d/>
-    <dgm:txPr/>
-    <dgm:style>
-      <a:lnRef idx="2">
-        <a:scrgbClr r="0" g="0" b="0"/>
-      </a:lnRef>
-      <a:fillRef idx="1">
-        <a:scrgbClr r="0" g="0" b="0"/>
-      </a:fillRef>
-      <a:effectRef idx="0">
-        <a:scrgbClr r="0" g="0" b="0"/>
-      </a:effectRef>
-      <a:fontRef idx="minor"/>
-    </dgm:style>
-  </dgm:styleLbl>
-  <dgm:styleLbl name="bgShp">
-    <dgm:scene3d>
-      <a:camera prst="orthographicFront"/>
-      <a:lightRig rig="threePt" dir="t"/>
-    </dgm:scene3d>
-    <dgm:sp3d/>
-    <dgm:txPr/>
-    <dgm:style>
-      <a:lnRef idx="0">
-        <a:scrgbClr r="0" g="0" b="0"/>
-      </a:lnRef>
-      <a:fillRef idx="1">
-        <a:scrgbClr r="0" g="0" b="0"/>
-      </a:fillRef>
-      <a:effectRef idx="0">
-        <a:scrgbClr r="0" g="0" b="0"/>
-      </a:effectRef>
-      <a:fontRef idx="minor"/>
-    </dgm:style>
-  </dgm:styleLbl>
-  <dgm:styleLbl name="dkBgShp">
-    <dgm:scene3d>
-      <a:camera prst="orthographicFront"/>
-      <a:lightRig rig="threePt" dir="t"/>
-    </dgm:scene3d>
-    <dgm:sp3d/>
-    <dgm:txPr/>
-    <dgm:style>
-      <a:lnRef idx="0">
-        <a:scrgbClr r="0" g="0" b="0"/>
-      </a:lnRef>
-      <a:fillRef idx="1">
-        <a:scrgbClr r="0" g="0" b="0"/>
-      </a:fillRef>
-      <a:effectRef idx="0">
-        <a:scrgbClr r="0" g="0" b="0"/>
-      </a:effectRef>
-      <a:fontRef idx="minor"/>
-    </dgm:style>
-  </dgm:styleLbl>
-  <dgm:styleLbl name="trBgShp">
-    <dgm:scene3d>
-      <a:camera prst="orthographicFront"/>
-      <a:lightRig rig="threePt" dir="t"/>
-    </dgm:scene3d>
-    <dgm:sp3d/>
-    <dgm:txPr/>
-    <dgm:style>
-      <a:lnRef idx="0">
-        <a:scrgbClr r="0" g="0" b="0"/>
-      </a:lnRef>
-      <a:fillRef idx="1">
-        <a:scrgbClr r="0" g="0" b="0"/>
-      </a:fillRef>
-      <a:effectRef idx="0">
-        <a:scrgbClr r="0" g="0" b="0"/>
-      </a:effectRef>
-      <a:fontRef idx="minor"/>
-    </dgm:style>
-  </dgm:styleLbl>
-  <dgm:styleLbl name="fgShp">
-    <dgm:scene3d>
-      <a:camera prst="orthographicFront"/>
-      <a:lightRig rig="threePt" dir="t"/>
-    </dgm:scene3d>
-    <dgm:sp3d/>
-    <dgm:txPr/>
-    <dgm:style>
-      <a:lnRef idx="2">
-        <a:scrgbClr r="0" g="0" b="0"/>
-      </a:lnRef>
-      <a:fillRef idx="1">
-        <a:scrgbClr r="0" g="0" b="0"/>
-      </a:fillRef>
-      <a:effectRef idx="0">
-        <a:scrgbClr r="0" g="0" b="0"/>
-      </a:effectRef>
-      <a:fontRef idx="minor"/>
-    </dgm:style>
-  </dgm:styleLbl>
-  <dgm:styleLbl name="revTx">
-    <dgm:scene3d>
-      <a:camera prst="orthographicFront"/>
-      <a:lightRig rig="threePt" dir="t"/>
-    </dgm:scene3d>
-    <dgm:sp3d/>
-    <dgm:txPr/>
-    <dgm:style>
-      <a:lnRef idx="0">
-        <a:scrgbClr r="0" g="0" b="0"/>
-      </a:lnRef>
-      <a:fillRef idx="0">
-        <a:scrgbClr r="0" g="0" b="0"/>
-      </a:fillRef>
-      <a:effectRef idx="0">
-        <a:scrgbClr r="0" g="0" b="0"/>
-      </a:effectRef>
-      <a:fontRef idx="minor"/>
-    </dgm:style>
-  </dgm:styleLbl>
-</dgm:styleDef>
+<file path=ppt/notesMasters/notesMaster1.xml><?xml version="1.0" encoding="utf-8"?>
+<p:notesMaster xmlns:a="http://schemas.openxmlformats.org/drawingml/2006/main" xmlns:r="http://schemas.openxmlformats.org/officeDocument/2006/relationships" xmlns:p="http://schemas.openxmlformats.org/presentationml/2006/main">
+  <p:cSld>
+    <p:bg>
+      <p:bgRef idx="1001">
+        <a:schemeClr val="bg1"/>
+      </p:bgRef>
+    </p:bg>
+    <p:spTree>
+      <p:nvGrpSpPr>
+        <p:cNvPr id="1" name=""/>
+        <p:cNvGrpSpPr/>
+        <p:nvPr/>
+      </p:nvGrpSpPr>
+      <p:grpSpPr>
+        <a:xfrm>
+          <a:off x="0" y="0"/>
+          <a:ext cx="0" cy="0"/>
+          <a:chOff x="0" y="0"/>
+          <a:chExt cx="0" cy="0"/>
+        </a:xfrm>
+      </p:grpSpPr>
+      <p:sp>
+        <p:nvSpPr>
+          <p:cNvPr id="2" name="Header Placeholder 1"/>
+          <p:cNvSpPr>
+            <a:spLocks noGrp="1"/>
+          </p:cNvSpPr>
+          <p:nvPr>
+            <p:ph type="hdr" sz="quarter"/>
+          </p:nvPr>
+        </p:nvSpPr>
+        <p:spPr>
+          <a:xfrm>
+            <a:off x="0" y="0"/>
+            <a:ext cx="2971800" cy="458788"/>
+          </a:xfrm>
+          <a:prstGeom prst="rect">
+            <a:avLst/>
+          </a:prstGeom>
+        </p:spPr>
+        <p:txBody>
+          <a:bodyPr vert="horz" lIns="91440" tIns="45720" rIns="91440" bIns="45720" rtlCol="0"/>
+          <a:lstStyle>
+            <a:lvl1pPr algn="l">
+              <a:defRPr sz="1200"/>
+            </a:lvl1pPr>
+          </a:lstStyle>
+          <a:p>
+            <a:endParaRPr lang="en-US"/>
+          </a:p>
+        </p:txBody>
+      </p:sp>
+      <p:sp>
+        <p:nvSpPr>
+          <p:cNvPr id="3" name="Date Placeholder 2"/>
+          <p:cNvSpPr>
+            <a:spLocks noGrp="1"/>
+          </p:cNvSpPr>
+          <p:nvPr>
+            <p:ph type="dt" idx="1"/>
+          </p:nvPr>
+        </p:nvSpPr>
+        <p:spPr>
+          <a:xfrm>
+            <a:off x="3884613" y="0"/>
+            <a:ext cx="2971800" cy="458788"/>
+          </a:xfrm>
+          <a:prstGeom prst="rect">
+            <a:avLst/>
+          </a:prstGeom>
+        </p:spPr>
+        <p:txBody>
+          <a:bodyPr vert="horz" lIns="91440" tIns="45720" rIns="91440" bIns="45720" rtlCol="0"/>
+          <a:lstStyle>
+            <a:lvl1pPr algn="r">
+              <a:defRPr sz="1200"/>
+            </a:lvl1pPr>
+          </a:lstStyle>
+          <a:p>
+            <a:fld id="{203AFFF2-AC96-E541-BEB9-8E7F2F669946}" type="datetimeFigureOut">
+              <a:rPr lang="en-US" smtClean="0"/>
+              <a:t>10/30/20</a:t>
+            </a:fld>
+            <a:endParaRPr lang="en-US"/>
+          </a:p>
+        </p:txBody>
+      </p:sp>
+      <p:sp>
+        <p:nvSpPr>
+          <p:cNvPr id="4" name="Slide Image Placeholder 3"/>
+          <p:cNvSpPr>
+            <a:spLocks noGrp="1" noRot="1" noChangeAspect="1"/>
+          </p:cNvSpPr>
+          <p:nvPr>
+            <p:ph type="sldImg" idx="2"/>
+          </p:nvPr>
+        </p:nvSpPr>
+        <p:spPr>
+          <a:xfrm>
+            <a:off x="685800" y="1143000"/>
+            <a:ext cx="5486400" cy="3086100"/>
+          </a:xfrm>
+          <a:prstGeom prst="rect">
+            <a:avLst/>
+          </a:prstGeom>
+          <a:noFill/>
+          <a:ln w="12700">
+            <a:solidFill>
+              <a:prstClr val="black"/>
+            </a:solidFill>
+          </a:ln>
+        </p:spPr>
+        <p:txBody>
+          <a:bodyPr vert="horz" lIns="91440" tIns="45720" rIns="91440" bIns="45720" rtlCol="0" anchor="ctr"/>
+          <a:lstStyle/>
+          <a:p>
+            <a:endParaRPr lang="en-US"/>
+          </a:p>
+        </p:txBody>
+      </p:sp>
+      <p:sp>
+        <p:nvSpPr>
+          <p:cNvPr id="5" name="Notes Placeholder 4"/>
+          <p:cNvSpPr>
+            <a:spLocks noGrp="1"/>
+          </p:cNvSpPr>
+          <p:nvPr>
+            <p:ph type="body" sz="quarter" idx="3"/>
+          </p:nvPr>
+        </p:nvSpPr>
+        <p:spPr>
+          <a:xfrm>
+            <a:off x="685800" y="4400550"/>
+            <a:ext cx="5486400" cy="3600450"/>
+          </a:xfrm>
+          <a:prstGeom prst="rect">
+            <a:avLst/>
+          </a:prstGeom>
+        </p:spPr>
+        <p:txBody>
+          <a:bodyPr vert="horz" lIns="91440" tIns="45720" rIns="91440" bIns="45720" rtlCol="0"/>
+          <a:lstStyle/>
+          <a:p>
+            <a:pPr lvl="0"/>
+            <a:r>
+              <a:rPr lang="en-US"/>
+              <a:t>Click to edit Master text styles</a:t>
+            </a:r>
+          </a:p>
+          <a:p>
+            <a:pPr lvl="1"/>
+            <a:r>
+              <a:rPr lang="en-US"/>
+              <a:t>Second level</a:t>
+            </a:r>
+          </a:p>
+          <a:p>
+            <a:pPr lvl="2"/>
+            <a:r>
+              <a:rPr lang="en-US"/>
+              <a:t>Third level</a:t>
+            </a:r>
+          </a:p>
+          <a:p>
+            <a:pPr lvl="3"/>
+            <a:r>
+              <a:rPr lang="en-US"/>
+              <a:t>Fourth level</a:t>
+            </a:r>
+          </a:p>
+          <a:p>
+            <a:pPr lvl="4"/>
+            <a:r>
+              <a:rPr lang="en-US"/>
+              <a:t>Fifth level</a:t>
+            </a:r>
+          </a:p>
+        </p:txBody>
+      </p:sp>
+      <p:sp>
+        <p:nvSpPr>
+          <p:cNvPr id="6" name="Footer Placeholder 5"/>
+          <p:cNvSpPr>
+            <a:spLocks noGrp="1"/>
+          </p:cNvSpPr>
+          <p:nvPr>
+            <p:ph type="ftr" sz="quarter" idx="4"/>
+          </p:nvPr>
+        </p:nvSpPr>
+        <p:spPr>
+          <a:xfrm>
+            <a:off x="0" y="8685213"/>
+            <a:ext cx="2971800" cy="458787"/>
+          </a:xfrm>
+          <a:prstGeom prst="rect">
+            <a:avLst/>
+          </a:prstGeom>
+        </p:spPr>
+        <p:txBody>
+          <a:bodyPr vert="horz" lIns="91440" tIns="45720" rIns="91440" bIns="45720" rtlCol="0" anchor="b"/>
+          <a:lstStyle>
+            <a:lvl1pPr algn="l">
+              <a:defRPr sz="1200"/>
+            </a:lvl1pPr>
+          </a:lstStyle>
+          <a:p>
+            <a:endParaRPr lang="en-US"/>
+          </a:p>
+        </p:txBody>
+      </p:sp>
+      <p:sp>
+        <p:nvSpPr>
+          <p:cNvPr id="7" name="Slide Number Placeholder 6"/>
+          <p:cNvSpPr>
+            <a:spLocks noGrp="1"/>
+          </p:cNvSpPr>
+          <p:nvPr>
+            <p:ph type="sldNum" sz="quarter" idx="5"/>
+          </p:nvPr>
+        </p:nvSpPr>
+        <p:spPr>
+          <a:xfrm>
+            <a:off x="3884613" y="8685213"/>
+            <a:ext cx="2971800" cy="458787"/>
+          </a:xfrm>
+          <a:prstGeom prst="rect">
+            <a:avLst/>
+          </a:prstGeom>
+        </p:spPr>
+        <p:txBody>
+          <a:bodyPr vert="horz" lIns="91440" tIns="45720" rIns="91440" bIns="45720" rtlCol="0" anchor="b"/>
+          <a:lstStyle>
+            <a:lvl1pPr algn="r">
+              <a:defRPr sz="1200"/>
+            </a:lvl1pPr>
+          </a:lstStyle>
+          <a:p>
+            <a:fld id="{08C03CC7-EF64-8E4E-B9AF-3A908D1FABC3}" type="slidenum">
+              <a:rPr lang="en-US" smtClean="0"/>
+              <a:t>‹#›</a:t>
+            </a:fld>
+            <a:endParaRPr lang="en-US"/>
+          </a:p>
+        </p:txBody>
+      </p:sp>
+    </p:spTree>
+    <p:extLst>
+      <p:ext uri="{BB962C8B-B14F-4D97-AF65-F5344CB8AC3E}">
+        <p14:creationId xmlns:p14="http://schemas.microsoft.com/office/powerpoint/2010/main" val="1771609210"/>
+      </p:ext>
+    </p:extLst>
+  </p:cSld>
+  <p:clrMap bg1="lt1" tx1="dk1" bg2="lt2" tx2="dk2" accent1="accent1" accent2="accent2" accent3="accent3" accent4="accent4" accent5="accent5" accent6="accent6" hlink="hlink" folHlink="folHlink"/>
+  <p:notesStyle>
+    <a:lvl1pPr marL="0" algn="l" defTabSz="914400" rtl="0" eaLnBrk="1" latinLnBrk="0" hangingPunct="1">
+      <a:defRPr sz="1200" kern="1200">
+        <a:solidFill>
+          <a:schemeClr val="tx1"/>
+        </a:solidFill>
+        <a:latin typeface="+mn-lt"/>
+        <a:ea typeface="+mn-ea"/>
+        <a:cs typeface="+mn-cs"/>
+      </a:defRPr>
+    </a:lvl1pPr>
+    <a:lvl2pPr marL="457200" algn="l" defTabSz="914400" rtl="0" eaLnBrk="1" latinLnBrk="0" hangingPunct="1">
+      <a:defRPr sz="1200" kern="1200">
+        <a:solidFill>
+          <a:schemeClr val="tx1"/>
+        </a:solidFill>
+        <a:latin typeface="+mn-lt"/>
+        <a:ea typeface="+mn-ea"/>
+        <a:cs typeface="+mn-cs"/>
+      </a:defRPr>
+    </a:lvl2pPr>
+    <a:lvl3pPr marL="914400" algn="l" defTabSz="914400" rtl="0" eaLnBrk="1" latinLnBrk="0" hangingPunct="1">
+      <a:defRPr sz="1200" kern="1200">
+        <a:solidFill>
+          <a:schemeClr val="tx1"/>
+        </a:solidFill>
+        <a:latin typeface="+mn-lt"/>
+        <a:ea typeface="+mn-ea"/>
+        <a:cs typeface="+mn-cs"/>
+      </a:defRPr>
+    </a:lvl3pPr>
+    <a:lvl4pPr marL="1371600" algn="l" defTabSz="914400" rtl="0" eaLnBrk="1" latinLnBrk="0" hangingPunct="1">
+      <a:defRPr sz="1200" kern="1200">
+        <a:solidFill>
+          <a:schemeClr val="tx1"/>
+        </a:solidFill>
+        <a:latin typeface="+mn-lt"/>
+        <a:ea typeface="+mn-ea"/>
+        <a:cs typeface="+mn-cs"/>
+      </a:defRPr>
+    </a:lvl4pPr>
+    <a:lvl5pPr marL="1828800" algn="l" defTabSz="914400" rtl="0" eaLnBrk="1" latinLnBrk="0" hangingPunct="1">
+      <a:defRPr sz="1200" kern="1200">
+        <a:solidFill>
+          <a:schemeClr val="tx1"/>
+        </a:solidFill>
+        <a:latin typeface="+mn-lt"/>
+        <a:ea typeface="+mn-ea"/>
+        <a:cs typeface="+mn-cs"/>
+      </a:defRPr>
+    </a:lvl5pPr>
+    <a:lvl6pPr marL="2286000" algn="l" defTabSz="914400" rtl="0" eaLnBrk="1" latinLnBrk="0" hangingPunct="1">
+      <a:defRPr sz="1200" kern="1200">
+        <a:solidFill>
+          <a:schemeClr val="tx1"/>
+        </a:solidFill>
+        <a:latin typeface="+mn-lt"/>
+        <a:ea typeface="+mn-ea"/>
+        <a:cs typeface="+mn-cs"/>
+      </a:defRPr>
+    </a:lvl6pPr>
+    <a:lvl7pPr marL="2743200" algn="l" defTabSz="914400" rtl="0" eaLnBrk="1" latinLnBrk="0" hangingPunct="1">
+      <a:defRPr sz="1200" kern="1200">
+        <a:solidFill>
+          <a:schemeClr val="tx1"/>
+        </a:solidFill>
+        <a:latin typeface="+mn-lt"/>
+        <a:ea typeface="+mn-ea"/>
+        <a:cs typeface="+mn-cs"/>
+      </a:defRPr>
+    </a:lvl7pPr>
+    <a:lvl8pPr marL="3200400" algn="l" defTabSz="914400" rtl="0" eaLnBrk="1" latinLnBrk="0" hangingPunct="1">
+      <a:defRPr sz="1200" kern="1200">
+        <a:solidFill>
+          <a:schemeClr val="tx1"/>
+        </a:solidFill>
+        <a:latin typeface="+mn-lt"/>
+        <a:ea typeface="+mn-ea"/>
+        <a:cs typeface="+mn-cs"/>
+      </a:defRPr>
+    </a:lvl8pPr>
+    <a:lvl9pPr marL="3657600" algn="l" defTabSz="914400" rtl="0" eaLnBrk="1" latinLnBrk="0" hangingPunct="1">
+      <a:defRPr sz="1200" kern="1200">
+        <a:solidFill>
+          <a:schemeClr val="tx1"/>
+        </a:solidFill>
+        <a:latin typeface="+mn-lt"/>
+        <a:ea typeface="+mn-ea"/>
+        <a:cs typeface="+mn-cs"/>
+      </a:defRPr>
+    </a:lvl9pPr>
+  </p:notesStyle>
+</p:notesMaster>
+</file>
+
+<file path=ppt/notesSlides/notesSlide1.xml><?xml version="1.0" encoding="utf-8"?>
+<p:notes xmlns:a="http://schemas.openxmlformats.org/drawingml/2006/main" xmlns:r="http://schemas.openxmlformats.org/officeDocument/2006/relationships" xmlns:p="http://schemas.openxmlformats.org/presentationml/2006/main">
+  <p:cSld>
+    <p:spTree>
+      <p:nvGrpSpPr>
+        <p:cNvPr id="1" name=""/>
+        <p:cNvGrpSpPr/>
+        <p:nvPr/>
+      </p:nvGrpSpPr>
+      <p:grpSpPr>
+        <a:xfrm>
+          <a:off x="0" y="0"/>
+          <a:ext cx="0" cy="0"/>
+          <a:chOff x="0" y="0"/>
+          <a:chExt cx="0" cy="0"/>
+        </a:xfrm>
+      </p:grpSpPr>
+      <p:sp>
+        <p:nvSpPr>
+          <p:cNvPr id="2" name="Slide Image Placeholder 1"/>
+          <p:cNvSpPr>
+            <a:spLocks noGrp="1" noRot="1" noChangeAspect="1"/>
+          </p:cNvSpPr>
+          <p:nvPr>
+            <p:ph type="sldImg"/>
+          </p:nvPr>
+        </p:nvSpPr>
+        <p:spPr/>
+      </p:sp>
+      <p:sp>
+        <p:nvSpPr>
+          <p:cNvPr id="3" name="Notes Placeholder 2"/>
+          <p:cNvSpPr>
+            <a:spLocks noGrp="1"/>
+          </p:cNvSpPr>
+          <p:nvPr>
+            <p:ph type="body" idx="1"/>
+          </p:nvPr>
+        </p:nvSpPr>
+        <p:spPr/>
+        <p:txBody>
+          <a:bodyPr/>
+          <a:lstStyle/>
+          <a:p>
+            <a:pPr marL="228600" indent="-228600">
+              <a:buAutoNum type="arabicParenR"/>
+            </a:pPr>
+            <a:r>
+              <a:rPr lang="en-US" dirty="0"/>
+              <a:t>What I did</a:t>
+            </a:r>
+          </a:p>
+          <a:p>
+            <a:pPr marL="228600" indent="-228600">
+              <a:buAutoNum type="arabicParenR"/>
+            </a:pPr>
+            <a:r>
+              <a:rPr lang="en-US" dirty="0"/>
+              <a:t>How reliably my answer is (in terms of error), if they can trust the output of our model</a:t>
+            </a:r>
+          </a:p>
+        </p:txBody>
+      </p:sp>
+      <p:sp>
+        <p:nvSpPr>
+          <p:cNvPr id="4" name="Slide Number Placeholder 3"/>
+          <p:cNvSpPr>
+            <a:spLocks noGrp="1"/>
+          </p:cNvSpPr>
+          <p:nvPr>
+            <p:ph type="sldNum" sz="quarter" idx="5"/>
+          </p:nvPr>
+        </p:nvSpPr>
+        <p:spPr/>
+        <p:txBody>
+          <a:bodyPr/>
+          <a:lstStyle/>
+          <a:p>
+            <a:fld id="{08C03CC7-EF64-8E4E-B9AF-3A908D1FABC3}" type="slidenum">
+              <a:rPr lang="en-US" smtClean="0"/>
+              <a:t>3</a:t>
+            </a:fld>
+            <a:endParaRPr lang="en-US"/>
+          </a:p>
+        </p:txBody>
+      </p:sp>
+    </p:spTree>
+    <p:extLst>
+      <p:ext uri="{BB962C8B-B14F-4D97-AF65-F5344CB8AC3E}">
+        <p14:creationId xmlns:p14="http://schemas.microsoft.com/office/powerpoint/2010/main" val="1627804893"/>
+      </p:ext>
+    </p:extLst>
+  </p:cSld>
+  <p:clrMapOvr>
+    <a:masterClrMapping/>
+  </p:clrMapOvr>
+</p:notes>
+</file>
+
+<file path=ppt/notesSlides/notesSlide2.xml><?xml version="1.0" encoding="utf-8"?>
+<p:notes xmlns:a="http://schemas.openxmlformats.org/drawingml/2006/main" xmlns:r="http://schemas.openxmlformats.org/officeDocument/2006/relationships" xmlns:p="http://schemas.openxmlformats.org/presentationml/2006/main">
+  <p:cSld>
+    <p:spTree>
+      <p:nvGrpSpPr>
+        <p:cNvPr id="1" name=""/>
+        <p:cNvGrpSpPr/>
+        <p:nvPr/>
+      </p:nvGrpSpPr>
+      <p:grpSpPr>
+        <a:xfrm>
+          <a:off x="0" y="0"/>
+          <a:ext cx="0" cy="0"/>
+          <a:chOff x="0" y="0"/>
+          <a:chExt cx="0" cy="0"/>
+        </a:xfrm>
+      </p:grpSpPr>
+      <p:sp>
+        <p:nvSpPr>
+          <p:cNvPr id="2" name="Slide Image Placeholder 1"/>
+          <p:cNvSpPr>
+            <a:spLocks noGrp="1" noRot="1" noChangeAspect="1"/>
+          </p:cNvSpPr>
+          <p:nvPr>
+            <p:ph type="sldImg"/>
+          </p:nvPr>
+        </p:nvSpPr>
+        <p:spPr/>
+      </p:sp>
+      <p:sp>
+        <p:nvSpPr>
+          <p:cNvPr id="3" name="Notes Placeholder 2"/>
+          <p:cNvSpPr>
+            <a:spLocks noGrp="1"/>
+          </p:cNvSpPr>
+          <p:nvPr>
+            <p:ph type="body" idx="1"/>
+          </p:nvPr>
+        </p:nvSpPr>
+        <p:spPr/>
+        <p:txBody>
+          <a:bodyPr/>
+          <a:lstStyle/>
+          <a:p>
+            <a:endParaRPr lang="en-US" dirty="0"/>
+          </a:p>
+        </p:txBody>
+      </p:sp>
+      <p:sp>
+        <p:nvSpPr>
+          <p:cNvPr id="4" name="Slide Number Placeholder 3"/>
+          <p:cNvSpPr>
+            <a:spLocks noGrp="1"/>
+          </p:cNvSpPr>
+          <p:nvPr>
+            <p:ph type="sldNum" sz="quarter" idx="5"/>
+          </p:nvPr>
+        </p:nvSpPr>
+        <p:spPr/>
+        <p:txBody>
+          <a:bodyPr/>
+          <a:lstStyle/>
+          <a:p>
+            <a:fld id="{08C03CC7-EF64-8E4E-B9AF-3A908D1FABC3}" type="slidenum">
+              <a:rPr lang="en-US" smtClean="0"/>
+              <a:t>6</a:t>
+            </a:fld>
+            <a:endParaRPr lang="en-US"/>
+          </a:p>
+        </p:txBody>
+      </p:sp>
+    </p:spTree>
+    <p:extLst>
+      <p:ext uri="{BB962C8B-B14F-4D97-AF65-F5344CB8AC3E}">
+        <p14:creationId xmlns:p14="http://schemas.microsoft.com/office/powerpoint/2010/main" val="2632816294"/>
+      </p:ext>
+    </p:extLst>
+  </p:cSld>
+  <p:clrMapOvr>
+    <a:masterClrMapping/>
+  </p:clrMapOvr>
+</p:notes>
+</file>
+
+<file path=ppt/notesSlides/notesSlide3.xml><?xml version="1.0" encoding="utf-8"?>
+<p:notes xmlns:a="http://schemas.openxmlformats.org/drawingml/2006/main" xmlns:r="http://schemas.openxmlformats.org/officeDocument/2006/relationships" xmlns:p="http://schemas.openxmlformats.org/presentationml/2006/main">
+  <p:cSld>
+    <p:spTree>
+      <p:nvGrpSpPr>
+        <p:cNvPr id="1" name=""/>
+        <p:cNvGrpSpPr/>
+        <p:nvPr/>
+      </p:nvGrpSpPr>
+      <p:grpSpPr>
+        <a:xfrm>
+          <a:off x="0" y="0"/>
+          <a:ext cx="0" cy="0"/>
+          <a:chOff x="0" y="0"/>
+          <a:chExt cx="0" cy="0"/>
+        </a:xfrm>
+      </p:grpSpPr>
+      <p:sp>
+        <p:nvSpPr>
+          <p:cNvPr id="2" name="Slide Image Placeholder 1"/>
+          <p:cNvSpPr>
+            <a:spLocks noGrp="1" noRot="1" noChangeAspect="1"/>
+          </p:cNvSpPr>
+          <p:nvPr>
+            <p:ph type="sldImg"/>
+          </p:nvPr>
+        </p:nvSpPr>
+        <p:spPr/>
+      </p:sp>
+      <p:sp>
+        <p:nvSpPr>
+          <p:cNvPr id="3" name="Notes Placeholder 2"/>
+          <p:cNvSpPr>
+            <a:spLocks noGrp="1"/>
+          </p:cNvSpPr>
+          <p:nvPr>
+            <p:ph type="body" idx="1"/>
+          </p:nvPr>
+        </p:nvSpPr>
+        <p:spPr/>
+        <p:txBody>
+          <a:bodyPr/>
+          <a:lstStyle/>
+          <a:p>
+            <a:r>
+              <a:rPr lang="en-US" dirty="0"/>
+              <a:t>Change phrasing</a:t>
+            </a:r>
+          </a:p>
+          <a:p>
+            <a:r>
+              <a:rPr lang="en-US" dirty="0"/>
+              <a:t>Paste results to illustrate correlations</a:t>
+            </a:r>
+          </a:p>
+          <a:p>
+            <a:endParaRPr lang="en-US" dirty="0"/>
+          </a:p>
+          <a:p>
+            <a:r>
+              <a:rPr lang="en-US" dirty="0"/>
+              <a:t>Data scientists shouldn’t have preconceptions</a:t>
+            </a:r>
+          </a:p>
+          <a:p>
+            <a:endParaRPr lang="en-US" dirty="0"/>
+          </a:p>
+          <a:p>
+            <a:r>
+              <a:rPr lang="en-US" dirty="0"/>
+              <a:t>Next time for EDA: get pairwise connections for all features</a:t>
+            </a:r>
+          </a:p>
+          <a:p>
+            <a:endParaRPr lang="en-US" dirty="0"/>
+          </a:p>
+          <a:p>
+            <a:r>
+              <a:rPr lang="en-US" dirty="0"/>
+              <a:t>Feature vs. Feature: to see if features are redundant with each other, you cannot use redundant features during training</a:t>
+            </a:r>
+          </a:p>
+          <a:p>
+            <a:endParaRPr lang="en-US" dirty="0"/>
+          </a:p>
+          <a:p>
+            <a:r>
+              <a:rPr lang="en-US" dirty="0"/>
+              <a:t>Feature vs. Target: potential candidates to see which features could be affecting the target the most </a:t>
+            </a:r>
+          </a:p>
+        </p:txBody>
+      </p:sp>
+      <p:sp>
+        <p:nvSpPr>
+          <p:cNvPr id="4" name="Slide Number Placeholder 3"/>
+          <p:cNvSpPr>
+            <a:spLocks noGrp="1"/>
+          </p:cNvSpPr>
+          <p:nvPr>
+            <p:ph type="sldNum" sz="quarter" idx="5"/>
+          </p:nvPr>
+        </p:nvSpPr>
+        <p:spPr/>
+        <p:txBody>
+          <a:bodyPr/>
+          <a:lstStyle/>
+          <a:p>
+            <a:fld id="{08C03CC7-EF64-8E4E-B9AF-3A908D1FABC3}" type="slidenum">
+              <a:rPr lang="en-US" smtClean="0"/>
+              <a:t>9</a:t>
+            </a:fld>
+            <a:endParaRPr lang="en-US"/>
+          </a:p>
+        </p:txBody>
+      </p:sp>
+    </p:spTree>
+    <p:extLst>
+      <p:ext uri="{BB962C8B-B14F-4D97-AF65-F5344CB8AC3E}">
+        <p14:creationId xmlns:p14="http://schemas.microsoft.com/office/powerpoint/2010/main" val="2714221617"/>
+      </p:ext>
+    </p:extLst>
+  </p:cSld>
+  <p:clrMapOvr>
+    <a:masterClrMapping/>
+  </p:clrMapOvr>
+</p:notes>
+</file>
+
+<file path=ppt/notesSlides/notesSlide4.xml><?xml version="1.0" encoding="utf-8"?>
+<p:notes xmlns:a="http://schemas.openxmlformats.org/drawingml/2006/main" xmlns:r="http://schemas.openxmlformats.org/officeDocument/2006/relationships" xmlns:p="http://schemas.openxmlformats.org/presentationml/2006/main">
+  <p:cSld>
+    <p:spTree>
+      <p:nvGrpSpPr>
+        <p:cNvPr id="1" name=""/>
+        <p:cNvGrpSpPr/>
+        <p:nvPr/>
+      </p:nvGrpSpPr>
+      <p:grpSpPr>
+        <a:xfrm>
+          <a:off x="0" y="0"/>
+          <a:ext cx="0" cy="0"/>
+          <a:chOff x="0" y="0"/>
+          <a:chExt cx="0" cy="0"/>
+        </a:xfrm>
+      </p:grpSpPr>
+      <p:sp>
+        <p:nvSpPr>
+          <p:cNvPr id="2" name="Slide Image Placeholder 1"/>
+          <p:cNvSpPr>
+            <a:spLocks noGrp="1" noRot="1" noChangeAspect="1"/>
+          </p:cNvSpPr>
+          <p:nvPr>
+            <p:ph type="sldImg"/>
+          </p:nvPr>
+        </p:nvSpPr>
+        <p:spPr/>
+      </p:sp>
+      <p:sp>
+        <p:nvSpPr>
+          <p:cNvPr id="3" name="Notes Placeholder 2"/>
+          <p:cNvSpPr>
+            <a:spLocks noGrp="1"/>
+          </p:cNvSpPr>
+          <p:nvPr>
+            <p:ph type="body" idx="1"/>
+          </p:nvPr>
+        </p:nvSpPr>
+        <p:spPr/>
+        <p:txBody>
+          <a:bodyPr/>
+          <a:lstStyle/>
+          <a:p>
+            <a:endParaRPr lang="en-US" dirty="0"/>
+          </a:p>
+        </p:txBody>
+      </p:sp>
+      <p:sp>
+        <p:nvSpPr>
+          <p:cNvPr id="4" name="Slide Number Placeholder 3"/>
+          <p:cNvSpPr>
+            <a:spLocks noGrp="1"/>
+          </p:cNvSpPr>
+          <p:nvPr>
+            <p:ph type="sldNum" sz="quarter" idx="5"/>
+          </p:nvPr>
+        </p:nvSpPr>
+        <p:spPr/>
+        <p:txBody>
+          <a:bodyPr/>
+          <a:lstStyle/>
+          <a:p>
+            <a:fld id="{08C03CC7-EF64-8E4E-B9AF-3A908D1FABC3}" type="slidenum">
+              <a:rPr lang="en-US" smtClean="0"/>
+              <a:t>11</a:t>
+            </a:fld>
+            <a:endParaRPr lang="en-US"/>
+          </a:p>
+        </p:txBody>
+      </p:sp>
+    </p:spTree>
+    <p:extLst>
+      <p:ext uri="{BB962C8B-B14F-4D97-AF65-F5344CB8AC3E}">
+        <p14:creationId xmlns:p14="http://schemas.microsoft.com/office/powerpoint/2010/main" val="160863972"/>
+      </p:ext>
+    </p:extLst>
+  </p:cSld>
+  <p:clrMapOvr>
+    <a:masterClrMapping/>
+  </p:clrMapOvr>
+</p:notes>
 </file>
 
 <file path=ppt/slideLayouts/slideLayout1.xml><?xml version="1.0" encoding="utf-8"?>
@@ -10776,7 +8974,7 @@
           <p:cNvPr id="2" name="Title 1">
             <a:extLst>
               <a:ext uri="{FF2B5EF4-FFF2-40B4-BE49-F238E27FC236}">
-                <a16:creationId xmlns:a16="http://schemas.microsoft.com/office/drawing/2014/main" id="{CF76651F-B8E6-DF43-B53A-13B60DE880D0}"/>
+                <a16:creationId xmlns:a16="http://schemas.microsoft.com/office/drawing/2014/main" id="{A7B78412-90F4-2C42-9CCD-76E11E9FC26B}"/>
               </a:ext>
             </a:extLst>
           </p:cNvPr>
@@ -10794,7 +8992,7 @@
           <a:p>
             <a:r>
               <a:rPr lang="en-US" dirty="0"/>
-              <a:t>Exploratory Data Analysis Findings</a:t>
+              <a:t>Preprocessing</a:t>
             </a:r>
           </a:p>
         </p:txBody>
@@ -10804,7 +9002,7 @@
           <p:cNvPr id="3" name="Content Placeholder 2">
             <a:extLst>
               <a:ext uri="{FF2B5EF4-FFF2-40B4-BE49-F238E27FC236}">
-                <a16:creationId xmlns:a16="http://schemas.microsoft.com/office/drawing/2014/main" id="{BE842A4B-FCD1-3949-979E-B40D8D2A30DA}"/>
+                <a16:creationId xmlns:a16="http://schemas.microsoft.com/office/drawing/2014/main" id="{3819AB73-A499-5D4F-98C8-C774176978FC}"/>
               </a:ext>
             </a:extLst>
           </p:cNvPr>
@@ -10822,28 +9020,25 @@
           <a:p>
             <a:r>
               <a:rPr lang="en-US" dirty="0"/>
+              <a:t>Had to take a 20% sample of our working data set due to computational constraints</a:t>
+            </a:r>
+          </a:p>
+          <a:p>
+            <a:r>
+              <a:rPr lang="en-US" dirty="0"/>
               <a:t>Target: Price</a:t>
             </a:r>
           </a:p>
           <a:p>
             <a:r>
               <a:rPr lang="en-US" dirty="0"/>
-              <a:t>Features: Condition, Brand, Category, Shipping</a:t>
-            </a:r>
-          </a:p>
-          <a:p>
-            <a:endParaRPr lang="en-US" dirty="0"/>
+              <a:t>Features: Brand, Category, Shipping</a:t>
+            </a:r>
           </a:p>
           <a:p>
             <a:r>
               <a:rPr lang="en-US" dirty="0"/>
-              <a:t>Correlations with Price: Brand, Category, Shipping</a:t>
-            </a:r>
-          </a:p>
-          <a:p>
-            <a:r>
-              <a:rPr lang="en-US" dirty="0"/>
-              <a:t>No Correlations with Price: Condition</a:t>
+              <a:t>70/30 train/test split</a:t>
             </a:r>
           </a:p>
         </p:txBody>
@@ -10851,7 +9046,7 @@
     </p:spTree>
     <p:extLst>
       <p:ext uri="{BB962C8B-B14F-4D97-AF65-F5344CB8AC3E}">
-        <p14:creationId xmlns:p14="http://schemas.microsoft.com/office/powerpoint/2010/main" val="1030357160"/>
+        <p14:creationId xmlns:p14="http://schemas.microsoft.com/office/powerpoint/2010/main" val="360652963"/>
       </p:ext>
     </p:extLst>
   </p:cSld>
@@ -10883,7 +9078,7 @@
           <p:cNvPr id="2" name="Title 1">
             <a:extLst>
               <a:ext uri="{FF2B5EF4-FFF2-40B4-BE49-F238E27FC236}">
-                <a16:creationId xmlns:a16="http://schemas.microsoft.com/office/drawing/2014/main" id="{A7B78412-90F4-2C42-9CCD-76E11E9FC26B}"/>
+                <a16:creationId xmlns:a16="http://schemas.microsoft.com/office/drawing/2014/main" id="{83EBD63C-022B-3F48-AE0B-6A85ADCA4674}"/>
               </a:ext>
             </a:extLst>
           </p:cNvPr>
@@ -10901,7 +9096,7 @@
           <a:p>
             <a:r>
               <a:rPr lang="en-US" dirty="0"/>
-              <a:t>Preprocessing</a:t>
+              <a:t>Model Selection</a:t>
             </a:r>
           </a:p>
         </p:txBody>
@@ -10911,7 +9106,7 @@
           <p:cNvPr id="3" name="Content Placeholder 2">
             <a:extLst>
               <a:ext uri="{FF2B5EF4-FFF2-40B4-BE49-F238E27FC236}">
-                <a16:creationId xmlns:a16="http://schemas.microsoft.com/office/drawing/2014/main" id="{3819AB73-A499-5D4F-98C8-C774176978FC}"/>
+                <a16:creationId xmlns:a16="http://schemas.microsoft.com/office/drawing/2014/main" id="{7828F15A-9662-6A4F-B65F-439E10D64B53}"/>
               </a:ext>
             </a:extLst>
           </p:cNvPr>
@@ -10919,7 +9114,7 @@
             <a:spLocks noGrp="1"/>
           </p:cNvSpPr>
           <p:nvPr>
-            <p:ph idx="1"/>
+            <p:ph sz="half" idx="1"/>
           </p:nvPr>
         </p:nvSpPr>
         <p:spPr/>
@@ -10929,33 +9124,77 @@
           <a:p>
             <a:r>
               <a:rPr lang="en-US" dirty="0"/>
-              <a:t>Had to take a 20% sample of our working data set due to computational constraints</a:t>
+              <a:t>Linear Regression</a:t>
             </a:r>
           </a:p>
           <a:p>
             <a:r>
               <a:rPr lang="en-US" dirty="0"/>
-              <a:t>Target: Price</a:t>
-            </a:r>
-          </a:p>
-          <a:p>
+              <a:t>Tuning:</a:t>
+            </a:r>
+          </a:p>
+          <a:p>
+            <a:pPr lvl="1"/>
             <a:r>
               <a:rPr lang="en-US" dirty="0"/>
-              <a:t>Features: Brand, Category, Shipping</a:t>
-            </a:r>
-          </a:p>
+              <a:t>Selecting K best neighbors</a:t>
+            </a:r>
+          </a:p>
+          <a:p>
+            <a:endParaRPr lang="en-US" dirty="0"/>
+          </a:p>
+        </p:txBody>
+      </p:sp>
+      <p:sp>
+        <p:nvSpPr>
+          <p:cNvPr id="4" name="Content Placeholder 3">
+            <a:extLst>
+              <a:ext uri="{FF2B5EF4-FFF2-40B4-BE49-F238E27FC236}">
+                <a16:creationId xmlns:a16="http://schemas.microsoft.com/office/drawing/2014/main" id="{BE3E5C9F-5A96-7748-BF0D-CABB8662AE56}"/>
+              </a:ext>
+            </a:extLst>
+          </p:cNvPr>
+          <p:cNvSpPr>
+            <a:spLocks noGrp="1"/>
+          </p:cNvSpPr>
+          <p:nvPr>
+            <p:ph sz="half" idx="2"/>
+          </p:nvPr>
+        </p:nvSpPr>
+        <p:spPr/>
+        <p:txBody>
+          <a:bodyPr/>
+          <a:lstStyle/>
           <a:p>
             <a:r>
               <a:rPr lang="en-US" dirty="0"/>
-              <a:t>70/30 train/test split</a:t>
-            </a:r>
+              <a:t>Random Forest</a:t>
+            </a:r>
+          </a:p>
+          <a:p>
+            <a:r>
+              <a:rPr lang="en-US" dirty="0"/>
+              <a:t>Determining:</a:t>
+            </a:r>
+          </a:p>
+          <a:p>
+            <a:pPr lvl="1"/>
+            <a:r>
+              <a:rPr lang="en-US" dirty="0"/>
+              <a:t>Increasing </a:t>
+            </a:r>
+            <a:r>
+              <a:rPr lang="en-US" dirty="0" err="1"/>
+              <a:t>max_depth</a:t>
+            </a:r>
+            <a:endParaRPr lang="en-US" dirty="0"/>
           </a:p>
         </p:txBody>
       </p:sp>
     </p:spTree>
     <p:extLst>
       <p:ext uri="{BB962C8B-B14F-4D97-AF65-F5344CB8AC3E}">
-        <p14:creationId xmlns:p14="http://schemas.microsoft.com/office/powerpoint/2010/main" val="360652963"/>
+        <p14:creationId xmlns:p14="http://schemas.microsoft.com/office/powerpoint/2010/main" val="331978799"/>
       </p:ext>
     </p:extLst>
   </p:cSld>
@@ -10987,7 +9226,7 @@
           <p:cNvPr id="2" name="Title 1">
             <a:extLst>
               <a:ext uri="{FF2B5EF4-FFF2-40B4-BE49-F238E27FC236}">
-                <a16:creationId xmlns:a16="http://schemas.microsoft.com/office/drawing/2014/main" id="{83EBD63C-022B-3F48-AE0B-6A85ADCA4674}"/>
+                <a16:creationId xmlns:a16="http://schemas.microsoft.com/office/drawing/2014/main" id="{25DF52B2-BF7D-EF46-9FF6-6ACC2DCF1967}"/>
               </a:ext>
             </a:extLst>
           </p:cNvPr>
@@ -11005,155 +9244,7 @@
           <a:p>
             <a:r>
               <a:rPr lang="en-US" dirty="0"/>
-              <a:t>Model Selection</a:t>
-            </a:r>
-          </a:p>
-        </p:txBody>
-      </p:sp>
-      <p:sp>
-        <p:nvSpPr>
-          <p:cNvPr id="3" name="Content Placeholder 2">
-            <a:extLst>
-              <a:ext uri="{FF2B5EF4-FFF2-40B4-BE49-F238E27FC236}">
-                <a16:creationId xmlns:a16="http://schemas.microsoft.com/office/drawing/2014/main" id="{7828F15A-9662-6A4F-B65F-439E10D64B53}"/>
-              </a:ext>
-            </a:extLst>
-          </p:cNvPr>
-          <p:cNvSpPr>
-            <a:spLocks noGrp="1"/>
-          </p:cNvSpPr>
-          <p:nvPr>
-            <p:ph sz="half" idx="1"/>
-          </p:nvPr>
-        </p:nvSpPr>
-        <p:spPr/>
-        <p:txBody>
-          <a:bodyPr/>
-          <a:lstStyle/>
-          <a:p>
-            <a:r>
-              <a:rPr lang="en-US" dirty="0"/>
-              <a:t>Linear Regression</a:t>
-            </a:r>
-          </a:p>
-          <a:p>
-            <a:r>
-              <a:rPr lang="en-US" dirty="0"/>
-              <a:t>Tuning:</a:t>
-            </a:r>
-          </a:p>
-          <a:p>
-            <a:pPr lvl="1"/>
-            <a:r>
-              <a:rPr lang="en-US" dirty="0"/>
-              <a:t>Selecting K best neighbors</a:t>
-            </a:r>
-          </a:p>
-          <a:p>
-            <a:endParaRPr lang="en-US" dirty="0"/>
-          </a:p>
-        </p:txBody>
-      </p:sp>
-      <p:sp>
-        <p:nvSpPr>
-          <p:cNvPr id="4" name="Content Placeholder 3">
-            <a:extLst>
-              <a:ext uri="{FF2B5EF4-FFF2-40B4-BE49-F238E27FC236}">
-                <a16:creationId xmlns:a16="http://schemas.microsoft.com/office/drawing/2014/main" id="{BE3E5C9F-5A96-7748-BF0D-CABB8662AE56}"/>
-              </a:ext>
-            </a:extLst>
-          </p:cNvPr>
-          <p:cNvSpPr>
-            <a:spLocks noGrp="1"/>
-          </p:cNvSpPr>
-          <p:nvPr>
-            <p:ph sz="half" idx="2"/>
-          </p:nvPr>
-        </p:nvSpPr>
-        <p:spPr/>
-        <p:txBody>
-          <a:bodyPr/>
-          <a:lstStyle/>
-          <a:p>
-            <a:r>
-              <a:rPr lang="en-US" dirty="0"/>
-              <a:t>Random Forest</a:t>
-            </a:r>
-          </a:p>
-          <a:p>
-            <a:r>
-              <a:rPr lang="en-US" dirty="0"/>
-              <a:t>Tuning:</a:t>
-            </a:r>
-          </a:p>
-          <a:p>
-            <a:pPr lvl="1"/>
-            <a:r>
-              <a:rPr lang="en-US" dirty="0"/>
-              <a:t>Increasing </a:t>
-            </a:r>
-            <a:r>
-              <a:rPr lang="en-US" dirty="0" err="1"/>
-              <a:t>max_depth</a:t>
-            </a:r>
-            <a:endParaRPr lang="en-US" dirty="0"/>
-          </a:p>
-        </p:txBody>
-      </p:sp>
-    </p:spTree>
-    <p:extLst>
-      <p:ext uri="{BB962C8B-B14F-4D97-AF65-F5344CB8AC3E}">
-        <p14:creationId xmlns:p14="http://schemas.microsoft.com/office/powerpoint/2010/main" val="331978799"/>
-      </p:ext>
-    </p:extLst>
-  </p:cSld>
-  <p:clrMapOvr>
-    <a:masterClrMapping/>
-  </p:clrMapOvr>
-</p:sld>
-</file>
-
-<file path=ppt/slides/slide13.xml><?xml version="1.0" encoding="utf-8"?>
-<p:sld xmlns:a="http://schemas.openxmlformats.org/drawingml/2006/main" xmlns:r="http://schemas.openxmlformats.org/officeDocument/2006/relationships" xmlns:p="http://schemas.openxmlformats.org/presentationml/2006/main">
-  <p:cSld>
-    <p:spTree>
-      <p:nvGrpSpPr>
-        <p:cNvPr id="1" name=""/>
-        <p:cNvGrpSpPr/>
-        <p:nvPr/>
-      </p:nvGrpSpPr>
-      <p:grpSpPr>
-        <a:xfrm>
-          <a:off x="0" y="0"/>
-          <a:ext cx="0" cy="0"/>
-          <a:chOff x="0" y="0"/>
-          <a:chExt cx="0" cy="0"/>
-        </a:xfrm>
-      </p:grpSpPr>
-      <p:sp>
-        <p:nvSpPr>
-          <p:cNvPr id="2" name="Title 1">
-            <a:extLst>
-              <a:ext uri="{FF2B5EF4-FFF2-40B4-BE49-F238E27FC236}">
-                <a16:creationId xmlns:a16="http://schemas.microsoft.com/office/drawing/2014/main" id="{25DF52B2-BF7D-EF46-9FF6-6ACC2DCF1967}"/>
-              </a:ext>
-            </a:extLst>
-          </p:cNvPr>
-          <p:cNvSpPr>
-            <a:spLocks noGrp="1"/>
-          </p:cNvSpPr>
-          <p:nvPr>
-            <p:ph type="title"/>
-          </p:nvPr>
-        </p:nvSpPr>
-        <p:spPr/>
-        <p:txBody>
-          <a:bodyPr/>
-          <a:lstStyle/>
-          <a:p>
-            <a:r>
-              <a:rPr lang="en-US" dirty="0"/>
-              <a:t>Feature Analysis – Linear Regression</a:t>
+              <a:t>Coefficient Impact – Linear Regression</a:t>
             </a:r>
           </a:p>
         </p:txBody>
@@ -11287,7 +9378,7 @@
 </p:sld>
 </file>
 
-<file path=ppt/slides/slide14.xml><?xml version="1.0" encoding="utf-8"?>
+<file path=ppt/slides/slide13.xml><?xml version="1.0" encoding="utf-8"?>
 <p:sld xmlns:a="http://schemas.openxmlformats.org/drawingml/2006/main" xmlns:r="http://schemas.openxmlformats.org/officeDocument/2006/relationships" xmlns:p="http://schemas.openxmlformats.org/presentationml/2006/main">
   <p:cSld>
     <p:spTree>
@@ -11322,12 +9413,14 @@
         </p:nvSpPr>
         <p:spPr/>
         <p:txBody>
-          <a:bodyPr/>
+          <a:bodyPr>
+            <a:normAutofit fontScale="90000"/>
+          </a:bodyPr>
           <a:lstStyle/>
           <a:p>
             <a:r>
               <a:rPr lang="en-US" dirty="0"/>
-              <a:t>Feature Analysis – Random Forest</a:t>
+              <a:t>Coefficient Importance – Random Forest</a:t>
             </a:r>
           </a:p>
         </p:txBody>
@@ -11374,7 +9467,7 @@
 </p:sld>
 </file>
 
-<file path=ppt/slides/slide15.xml><?xml version="1.0" encoding="utf-8"?>
+<file path=ppt/slides/slide14.xml><?xml version="1.0" encoding="utf-8"?>
 <p:sld xmlns:a="http://schemas.openxmlformats.org/drawingml/2006/main" xmlns:r="http://schemas.openxmlformats.org/officeDocument/2006/relationships" xmlns:p="http://schemas.openxmlformats.org/presentationml/2006/main">
   <p:cSld>
     <p:spTree>
@@ -11644,10 +9737,9 @@
                     <a:lstStyle/>
                     <a:p>
                       <a:r>
-                        <a:rPr lang="en-US"/>
+                        <a:rPr lang="en-US" dirty="0"/>
                         <a:t>15.4824</a:t>
                       </a:r>
-                      <a:endParaRPr lang="en-US" dirty="0"/>
                     </a:p>
                   </a:txBody>
                   <a:tcPr/>
@@ -11666,6 +9758,215 @@
     <p:extLst>
       <p:ext uri="{BB962C8B-B14F-4D97-AF65-F5344CB8AC3E}">
         <p14:creationId xmlns:p14="http://schemas.microsoft.com/office/powerpoint/2010/main" val="2537362044"/>
+      </p:ext>
+    </p:extLst>
+  </p:cSld>
+  <p:clrMapOvr>
+    <a:masterClrMapping/>
+  </p:clrMapOvr>
+</p:sld>
+</file>
+
+<file path=ppt/slides/slide15.xml><?xml version="1.0" encoding="utf-8"?>
+<p:sld xmlns:a="http://schemas.openxmlformats.org/drawingml/2006/main" xmlns:r="http://schemas.openxmlformats.org/officeDocument/2006/relationships" xmlns:p="http://schemas.openxmlformats.org/presentationml/2006/main">
+  <p:cSld>
+    <p:spTree>
+      <p:nvGrpSpPr>
+        <p:cNvPr id="1" name=""/>
+        <p:cNvGrpSpPr/>
+        <p:nvPr/>
+      </p:nvGrpSpPr>
+      <p:grpSpPr>
+        <a:xfrm>
+          <a:off x="0" y="0"/>
+          <a:ext cx="0" cy="0"/>
+          <a:chOff x="0" y="0"/>
+          <a:chExt cx="0" cy="0"/>
+        </a:xfrm>
+      </p:grpSpPr>
+      <p:sp>
+        <p:nvSpPr>
+          <p:cNvPr id="2" name="Title 1">
+            <a:extLst>
+              <a:ext uri="{FF2B5EF4-FFF2-40B4-BE49-F238E27FC236}">
+                <a16:creationId xmlns:a16="http://schemas.microsoft.com/office/drawing/2014/main" id="{5FB9E785-3C51-554C-85CE-1C14780601D7}"/>
+              </a:ext>
+            </a:extLst>
+          </p:cNvPr>
+          <p:cNvSpPr>
+            <a:spLocks noGrp="1"/>
+          </p:cNvSpPr>
+          <p:nvPr>
+            <p:ph type="title"/>
+          </p:nvPr>
+        </p:nvSpPr>
+        <p:spPr/>
+        <p:txBody>
+          <a:bodyPr/>
+          <a:lstStyle/>
+          <a:p>
+            <a:r>
+              <a:rPr lang="en-US" dirty="0"/>
+              <a:t>Model Error – Adjusted for log scaling</a:t>
+            </a:r>
+          </a:p>
+        </p:txBody>
+      </p:sp>
+      <p:sp>
+        <p:nvSpPr>
+          <p:cNvPr id="3" name="Content Placeholder 2">
+            <a:extLst>
+              <a:ext uri="{FF2B5EF4-FFF2-40B4-BE49-F238E27FC236}">
+                <a16:creationId xmlns:a16="http://schemas.microsoft.com/office/drawing/2014/main" id="{004226B0-ABC7-334E-98A3-661180AC6A45}"/>
+              </a:ext>
+            </a:extLst>
+          </p:cNvPr>
+          <p:cNvSpPr>
+            <a:spLocks noGrp="1"/>
+          </p:cNvSpPr>
+          <p:nvPr>
+            <p:ph idx="1"/>
+          </p:nvPr>
+        </p:nvSpPr>
+        <p:spPr/>
+        <p:txBody>
+          <a:bodyPr/>
+          <a:lstStyle/>
+          <a:p>
+            <a:r>
+              <a:rPr lang="en-US" dirty="0"/>
+              <a:t>MAE: %14.18</a:t>
+            </a:r>
+          </a:p>
+          <a:p>
+            <a:r>
+              <a:rPr lang="en-US" dirty="0"/>
+              <a:t>MAPE: 48%</a:t>
+            </a:r>
+          </a:p>
+        </p:txBody>
+      </p:sp>
+    </p:spTree>
+    <p:extLst>
+      <p:ext uri="{BB962C8B-B14F-4D97-AF65-F5344CB8AC3E}">
+        <p14:creationId xmlns:p14="http://schemas.microsoft.com/office/powerpoint/2010/main" val="762108232"/>
+      </p:ext>
+    </p:extLst>
+  </p:cSld>
+  <p:clrMapOvr>
+    <a:masterClrMapping/>
+  </p:clrMapOvr>
+</p:sld>
+</file>
+
+<file path=ppt/slides/slide16.xml><?xml version="1.0" encoding="utf-8"?>
+<p:sld xmlns:a="http://schemas.openxmlformats.org/drawingml/2006/main" xmlns:r="http://schemas.openxmlformats.org/officeDocument/2006/relationships" xmlns:p="http://schemas.openxmlformats.org/presentationml/2006/main">
+  <p:cSld>
+    <p:spTree>
+      <p:nvGrpSpPr>
+        <p:cNvPr id="1" name=""/>
+        <p:cNvGrpSpPr/>
+        <p:nvPr/>
+      </p:nvGrpSpPr>
+      <p:grpSpPr>
+        <a:xfrm>
+          <a:off x="0" y="0"/>
+          <a:ext cx="0" cy="0"/>
+          <a:chOff x="0" y="0"/>
+          <a:chExt cx="0" cy="0"/>
+        </a:xfrm>
+      </p:grpSpPr>
+      <p:sp>
+        <p:nvSpPr>
+          <p:cNvPr id="2" name="Title 1">
+            <a:extLst>
+              <a:ext uri="{FF2B5EF4-FFF2-40B4-BE49-F238E27FC236}">
+                <a16:creationId xmlns:a16="http://schemas.microsoft.com/office/drawing/2014/main" id="{B8D0993C-975A-494A-8204-8C1421521B74}"/>
+              </a:ext>
+            </a:extLst>
+          </p:cNvPr>
+          <p:cNvSpPr>
+            <a:spLocks noGrp="1"/>
+          </p:cNvSpPr>
+          <p:nvPr>
+            <p:ph type="title"/>
+          </p:nvPr>
+        </p:nvSpPr>
+        <p:spPr/>
+        <p:txBody>
+          <a:bodyPr/>
+          <a:lstStyle/>
+          <a:p>
+            <a:r>
+              <a:rPr lang="en-US" dirty="0"/>
+              <a:t>Future Improvements</a:t>
+            </a:r>
+          </a:p>
+        </p:txBody>
+      </p:sp>
+      <p:sp>
+        <p:nvSpPr>
+          <p:cNvPr id="3" name="Content Placeholder 2">
+            <a:extLst>
+              <a:ext uri="{FF2B5EF4-FFF2-40B4-BE49-F238E27FC236}">
+                <a16:creationId xmlns:a16="http://schemas.microsoft.com/office/drawing/2014/main" id="{F3DAB34D-24AE-4A47-B5ED-F0A78933F43E}"/>
+              </a:ext>
+            </a:extLst>
+          </p:cNvPr>
+          <p:cNvSpPr>
+            <a:spLocks noGrp="1"/>
+          </p:cNvSpPr>
+          <p:nvPr>
+            <p:ph idx="1"/>
+          </p:nvPr>
+        </p:nvSpPr>
+        <p:spPr/>
+        <p:txBody>
+          <a:bodyPr/>
+          <a:lstStyle/>
+          <a:p>
+            <a:r>
+              <a:rPr lang="en-US" dirty="0"/>
+              <a:t>Store </a:t>
+            </a:r>
+            <a:r>
+              <a:rPr lang="en-US" dirty="0" err="1"/>
+              <a:t>Dataframes</a:t>
+            </a:r>
+            <a:r>
+              <a:rPr lang="en-US" dirty="0"/>
+              <a:t> more efficiently in memory so that slicing is no longer required</a:t>
+            </a:r>
+          </a:p>
+          <a:p>
+            <a:r>
+              <a:rPr lang="en-US" dirty="0"/>
+              <a:t>Testing more models, with more hyperparameter tuning</a:t>
+            </a:r>
+          </a:p>
+          <a:p>
+            <a:r>
+              <a:rPr lang="en-US" dirty="0"/>
+              <a:t>Get pairwise correlations of all features during EDA, including non-numeric features</a:t>
+            </a:r>
+          </a:p>
+          <a:p>
+            <a:r>
+              <a:rPr lang="en-US" dirty="0"/>
+              <a:t>Including and processing every column for </a:t>
+            </a:r>
+            <a:r>
+              <a:rPr lang="en-US"/>
+              <a:t>correlation analysis</a:t>
+            </a:r>
+            <a:endParaRPr lang="en-US" dirty="0"/>
+          </a:p>
+        </p:txBody>
+      </p:sp>
+    </p:spTree>
+    <p:extLst>
+      <p:ext uri="{BB962C8B-B14F-4D97-AF65-F5344CB8AC3E}">
+        <p14:creationId xmlns:p14="http://schemas.microsoft.com/office/powerpoint/2010/main" val="2813688667"/>
       </p:ext>
     </p:extLst>
   </p:cSld>
@@ -11925,7 +10226,7 @@
           </p:nvPr>
         </p:nvPicPr>
         <p:blipFill>
-          <a:blip r:embed="rId2">
+          <a:blip r:embed="rId3">
             <a:alphaModFix amt="35000"/>
             <a:extLst>
               <a:ext uri="{28A0092B-C50C-407E-A947-70E740481C1C}">
@@ -12181,7 +10482,7 @@
                   <a:schemeClr val="tx2"/>
                 </a:solidFill>
               </a:rPr>
-              <a:t>Our job is to see if we can improve upon this</a:t>
+              <a:t>The goal of this project is to study regression models that can suggest price based on other features of the listing </a:t>
             </a:r>
           </a:p>
         </p:txBody>
@@ -12365,7 +10666,7 @@
             <a:avLst/>
           </a:prstGeom>
           <a:blipFill dpi="0" rotWithShape="1">
-            <a:blip r:embed="rId3">
+            <a:blip r:embed="rId4">
               <a:alphaModFix amt="20000"/>
               <a:duotone>
                 <a:schemeClr val="accent1">
@@ -12424,7 +10725,7 @@
           </p:nvPr>
         </p:nvPicPr>
         <p:blipFill>
-          <a:blip r:embed="rId4"/>
+          <a:blip r:embed="rId5"/>
           <a:stretch>
             <a:fillRect/>
           </a:stretch>
@@ -12582,6 +10883,272 @@
 <file path=ppt/slides/slide5.xml><?xml version="1.0" encoding="utf-8"?>
 <p:sld xmlns:a="http://schemas.openxmlformats.org/drawingml/2006/main" xmlns:r="http://schemas.openxmlformats.org/officeDocument/2006/relationships" xmlns:p="http://schemas.openxmlformats.org/presentationml/2006/main">
   <p:cSld>
+    <p:spTree>
+      <p:nvGrpSpPr>
+        <p:cNvPr id="1" name=""/>
+        <p:cNvGrpSpPr/>
+        <p:nvPr/>
+      </p:nvGrpSpPr>
+      <p:grpSpPr>
+        <a:xfrm>
+          <a:off x="0" y="0"/>
+          <a:ext cx="0" cy="0"/>
+          <a:chOff x="0" y="0"/>
+          <a:chExt cx="0" cy="0"/>
+        </a:xfrm>
+      </p:grpSpPr>
+      <p:sp>
+        <p:nvSpPr>
+          <p:cNvPr id="2" name="Title 1">
+            <a:extLst>
+              <a:ext uri="{FF2B5EF4-FFF2-40B4-BE49-F238E27FC236}">
+                <a16:creationId xmlns:a16="http://schemas.microsoft.com/office/drawing/2014/main" id="{0C4021EB-AF1D-4B44-916B-283AC59757E0}"/>
+              </a:ext>
+            </a:extLst>
+          </p:cNvPr>
+          <p:cNvSpPr>
+            <a:spLocks noGrp="1"/>
+          </p:cNvSpPr>
+          <p:nvPr>
+            <p:ph type="title"/>
+          </p:nvPr>
+        </p:nvSpPr>
+        <p:spPr/>
+        <p:txBody>
+          <a:bodyPr/>
+          <a:lstStyle/>
+          <a:p>
+            <a:r>
+              <a:rPr lang="en-US" dirty="0"/>
+              <a:t>Working Data Set</a:t>
+            </a:r>
+          </a:p>
+        </p:txBody>
+      </p:sp>
+      <p:sp>
+        <p:nvSpPr>
+          <p:cNvPr id="3" name="Content Placeholder 2">
+            <a:extLst>
+              <a:ext uri="{FF2B5EF4-FFF2-40B4-BE49-F238E27FC236}">
+                <a16:creationId xmlns:a16="http://schemas.microsoft.com/office/drawing/2014/main" id="{53D084F7-E93D-F74B-84DF-A0C76805ACE5}"/>
+              </a:ext>
+            </a:extLst>
+          </p:cNvPr>
+          <p:cNvSpPr>
+            <a:spLocks noGrp="1"/>
+          </p:cNvSpPr>
+          <p:nvPr>
+            <p:ph idx="1"/>
+          </p:nvPr>
+        </p:nvSpPr>
+        <p:spPr/>
+        <p:txBody>
+          <a:bodyPr/>
+          <a:lstStyle/>
+          <a:p>
+            <a:r>
+              <a:rPr lang="en-US" dirty="0"/>
+              <a:t>1,000,000+ Item listings</a:t>
+            </a:r>
+          </a:p>
+          <a:p>
+            <a:r>
+              <a:rPr lang="en-US" dirty="0"/>
+              <a:t>Number of columns: 7</a:t>
+            </a:r>
+          </a:p>
+          <a:p>
+            <a:r>
+              <a:rPr lang="en-US" dirty="0"/>
+              <a:t>Over 4000 unique Brands, 1000+ unique categories</a:t>
+            </a:r>
+          </a:p>
+          <a:p>
+            <a:r>
+              <a:rPr lang="en-US" dirty="0"/>
+              <a:t>Found on Kaggle (put URL)</a:t>
+            </a:r>
+          </a:p>
+          <a:p>
+            <a:endParaRPr lang="en-US" dirty="0"/>
+          </a:p>
+        </p:txBody>
+      </p:sp>
+    </p:spTree>
+    <p:extLst>
+      <p:ext uri="{BB962C8B-B14F-4D97-AF65-F5344CB8AC3E}">
+        <p14:creationId xmlns:p14="http://schemas.microsoft.com/office/powerpoint/2010/main" val="1520007010"/>
+      </p:ext>
+    </p:extLst>
+  </p:cSld>
+  <p:clrMapOvr>
+    <a:masterClrMapping/>
+  </p:clrMapOvr>
+</p:sld>
+</file>
+
+<file path=ppt/slides/slide6.xml><?xml version="1.0" encoding="utf-8"?>
+<p:sld xmlns:a="http://schemas.openxmlformats.org/drawingml/2006/main" xmlns:r="http://schemas.openxmlformats.org/officeDocument/2006/relationships" xmlns:p="http://schemas.openxmlformats.org/presentationml/2006/main">
+  <p:cSld>
+    <p:spTree>
+      <p:nvGrpSpPr>
+        <p:cNvPr id="1" name=""/>
+        <p:cNvGrpSpPr/>
+        <p:nvPr/>
+      </p:nvGrpSpPr>
+      <p:grpSpPr>
+        <a:xfrm>
+          <a:off x="0" y="0"/>
+          <a:ext cx="0" cy="0"/>
+          <a:chOff x="0" y="0"/>
+          <a:chExt cx="0" cy="0"/>
+        </a:xfrm>
+      </p:grpSpPr>
+      <p:sp>
+        <p:nvSpPr>
+          <p:cNvPr id="2" name="Title 1">
+            <a:extLst>
+              <a:ext uri="{FF2B5EF4-FFF2-40B4-BE49-F238E27FC236}">
+                <a16:creationId xmlns:a16="http://schemas.microsoft.com/office/drawing/2014/main" id="{DB5C0A3F-3A02-1149-BC9F-87580268B03B}"/>
+              </a:ext>
+            </a:extLst>
+          </p:cNvPr>
+          <p:cNvSpPr>
+            <a:spLocks noGrp="1"/>
+          </p:cNvSpPr>
+          <p:nvPr>
+            <p:ph type="title"/>
+          </p:nvPr>
+        </p:nvSpPr>
+        <p:spPr/>
+        <p:txBody>
+          <a:bodyPr/>
+          <a:lstStyle/>
+          <a:p>
+            <a:r>
+              <a:rPr lang="en-US" dirty="0"/>
+              <a:t>Data Fields</a:t>
+            </a:r>
+          </a:p>
+        </p:txBody>
+      </p:sp>
+      <p:sp>
+        <p:nvSpPr>
+          <p:cNvPr id="3" name="Content Placeholder 2">
+            <a:extLst>
+              <a:ext uri="{FF2B5EF4-FFF2-40B4-BE49-F238E27FC236}">
+                <a16:creationId xmlns:a16="http://schemas.microsoft.com/office/drawing/2014/main" id="{6B6C6FB3-E99D-4C4D-BEFB-F2921FF84903}"/>
+              </a:ext>
+            </a:extLst>
+          </p:cNvPr>
+          <p:cNvSpPr>
+            <a:spLocks noGrp="1"/>
+          </p:cNvSpPr>
+          <p:nvPr>
+            <p:ph idx="1"/>
+          </p:nvPr>
+        </p:nvSpPr>
+        <p:spPr/>
+        <p:txBody>
+          <a:bodyPr>
+            <a:normAutofit lnSpcReduction="10000"/>
+          </a:bodyPr>
+          <a:lstStyle/>
+          <a:p>
+            <a:pPr>
+              <a:lnSpc>
+                <a:spcPct val="120000"/>
+              </a:lnSpc>
+            </a:pPr>
+            <a:r>
+              <a:rPr lang="en-US" dirty="0"/>
+              <a:t>Name</a:t>
+            </a:r>
+          </a:p>
+          <a:p>
+            <a:pPr>
+              <a:lnSpc>
+                <a:spcPct val="120000"/>
+              </a:lnSpc>
+            </a:pPr>
+            <a:r>
+              <a:rPr lang="en-US" dirty="0"/>
+              <a:t>Condition (1-5, 1 being the best, 5 being the worst)</a:t>
+            </a:r>
+          </a:p>
+          <a:p>
+            <a:pPr>
+              <a:lnSpc>
+                <a:spcPct val="120000"/>
+              </a:lnSpc>
+            </a:pPr>
+            <a:r>
+              <a:rPr lang="en-US" dirty="0"/>
+              <a:t>Category</a:t>
+            </a:r>
+          </a:p>
+          <a:p>
+            <a:pPr>
+              <a:lnSpc>
+                <a:spcPct val="120000"/>
+              </a:lnSpc>
+            </a:pPr>
+            <a:r>
+              <a:rPr lang="en-US" dirty="0"/>
+              <a:t>Brand</a:t>
+            </a:r>
+          </a:p>
+          <a:p>
+            <a:pPr>
+              <a:lnSpc>
+                <a:spcPct val="120000"/>
+              </a:lnSpc>
+            </a:pPr>
+            <a:r>
+              <a:rPr lang="en-US" dirty="0"/>
+              <a:t>Price</a:t>
+            </a:r>
+          </a:p>
+          <a:p>
+            <a:pPr>
+              <a:lnSpc>
+                <a:spcPct val="120000"/>
+              </a:lnSpc>
+            </a:pPr>
+            <a:r>
+              <a:rPr lang="en-US" dirty="0"/>
+              <a:t>Shipping (whether the buyer or seller pays for shipping)</a:t>
+            </a:r>
+          </a:p>
+          <a:p>
+            <a:pPr>
+              <a:lnSpc>
+                <a:spcPct val="120000"/>
+              </a:lnSpc>
+            </a:pPr>
+            <a:r>
+              <a:rPr lang="en-US" dirty="0"/>
+              <a:t>Item Description</a:t>
+            </a:r>
+          </a:p>
+        </p:txBody>
+      </p:sp>
+    </p:spTree>
+    <p:extLst>
+      <p:ext uri="{BB962C8B-B14F-4D97-AF65-F5344CB8AC3E}">
+        <p14:creationId xmlns:p14="http://schemas.microsoft.com/office/powerpoint/2010/main" val="1973693279"/>
+      </p:ext>
+    </p:extLst>
+  </p:cSld>
+  <p:clrMapOvr>
+    <a:masterClrMapping/>
+  </p:clrMapOvr>
+</p:sld>
+</file>
+
+<file path=ppt/slides/slide7.xml><?xml version="1.0" encoding="utf-8"?>
+<p:sld xmlns:a="http://schemas.openxmlformats.org/drawingml/2006/main" xmlns:r="http://schemas.openxmlformats.org/officeDocument/2006/relationships" xmlns:p="http://schemas.openxmlformats.org/presentationml/2006/main">
+  <p:cSld>
     <p:bg>
       <p:bgPr>
         <a:solidFill>
@@ -12606,7 +11173,7 @@
       </p:grpSpPr>
       <p:sp useBgFill="1">
         <p:nvSpPr>
-          <p:cNvPr id="11" name="Rectangle 10">
+          <p:cNvPr id="9" name="Rectangle 8">
             <a:extLst>
               <a:ext uri="{FF2B5EF4-FFF2-40B4-BE49-F238E27FC236}">
                 <a16:creationId xmlns:a16="http://schemas.microsoft.com/office/drawing/2014/main" id="{8651CFA9-6065-4243-AC48-858E359780B1}"/>
@@ -12630,7 +11197,7 @@
         <p:spPr>
           <a:xfrm>
             <a:off x="0" y="0"/>
-            <a:ext cx="12188952" cy="6858000"/>
+            <a:ext cx="12192002" cy="6858000"/>
           </a:xfrm>
           <a:prstGeom prst="rect">
             <a:avLst/>
@@ -12674,7 +11241,7 @@
       </p:sp>
       <p:sp>
         <p:nvSpPr>
-          <p:cNvPr id="13" name="Rectangle 12">
+          <p:cNvPr id="11" name="Rectangle 10">
             <a:extLst>
               <a:ext uri="{FF2B5EF4-FFF2-40B4-BE49-F238E27FC236}">
                 <a16:creationId xmlns:a16="http://schemas.microsoft.com/office/drawing/2014/main" id="{37962AE0-6A1C-4B76-9D52-10E5E6D7D3BB}"/>
@@ -12745,657 +11312,6 @@
           </a:p>
         </p:txBody>
       </p:sp>
-      <p:sp>
-        <p:nvSpPr>
-          <p:cNvPr id="15" name="Rectangle 14">
-            <a:extLst>
-              <a:ext uri="{FF2B5EF4-FFF2-40B4-BE49-F238E27FC236}">
-                <a16:creationId xmlns:a16="http://schemas.microsoft.com/office/drawing/2014/main" id="{027CAEDE-D92D-4745-8749-71019415A797}"/>
-              </a:ext>
-              <a:ext uri="{C183D7F6-B498-43B3-948B-1728B52AA6E4}">
-                <adec:decorative xmlns:adec="http://schemas.microsoft.com/office/drawing/2017/decorative" val="1"/>
-              </a:ext>
-            </a:extLst>
-          </p:cNvPr>
-          <p:cNvSpPr>
-            <a:spLocks noGrp="1" noRot="1" noChangeAspect="1" noMove="1" noResize="1" noEditPoints="1" noAdjustHandles="1" noChangeArrowheads="1" noChangeShapeType="1" noTextEdit="1"/>
-          </p:cNvSpPr>
-          <p:nvPr>
-            <p:extLst>
-              <p:ext uri="{386F3935-93C4-4BCD-93E2-E3B085C9AB24}">
-                <p16:designElem xmlns:p16="http://schemas.microsoft.com/office/powerpoint/2015/main" val="1"/>
-              </p:ext>
-            </p:extLst>
-          </p:nvPr>
-        </p:nvSpPr>
-        <p:spPr>
-          <a:xfrm>
-            <a:off x="0" y="0"/>
-            <a:ext cx="4572000" cy="6858000"/>
-          </a:xfrm>
-          <a:prstGeom prst="rect">
-            <a:avLst/>
-          </a:prstGeom>
-          <a:solidFill>
-            <a:schemeClr val="tx2">
-              <a:lumMod val="90000"/>
-              <a:lumOff val="10000"/>
-            </a:schemeClr>
-          </a:solidFill>
-          <a:ln>
-            <a:noFill/>
-          </a:ln>
-        </p:spPr>
-        <p:style>
-          <a:lnRef idx="2">
-            <a:schemeClr val="accent1">
-              <a:shade val="50000"/>
-            </a:schemeClr>
-          </a:lnRef>
-          <a:fillRef idx="1">
-            <a:schemeClr val="accent1"/>
-          </a:fillRef>
-          <a:effectRef idx="0">
-            <a:schemeClr val="accent1"/>
-          </a:effectRef>
-          <a:fontRef idx="minor">
-            <a:schemeClr val="lt1"/>
-          </a:fontRef>
-        </p:style>
-        <p:txBody>
-          <a:bodyPr rtlCol="0" anchor="ctr"/>
-          <a:lstStyle/>
-          <a:p>
-            <a:pPr algn="ctr"/>
-            <a:endParaRPr lang="en-US" dirty="0"/>
-          </a:p>
-        </p:txBody>
-      </p:sp>
-      <p:sp>
-        <p:nvSpPr>
-          <p:cNvPr id="17" name="Rectangle 16">
-            <a:extLst>
-              <a:ext uri="{FF2B5EF4-FFF2-40B4-BE49-F238E27FC236}">
-                <a16:creationId xmlns:a16="http://schemas.microsoft.com/office/drawing/2014/main" id="{00C96CB6-3880-40E6-A4BF-F64E7D1E4295}"/>
-              </a:ext>
-              <a:ext uri="{C183D7F6-B498-43B3-948B-1728B52AA6E4}">
-                <adec:decorative xmlns:adec="http://schemas.microsoft.com/office/drawing/2017/decorative" val="1"/>
-              </a:ext>
-            </a:extLst>
-          </p:cNvPr>
-          <p:cNvSpPr>
-            <a:spLocks noGrp="1" noRot="1" noChangeAspect="1" noMove="1" noResize="1" noEditPoints="1" noAdjustHandles="1" noChangeArrowheads="1" noChangeShapeType="1" noTextEdit="1"/>
-          </p:cNvSpPr>
-          <p:nvPr>
-            <p:extLst>
-              <p:ext uri="{386F3935-93C4-4BCD-93E2-E3B085C9AB24}">
-                <p16:designElem xmlns:p16="http://schemas.microsoft.com/office/powerpoint/2015/main" val="1"/>
-              </p:ext>
-            </p:extLst>
-          </p:nvPr>
-        </p:nvSpPr>
-        <p:spPr>
-          <a:xfrm>
-            <a:off x="0" y="0"/>
-            <a:ext cx="4572000" cy="6858000"/>
-          </a:xfrm>
-          <a:prstGeom prst="rect">
-            <a:avLst/>
-          </a:prstGeom>
-          <a:blipFill dpi="0" rotWithShape="1">
-            <a:blip r:embed="rId2">
-              <a:alphaModFix amt="20000"/>
-              <a:duotone>
-                <a:schemeClr val="accent1">
-                  <a:shade val="45000"/>
-                  <a:satMod val="135000"/>
-                </a:schemeClr>
-                <a:prstClr val="white"/>
-              </a:duotone>
-            </a:blip>
-            <a:srcRect/>
-            <a:tile tx="889000" ty="0" sx="100000" sy="100000" flip="none" algn="tl"/>
-          </a:blipFill>
-          <a:ln>
-            <a:noFill/>
-          </a:ln>
-        </p:spPr>
-        <p:style>
-          <a:lnRef idx="2">
-            <a:schemeClr val="accent1">
-              <a:shade val="50000"/>
-            </a:schemeClr>
-          </a:lnRef>
-          <a:fillRef idx="1">
-            <a:schemeClr val="accent1"/>
-          </a:fillRef>
-          <a:effectRef idx="0">
-            <a:schemeClr val="accent1"/>
-          </a:effectRef>
-          <a:fontRef idx="minor">
-            <a:schemeClr val="lt1"/>
-          </a:fontRef>
-        </p:style>
-        <p:txBody>
-          <a:bodyPr rtlCol="0" anchor="ctr"/>
-          <a:lstStyle/>
-          <a:p>
-            <a:pPr algn="ctr"/>
-            <a:endParaRPr lang="en-US" dirty="0"/>
-          </a:p>
-        </p:txBody>
-      </p:sp>
-      <p:sp>
-        <p:nvSpPr>
-          <p:cNvPr id="2" name="Title 1">
-            <a:extLst>
-              <a:ext uri="{FF2B5EF4-FFF2-40B4-BE49-F238E27FC236}">
-                <a16:creationId xmlns:a16="http://schemas.microsoft.com/office/drawing/2014/main" id="{4B7A76DD-B76A-944A-9CE5-4F16A2B4B30E}"/>
-              </a:ext>
-            </a:extLst>
-          </p:cNvPr>
-          <p:cNvSpPr>
-            <a:spLocks noGrp="1"/>
-          </p:cNvSpPr>
-          <p:nvPr>
-            <p:ph type="title"/>
-          </p:nvPr>
-        </p:nvSpPr>
-        <p:spPr>
-          <a:xfrm>
-            <a:off x="838201" y="559813"/>
-            <a:ext cx="2819399" cy="5577934"/>
-          </a:xfrm>
-        </p:spPr>
-        <p:txBody>
-          <a:bodyPr>
-            <a:normAutofit/>
-          </a:bodyPr>
-          <a:lstStyle/>
-          <a:p>
-            <a:r>
-              <a:rPr lang="en-US" sz="3700"/>
-              <a:t>What determines the price/value of an item?</a:t>
-            </a:r>
-          </a:p>
-        </p:txBody>
-      </p:sp>
-      <p:graphicFrame>
-        <p:nvGraphicFramePr>
-          <p:cNvPr id="7" name="Content Placeholder 4">
-            <a:extLst>
-              <a:ext uri="{FF2B5EF4-FFF2-40B4-BE49-F238E27FC236}">
-                <a16:creationId xmlns:a16="http://schemas.microsoft.com/office/drawing/2014/main" id="{1BB53ACE-7C5F-4DDE-B36D-9BB8AE6EEFE1}"/>
-              </a:ext>
-            </a:extLst>
-          </p:cNvPr>
-          <p:cNvGraphicFramePr>
-            <a:graphicFrameLocks noGrp="1"/>
-          </p:cNvGraphicFramePr>
-          <p:nvPr>
-            <p:ph idx="1"/>
-            <p:extLst>
-              <p:ext uri="{D42A27DB-BD31-4B8C-83A1-F6EECF244321}">
-                <p14:modId xmlns:p14="http://schemas.microsoft.com/office/powerpoint/2010/main" val="2974429955"/>
-              </p:ext>
-            </p:extLst>
-          </p:nvPr>
-        </p:nvGraphicFramePr>
-        <p:xfrm>
-          <a:off x="4807223" y="457200"/>
-          <a:ext cx="7003777" cy="5843605"/>
-        </p:xfrm>
-        <a:graphic>
-          <a:graphicData uri="http://schemas.openxmlformats.org/drawingml/2006/diagram">
-            <dgm:relIds xmlns:dgm="http://schemas.openxmlformats.org/drawingml/2006/diagram" xmlns:r="http://schemas.openxmlformats.org/officeDocument/2006/relationships" r:dm="rId3" r:lo="rId4" r:qs="rId5" r:cs="rId6"/>
-          </a:graphicData>
-        </a:graphic>
-      </p:graphicFrame>
-    </p:spTree>
-    <p:extLst>
-      <p:ext uri="{BB962C8B-B14F-4D97-AF65-F5344CB8AC3E}">
-        <p14:creationId xmlns:p14="http://schemas.microsoft.com/office/powerpoint/2010/main" val="2601082421"/>
-      </p:ext>
-    </p:extLst>
-  </p:cSld>
-  <p:clrMapOvr>
-    <a:masterClrMapping/>
-  </p:clrMapOvr>
-</p:sld>
-</file>
-
-<file path=ppt/slides/slide6.xml><?xml version="1.0" encoding="utf-8"?>
-<p:sld xmlns:a="http://schemas.openxmlformats.org/drawingml/2006/main" xmlns:r="http://schemas.openxmlformats.org/officeDocument/2006/relationships" xmlns:p="http://schemas.openxmlformats.org/presentationml/2006/main">
-  <p:cSld>
-    <p:spTree>
-      <p:nvGrpSpPr>
-        <p:cNvPr id="1" name=""/>
-        <p:cNvGrpSpPr/>
-        <p:nvPr/>
-      </p:nvGrpSpPr>
-      <p:grpSpPr>
-        <a:xfrm>
-          <a:off x="0" y="0"/>
-          <a:ext cx="0" cy="0"/>
-          <a:chOff x="0" y="0"/>
-          <a:chExt cx="0" cy="0"/>
-        </a:xfrm>
-      </p:grpSpPr>
-      <p:sp>
-        <p:nvSpPr>
-          <p:cNvPr id="2" name="Title 1">
-            <a:extLst>
-              <a:ext uri="{FF2B5EF4-FFF2-40B4-BE49-F238E27FC236}">
-                <a16:creationId xmlns:a16="http://schemas.microsoft.com/office/drawing/2014/main" id="{0C4021EB-AF1D-4B44-916B-283AC59757E0}"/>
-              </a:ext>
-            </a:extLst>
-          </p:cNvPr>
-          <p:cNvSpPr>
-            <a:spLocks noGrp="1"/>
-          </p:cNvSpPr>
-          <p:nvPr>
-            <p:ph type="title"/>
-          </p:nvPr>
-        </p:nvSpPr>
-        <p:spPr/>
-        <p:txBody>
-          <a:bodyPr/>
-          <a:lstStyle/>
-          <a:p>
-            <a:r>
-              <a:rPr lang="en-US" dirty="0"/>
-              <a:t>Working Data Set</a:t>
-            </a:r>
-          </a:p>
-        </p:txBody>
-      </p:sp>
-      <p:sp>
-        <p:nvSpPr>
-          <p:cNvPr id="3" name="Content Placeholder 2">
-            <a:extLst>
-              <a:ext uri="{FF2B5EF4-FFF2-40B4-BE49-F238E27FC236}">
-                <a16:creationId xmlns:a16="http://schemas.microsoft.com/office/drawing/2014/main" id="{53D084F7-E93D-F74B-84DF-A0C76805ACE5}"/>
-              </a:ext>
-            </a:extLst>
-          </p:cNvPr>
-          <p:cNvSpPr>
-            <a:spLocks noGrp="1"/>
-          </p:cNvSpPr>
-          <p:nvPr>
-            <p:ph idx="1"/>
-          </p:nvPr>
-        </p:nvSpPr>
-        <p:spPr/>
-        <p:txBody>
-          <a:bodyPr/>
-          <a:lstStyle/>
-          <a:p>
-            <a:r>
-              <a:rPr lang="en-US" dirty="0"/>
-              <a:t>1,000,000+ Item listings</a:t>
-            </a:r>
-          </a:p>
-          <a:p>
-            <a:r>
-              <a:rPr lang="en-US" dirty="0"/>
-              <a:t>Number of columns: 7</a:t>
-            </a:r>
-          </a:p>
-          <a:p>
-            <a:r>
-              <a:rPr lang="en-US" dirty="0"/>
-              <a:t>Over 4000 unique Brands, 1000+ unique categories</a:t>
-            </a:r>
-          </a:p>
-          <a:p>
-            <a:r>
-              <a:rPr lang="en-US" dirty="0"/>
-              <a:t>Found on Kaggle</a:t>
-            </a:r>
-          </a:p>
-          <a:p>
-            <a:endParaRPr lang="en-US" dirty="0"/>
-          </a:p>
-        </p:txBody>
-      </p:sp>
-    </p:spTree>
-    <p:extLst>
-      <p:ext uri="{BB962C8B-B14F-4D97-AF65-F5344CB8AC3E}">
-        <p14:creationId xmlns:p14="http://schemas.microsoft.com/office/powerpoint/2010/main" val="1520007010"/>
-      </p:ext>
-    </p:extLst>
-  </p:cSld>
-  <p:clrMapOvr>
-    <a:masterClrMapping/>
-  </p:clrMapOvr>
-</p:sld>
-</file>
-
-<file path=ppt/slides/slide7.xml><?xml version="1.0" encoding="utf-8"?>
-<p:sld xmlns:a="http://schemas.openxmlformats.org/drawingml/2006/main" xmlns:r="http://schemas.openxmlformats.org/officeDocument/2006/relationships" xmlns:p="http://schemas.openxmlformats.org/presentationml/2006/main">
-  <p:cSld>
-    <p:spTree>
-      <p:nvGrpSpPr>
-        <p:cNvPr id="1" name=""/>
-        <p:cNvGrpSpPr/>
-        <p:nvPr/>
-      </p:nvGrpSpPr>
-      <p:grpSpPr>
-        <a:xfrm>
-          <a:off x="0" y="0"/>
-          <a:ext cx="0" cy="0"/>
-          <a:chOff x="0" y="0"/>
-          <a:chExt cx="0" cy="0"/>
-        </a:xfrm>
-      </p:grpSpPr>
-      <p:sp>
-        <p:nvSpPr>
-          <p:cNvPr id="2" name="Title 1">
-            <a:extLst>
-              <a:ext uri="{FF2B5EF4-FFF2-40B4-BE49-F238E27FC236}">
-                <a16:creationId xmlns:a16="http://schemas.microsoft.com/office/drawing/2014/main" id="{DB5C0A3F-3A02-1149-BC9F-87580268B03B}"/>
-              </a:ext>
-            </a:extLst>
-          </p:cNvPr>
-          <p:cNvSpPr>
-            <a:spLocks noGrp="1"/>
-          </p:cNvSpPr>
-          <p:nvPr>
-            <p:ph type="title"/>
-          </p:nvPr>
-        </p:nvSpPr>
-        <p:spPr/>
-        <p:txBody>
-          <a:bodyPr/>
-          <a:lstStyle/>
-          <a:p>
-            <a:r>
-              <a:rPr lang="en-US" dirty="0"/>
-              <a:t>Data Fields</a:t>
-            </a:r>
-          </a:p>
-        </p:txBody>
-      </p:sp>
-      <p:sp>
-        <p:nvSpPr>
-          <p:cNvPr id="3" name="Content Placeholder 2">
-            <a:extLst>
-              <a:ext uri="{FF2B5EF4-FFF2-40B4-BE49-F238E27FC236}">
-                <a16:creationId xmlns:a16="http://schemas.microsoft.com/office/drawing/2014/main" id="{6B6C6FB3-E99D-4C4D-BEFB-F2921FF84903}"/>
-              </a:ext>
-            </a:extLst>
-          </p:cNvPr>
-          <p:cNvSpPr>
-            <a:spLocks noGrp="1"/>
-          </p:cNvSpPr>
-          <p:nvPr>
-            <p:ph idx="1"/>
-          </p:nvPr>
-        </p:nvSpPr>
-        <p:spPr/>
-        <p:txBody>
-          <a:bodyPr>
-            <a:normAutofit lnSpcReduction="10000"/>
-          </a:bodyPr>
-          <a:lstStyle/>
-          <a:p>
-            <a:pPr>
-              <a:lnSpc>
-                <a:spcPct val="120000"/>
-              </a:lnSpc>
-            </a:pPr>
-            <a:r>
-              <a:rPr lang="en-US" dirty="0"/>
-              <a:t>Name</a:t>
-            </a:r>
-          </a:p>
-          <a:p>
-            <a:pPr>
-              <a:lnSpc>
-                <a:spcPct val="120000"/>
-              </a:lnSpc>
-            </a:pPr>
-            <a:r>
-              <a:rPr lang="en-US" dirty="0"/>
-              <a:t>Condition</a:t>
-            </a:r>
-          </a:p>
-          <a:p>
-            <a:pPr>
-              <a:lnSpc>
-                <a:spcPct val="120000"/>
-              </a:lnSpc>
-            </a:pPr>
-            <a:r>
-              <a:rPr lang="en-US" dirty="0"/>
-              <a:t>Category</a:t>
-            </a:r>
-          </a:p>
-          <a:p>
-            <a:pPr>
-              <a:lnSpc>
-                <a:spcPct val="120000"/>
-              </a:lnSpc>
-            </a:pPr>
-            <a:r>
-              <a:rPr lang="en-US" dirty="0"/>
-              <a:t>Brand</a:t>
-            </a:r>
-          </a:p>
-          <a:p>
-            <a:pPr>
-              <a:lnSpc>
-                <a:spcPct val="120000"/>
-              </a:lnSpc>
-            </a:pPr>
-            <a:r>
-              <a:rPr lang="en-US" dirty="0"/>
-              <a:t>Price</a:t>
-            </a:r>
-          </a:p>
-          <a:p>
-            <a:pPr>
-              <a:lnSpc>
-                <a:spcPct val="120000"/>
-              </a:lnSpc>
-            </a:pPr>
-            <a:r>
-              <a:rPr lang="en-US" dirty="0"/>
-              <a:t>Shipping</a:t>
-            </a:r>
-          </a:p>
-          <a:p>
-            <a:pPr>
-              <a:lnSpc>
-                <a:spcPct val="120000"/>
-              </a:lnSpc>
-            </a:pPr>
-            <a:r>
-              <a:rPr lang="en-US" dirty="0"/>
-              <a:t>Item Description</a:t>
-            </a:r>
-          </a:p>
-        </p:txBody>
-      </p:sp>
-    </p:spTree>
-    <p:extLst>
-      <p:ext uri="{BB962C8B-B14F-4D97-AF65-F5344CB8AC3E}">
-        <p14:creationId xmlns:p14="http://schemas.microsoft.com/office/powerpoint/2010/main" val="1973693279"/>
-      </p:ext>
-    </p:extLst>
-  </p:cSld>
-  <p:clrMapOvr>
-    <a:masterClrMapping/>
-  </p:clrMapOvr>
-</p:sld>
-</file>
-
-<file path=ppt/slides/slide8.xml><?xml version="1.0" encoding="utf-8"?>
-<p:sld xmlns:a="http://schemas.openxmlformats.org/drawingml/2006/main" xmlns:r="http://schemas.openxmlformats.org/officeDocument/2006/relationships" xmlns:p="http://schemas.openxmlformats.org/presentationml/2006/main">
-  <p:cSld>
-    <p:bg>
-      <p:bgPr>
-        <a:solidFill>
-          <a:schemeClr val="bg1"/>
-        </a:solidFill>
-        <a:effectLst/>
-      </p:bgPr>
-    </p:bg>
-    <p:spTree>
-      <p:nvGrpSpPr>
-        <p:cNvPr id="1" name=""/>
-        <p:cNvGrpSpPr/>
-        <p:nvPr/>
-      </p:nvGrpSpPr>
-      <p:grpSpPr>
-        <a:xfrm>
-          <a:off x="0" y="0"/>
-          <a:ext cx="0" cy="0"/>
-          <a:chOff x="0" y="0"/>
-          <a:chExt cx="0" cy="0"/>
-        </a:xfrm>
-      </p:grpSpPr>
-      <p:sp useBgFill="1">
-        <p:nvSpPr>
-          <p:cNvPr id="9" name="Rectangle 8">
-            <a:extLst>
-              <a:ext uri="{FF2B5EF4-FFF2-40B4-BE49-F238E27FC236}">
-                <a16:creationId xmlns:a16="http://schemas.microsoft.com/office/drawing/2014/main" id="{8651CFA9-6065-4243-AC48-858E359780B1}"/>
-              </a:ext>
-              <a:ext uri="{C183D7F6-B498-43B3-948B-1728B52AA6E4}">
-                <adec:decorative xmlns:adec="http://schemas.microsoft.com/office/drawing/2017/decorative" val="1"/>
-              </a:ext>
-            </a:extLst>
-          </p:cNvPr>
-          <p:cNvSpPr>
-            <a:spLocks noGrp="1" noRot="1" noChangeAspect="1" noMove="1" noResize="1" noEditPoints="1" noAdjustHandles="1" noChangeArrowheads="1" noChangeShapeType="1" noTextEdit="1"/>
-          </p:cNvSpPr>
-          <p:nvPr>
-            <p:extLst>
-              <p:ext uri="{386F3935-93C4-4BCD-93E2-E3B085C9AB24}">
-                <p16:designElem xmlns:p16="http://schemas.microsoft.com/office/powerpoint/2015/main" val="1"/>
-              </p:ext>
-            </p:extLst>
-          </p:nvPr>
-        </p:nvSpPr>
-        <p:spPr>
-          <a:xfrm>
-            <a:off x="0" y="0"/>
-            <a:ext cx="12192002" cy="6858000"/>
-          </a:xfrm>
-          <a:prstGeom prst="rect">
-            <a:avLst/>
-          </a:prstGeom>
-          <a:ln>
-            <a:noFill/>
-          </a:ln>
-        </p:spPr>
-        <p:style>
-          <a:lnRef idx="2">
-            <a:schemeClr val="accent1">
-              <a:shade val="50000"/>
-            </a:schemeClr>
-          </a:lnRef>
-          <a:fillRef idx="1">
-            <a:schemeClr val="accent1"/>
-          </a:fillRef>
-          <a:effectRef idx="0">
-            <a:schemeClr val="accent1"/>
-          </a:effectRef>
-          <a:fontRef idx="minor">
-            <a:schemeClr val="lt1"/>
-          </a:fontRef>
-        </p:style>
-        <p:txBody>
-          <a:bodyPr rtlCol="0" anchor="ctr"/>
-          <a:lstStyle/>
-          <a:p>
-            <a:pPr algn="ctr"/>
-            <a:endParaRPr lang="en-US">
-              <a:solidFill>
-                <a:schemeClr val="tx1">
-                  <a:lumMod val="65000"/>
-                  <a:lumOff val="35000"/>
-                </a:schemeClr>
-              </a:solidFill>
-              <a:latin typeface="AvenirNext LT Pro Medium" panose="020B0504020202020204" pitchFamily="34" charset="0"/>
-            </a:endParaRPr>
-          </a:p>
-        </p:txBody>
-      </p:sp>
-      <p:sp>
-        <p:nvSpPr>
-          <p:cNvPr id="11" name="Rectangle 10">
-            <a:extLst>
-              <a:ext uri="{FF2B5EF4-FFF2-40B4-BE49-F238E27FC236}">
-                <a16:creationId xmlns:a16="http://schemas.microsoft.com/office/drawing/2014/main" id="{37962AE0-6A1C-4B76-9D52-10E5E6D7D3BB}"/>
-              </a:ext>
-              <a:ext uri="{C183D7F6-B498-43B3-948B-1728B52AA6E4}">
-                <adec:decorative xmlns:adec="http://schemas.microsoft.com/office/drawing/2017/decorative" val="1"/>
-              </a:ext>
-            </a:extLst>
-          </p:cNvPr>
-          <p:cNvSpPr>
-            <a:spLocks noGrp="1" noRot="1" noChangeAspect="1" noMove="1" noResize="1" noEditPoints="1" noAdjustHandles="1" noChangeArrowheads="1" noChangeShapeType="1" noTextEdit="1"/>
-          </p:cNvSpPr>
-          <p:nvPr>
-            <p:extLst>
-              <p:ext uri="{386F3935-93C4-4BCD-93E2-E3B085C9AB24}">
-                <p16:designElem xmlns:p16="http://schemas.microsoft.com/office/powerpoint/2015/main" val="1"/>
-              </p:ext>
-            </p:extLst>
-          </p:nvPr>
-        </p:nvSpPr>
-        <p:spPr>
-          <a:xfrm>
-            <a:off x="0" y="0"/>
-            <a:ext cx="12188952" cy="6858000"/>
-          </a:xfrm>
-          <a:prstGeom prst="rect">
-            <a:avLst/>
-          </a:prstGeom>
-          <a:solidFill>
-            <a:schemeClr val="bg2">
-              <a:alpha val="70000"/>
-            </a:schemeClr>
-          </a:solidFill>
-          <a:ln>
-            <a:noFill/>
-          </a:ln>
-        </p:spPr>
-        <p:style>
-          <a:lnRef idx="2">
-            <a:schemeClr val="accent1">
-              <a:shade val="50000"/>
-            </a:schemeClr>
-          </a:lnRef>
-          <a:fillRef idx="1">
-            <a:schemeClr val="accent1"/>
-          </a:fillRef>
-          <a:effectRef idx="0">
-            <a:schemeClr val="accent1"/>
-          </a:effectRef>
-          <a:fontRef idx="minor">
-            <a:schemeClr val="lt1"/>
-          </a:fontRef>
-        </p:style>
-        <p:txBody>
-          <a:bodyPr rtlCol="0" anchor="ctr"/>
-          <a:lstStyle/>
-          <a:p>
-            <a:pPr algn="ctr"/>
-            <a:endParaRPr lang="en-US">
-              <a:solidFill>
-                <a:schemeClr val="tx1">
-                  <a:lumMod val="65000"/>
-                  <a:lumOff val="35000"/>
-                </a:schemeClr>
-              </a:solidFill>
-              <a:latin typeface="AvenirNext LT Pro Medium" panose="020B0504020202020204" pitchFamily="34" charset="0"/>
-            </a:endParaRPr>
-          </a:p>
-        </p:txBody>
-      </p:sp>
       <p:pic>
         <p:nvPicPr>
           <p:cNvPr id="13" name="Picture 12">
@@ -13581,7 +11497,7 @@
 </p:sld>
 </file>
 
-<file path=ppt/slides/slide9.xml><?xml version="1.0" encoding="utf-8"?>
+<file path=ppt/slides/slide8.xml><?xml version="1.0" encoding="utf-8"?>
 <p:sld xmlns:a="http://schemas.openxmlformats.org/drawingml/2006/main" xmlns:r="http://schemas.openxmlformats.org/officeDocument/2006/relationships" xmlns:p="http://schemas.openxmlformats.org/presentationml/2006/main">
   <p:cSld>
     <p:bg>
@@ -14122,6 +12038,113 @@
     <p:extLst>
       <p:ext uri="{BB962C8B-B14F-4D97-AF65-F5344CB8AC3E}">
         <p14:creationId xmlns:p14="http://schemas.microsoft.com/office/powerpoint/2010/main" val="627834158"/>
+      </p:ext>
+    </p:extLst>
+  </p:cSld>
+  <p:clrMapOvr>
+    <a:masterClrMapping/>
+  </p:clrMapOvr>
+</p:sld>
+</file>
+
+<file path=ppt/slides/slide9.xml><?xml version="1.0" encoding="utf-8"?>
+<p:sld xmlns:a="http://schemas.openxmlformats.org/drawingml/2006/main" xmlns:r="http://schemas.openxmlformats.org/officeDocument/2006/relationships" xmlns:p="http://schemas.openxmlformats.org/presentationml/2006/main">
+  <p:cSld>
+    <p:spTree>
+      <p:nvGrpSpPr>
+        <p:cNvPr id="1" name=""/>
+        <p:cNvGrpSpPr/>
+        <p:nvPr/>
+      </p:nvGrpSpPr>
+      <p:grpSpPr>
+        <a:xfrm>
+          <a:off x="0" y="0"/>
+          <a:ext cx="0" cy="0"/>
+          <a:chOff x="0" y="0"/>
+          <a:chExt cx="0" cy="0"/>
+        </a:xfrm>
+      </p:grpSpPr>
+      <p:sp>
+        <p:nvSpPr>
+          <p:cNvPr id="2" name="Title 1">
+            <a:extLst>
+              <a:ext uri="{FF2B5EF4-FFF2-40B4-BE49-F238E27FC236}">
+                <a16:creationId xmlns:a16="http://schemas.microsoft.com/office/drawing/2014/main" id="{CF76651F-B8E6-DF43-B53A-13B60DE880D0}"/>
+              </a:ext>
+            </a:extLst>
+          </p:cNvPr>
+          <p:cNvSpPr>
+            <a:spLocks noGrp="1"/>
+          </p:cNvSpPr>
+          <p:nvPr>
+            <p:ph type="title"/>
+          </p:nvPr>
+        </p:nvSpPr>
+        <p:spPr/>
+        <p:txBody>
+          <a:bodyPr/>
+          <a:lstStyle/>
+          <a:p>
+            <a:r>
+              <a:rPr lang="en-US" dirty="0"/>
+              <a:t>Exploratory Data Analysis Findings</a:t>
+            </a:r>
+          </a:p>
+        </p:txBody>
+      </p:sp>
+      <p:sp>
+        <p:nvSpPr>
+          <p:cNvPr id="3" name="Content Placeholder 2">
+            <a:extLst>
+              <a:ext uri="{FF2B5EF4-FFF2-40B4-BE49-F238E27FC236}">
+                <a16:creationId xmlns:a16="http://schemas.microsoft.com/office/drawing/2014/main" id="{BE842A4B-FCD1-3949-979E-B40D8D2A30DA}"/>
+              </a:ext>
+            </a:extLst>
+          </p:cNvPr>
+          <p:cNvSpPr>
+            <a:spLocks noGrp="1"/>
+          </p:cNvSpPr>
+          <p:nvPr>
+            <p:ph idx="1"/>
+          </p:nvPr>
+        </p:nvSpPr>
+        <p:spPr/>
+        <p:txBody>
+          <a:bodyPr/>
+          <a:lstStyle/>
+          <a:p>
+            <a:r>
+              <a:rPr lang="en-US" dirty="0"/>
+              <a:t>Target: Price</a:t>
+            </a:r>
+          </a:p>
+          <a:p>
+            <a:r>
+              <a:rPr lang="en-US" dirty="0"/>
+              <a:t>Features: Condition, Brand, Category, Shipping</a:t>
+            </a:r>
+          </a:p>
+          <a:p>
+            <a:endParaRPr lang="en-US" dirty="0"/>
+          </a:p>
+          <a:p>
+            <a:r>
+              <a:rPr lang="en-US" dirty="0"/>
+              <a:t>Significant correlations with Price: Brand, Category, Shipping</a:t>
+            </a:r>
+          </a:p>
+          <a:p>
+            <a:r>
+              <a:rPr lang="en-US" dirty="0"/>
+              <a:t>Insignificant correlations with Price: Condition</a:t>
+            </a:r>
+          </a:p>
+        </p:txBody>
+      </p:sp>
+    </p:spTree>
+    <p:extLst>
+      <p:ext uri="{BB962C8B-B14F-4D97-AF65-F5344CB8AC3E}">
+        <p14:creationId xmlns:p14="http://schemas.microsoft.com/office/powerpoint/2010/main" val="1030357160"/>
       </p:ext>
     </p:extLst>
   </p:cSld>
@@ -14330,4 +12353,299 @@
     </a:ext>
   </a:extLst>
 </a:theme>
+</file>
+
+<file path=ppt/theme/theme2.xml><?xml version="1.0" encoding="utf-8"?>
+<a:theme xmlns:a="http://schemas.openxmlformats.org/drawingml/2006/main" name="Office Theme">
+  <a:themeElements>
+    <a:clrScheme name="Office">
+      <a:dk1>
+        <a:sysClr val="windowText" lastClr="000000"/>
+      </a:dk1>
+      <a:lt1>
+        <a:sysClr val="window" lastClr="FFFFFF"/>
+      </a:lt1>
+      <a:dk2>
+        <a:srgbClr val="44546A"/>
+      </a:dk2>
+      <a:lt2>
+        <a:srgbClr val="E7E6E6"/>
+      </a:lt2>
+      <a:accent1>
+        <a:srgbClr val="4472C4"/>
+      </a:accent1>
+      <a:accent2>
+        <a:srgbClr val="ED7D31"/>
+      </a:accent2>
+      <a:accent3>
+        <a:srgbClr val="A5A5A5"/>
+      </a:accent3>
+      <a:accent4>
+        <a:srgbClr val="FFC000"/>
+      </a:accent4>
+      <a:accent5>
+        <a:srgbClr val="5B9BD5"/>
+      </a:accent5>
+      <a:accent6>
+        <a:srgbClr val="70AD47"/>
+      </a:accent6>
+      <a:hlink>
+        <a:srgbClr val="0563C1"/>
+      </a:hlink>
+      <a:folHlink>
+        <a:srgbClr val="954F72"/>
+      </a:folHlink>
+    </a:clrScheme>
+    <a:fontScheme name="Office">
+      <a:majorFont>
+        <a:latin typeface="Calibri Light" panose="020F0302020204030204"/>
+        <a:ea typeface=""/>
+        <a:cs typeface=""/>
+        <a:font script="Jpan" typeface="游ゴシック Light"/>
+        <a:font script="Hang" typeface="맑은 고딕"/>
+        <a:font script="Hans" typeface="等线 Light"/>
+        <a:font script="Hant" typeface="新細明體"/>
+        <a:font script="Arab" typeface="Times New Roman"/>
+        <a:font script="Hebr" typeface="Times New Roman"/>
+        <a:font script="Thai" typeface="Angsana New"/>
+        <a:font script="Ethi" typeface="Nyala"/>
+        <a:font script="Beng" typeface="Vrinda"/>
+        <a:font script="Gujr" typeface="Shruti"/>
+        <a:font script="Khmr" typeface="MoolBoran"/>
+        <a:font script="Knda" typeface="Tunga"/>
+        <a:font script="Guru" typeface="Raavi"/>
+        <a:font script="Cans" typeface="Euphemia"/>
+        <a:font script="Cher" typeface="Plantagenet Cherokee"/>
+        <a:font script="Yiii" typeface="Microsoft Yi Baiti"/>
+        <a:font script="Tibt" typeface="Microsoft Himalaya"/>
+        <a:font script="Thaa" typeface="MV Boli"/>
+        <a:font script="Deva" typeface="Mangal"/>
+        <a:font script="Telu" typeface="Gautami"/>
+        <a:font script="Taml" typeface="Latha"/>
+        <a:font script="Syrc" typeface="Estrangelo Edessa"/>
+        <a:font script="Orya" typeface="Kalinga"/>
+        <a:font script="Mlym" typeface="Kartika"/>
+        <a:font script="Laoo" typeface="DokChampa"/>
+        <a:font script="Sinh" typeface="Iskoola Pota"/>
+        <a:font script="Mong" typeface="Mongolian Baiti"/>
+        <a:font script="Viet" typeface="Times New Roman"/>
+        <a:font script="Uigh" typeface="Microsoft Uighur"/>
+        <a:font script="Geor" typeface="Sylfaen"/>
+        <a:font script="Armn" typeface="Arial"/>
+        <a:font script="Bugi" typeface="Leelawadee UI"/>
+        <a:font script="Bopo" typeface="Microsoft JhengHei"/>
+        <a:font script="Java" typeface="Javanese Text"/>
+        <a:font script="Lisu" typeface="Segoe UI"/>
+        <a:font script="Mymr" typeface="Myanmar Text"/>
+        <a:font script="Nkoo" typeface="Ebrima"/>
+        <a:font script="Olck" typeface="Nirmala UI"/>
+        <a:font script="Osma" typeface="Ebrima"/>
+        <a:font script="Phag" typeface="Phagspa"/>
+        <a:font script="Syrn" typeface="Estrangelo Edessa"/>
+        <a:font script="Syrj" typeface="Estrangelo Edessa"/>
+        <a:font script="Syre" typeface="Estrangelo Edessa"/>
+        <a:font script="Sora" typeface="Nirmala UI"/>
+        <a:font script="Tale" typeface="Microsoft Tai Le"/>
+        <a:font script="Talu" typeface="Microsoft New Tai Lue"/>
+        <a:font script="Tfng" typeface="Ebrima"/>
+      </a:majorFont>
+      <a:minorFont>
+        <a:latin typeface="Calibri" panose="020F0502020204030204"/>
+        <a:ea typeface=""/>
+        <a:cs typeface=""/>
+        <a:font script="Jpan" typeface="游ゴシック"/>
+        <a:font script="Hang" typeface="맑은 고딕"/>
+        <a:font script="Hans" typeface="等线"/>
+        <a:font script="Hant" typeface="新細明體"/>
+        <a:font script="Arab" typeface="Arial"/>
+        <a:font script="Hebr" typeface="Arial"/>
+        <a:font script="Thai" typeface="Cordia New"/>
+        <a:font script="Ethi" typeface="Nyala"/>
+        <a:font script="Beng" typeface="Vrinda"/>
+        <a:font script="Gujr" typeface="Shruti"/>
+        <a:font script="Khmr" typeface="DaunPenh"/>
+        <a:font script="Knda" typeface="Tunga"/>
+        <a:font script="Guru" typeface="Raavi"/>
+        <a:font script="Cans" typeface="Euphemia"/>
+        <a:font script="Cher" typeface="Plantagenet Cherokee"/>
+        <a:font script="Yiii" typeface="Microsoft Yi Baiti"/>
+        <a:font script="Tibt" typeface="Microsoft Himalaya"/>
+        <a:font script="Thaa" typeface="MV Boli"/>
+        <a:font script="Deva" typeface="Mangal"/>
+        <a:font script="Telu" typeface="Gautami"/>
+        <a:font script="Taml" typeface="Latha"/>
+        <a:font script="Syrc" typeface="Estrangelo Edessa"/>
+        <a:font script="Orya" typeface="Kalinga"/>
+        <a:font script="Mlym" typeface="Kartika"/>
+        <a:font script="Laoo" typeface="DokChampa"/>
+        <a:font script="Sinh" typeface="Iskoola Pota"/>
+        <a:font script="Mong" typeface="Mongolian Baiti"/>
+        <a:font script="Viet" typeface="Arial"/>
+        <a:font script="Uigh" typeface="Microsoft Uighur"/>
+        <a:font script="Geor" typeface="Sylfaen"/>
+        <a:font script="Armn" typeface="Arial"/>
+        <a:font script="Bugi" typeface="Leelawadee UI"/>
+        <a:font script="Bopo" typeface="Microsoft JhengHei"/>
+        <a:font script="Java" typeface="Javanese Text"/>
+        <a:font script="Lisu" typeface="Segoe UI"/>
+        <a:font script="Mymr" typeface="Myanmar Text"/>
+        <a:font script="Nkoo" typeface="Ebrima"/>
+        <a:font script="Olck" typeface="Nirmala UI"/>
+        <a:font script="Osma" typeface="Ebrima"/>
+        <a:font script="Phag" typeface="Phagspa"/>
+        <a:font script="Syrn" typeface="Estrangelo Edessa"/>
+        <a:font script="Syrj" typeface="Estrangelo Edessa"/>
+        <a:font script="Syre" typeface="Estrangelo Edessa"/>
+        <a:font script="Sora" typeface="Nirmala UI"/>
+        <a:font script="Tale" typeface="Microsoft Tai Le"/>
+        <a:font script="Talu" typeface="Microsoft New Tai Lue"/>
+        <a:font script="Tfng" typeface="Ebrima"/>
+      </a:minorFont>
+    </a:fontScheme>
+    <a:fmtScheme name="Office">
+      <a:fillStyleLst>
+        <a:solidFill>
+          <a:schemeClr val="phClr"/>
+        </a:solidFill>
+        <a:gradFill rotWithShape="1">
+          <a:gsLst>
+            <a:gs pos="0">
+              <a:schemeClr val="phClr">
+                <a:lumMod val="110000"/>
+                <a:satMod val="105000"/>
+                <a:tint val="67000"/>
+              </a:schemeClr>
+            </a:gs>
+            <a:gs pos="50000">
+              <a:schemeClr val="phClr">
+                <a:lumMod val="105000"/>
+                <a:satMod val="103000"/>
+                <a:tint val="73000"/>
+              </a:schemeClr>
+            </a:gs>
+            <a:gs pos="100000">
+              <a:schemeClr val="phClr">
+                <a:lumMod val="105000"/>
+                <a:satMod val="109000"/>
+                <a:tint val="81000"/>
+              </a:schemeClr>
+            </a:gs>
+          </a:gsLst>
+          <a:lin ang="5400000" scaled="0"/>
+        </a:gradFill>
+        <a:gradFill rotWithShape="1">
+          <a:gsLst>
+            <a:gs pos="0">
+              <a:schemeClr val="phClr">
+                <a:satMod val="103000"/>
+                <a:lumMod val="102000"/>
+                <a:tint val="94000"/>
+              </a:schemeClr>
+            </a:gs>
+            <a:gs pos="50000">
+              <a:schemeClr val="phClr">
+                <a:satMod val="110000"/>
+                <a:lumMod val="100000"/>
+                <a:shade val="100000"/>
+              </a:schemeClr>
+            </a:gs>
+            <a:gs pos="100000">
+              <a:schemeClr val="phClr">
+                <a:lumMod val="99000"/>
+                <a:satMod val="120000"/>
+                <a:shade val="78000"/>
+              </a:schemeClr>
+            </a:gs>
+          </a:gsLst>
+          <a:lin ang="5400000" scaled="0"/>
+        </a:gradFill>
+      </a:fillStyleLst>
+      <a:lnStyleLst>
+        <a:ln w="6350" cap="flat" cmpd="sng" algn="ctr">
+          <a:solidFill>
+            <a:schemeClr val="phClr"/>
+          </a:solidFill>
+          <a:prstDash val="solid"/>
+          <a:miter lim="800000"/>
+        </a:ln>
+        <a:ln w="12700" cap="flat" cmpd="sng" algn="ctr">
+          <a:solidFill>
+            <a:schemeClr val="phClr"/>
+          </a:solidFill>
+          <a:prstDash val="solid"/>
+          <a:miter lim="800000"/>
+        </a:ln>
+        <a:ln w="19050" cap="flat" cmpd="sng" algn="ctr">
+          <a:solidFill>
+            <a:schemeClr val="phClr"/>
+          </a:solidFill>
+          <a:prstDash val="solid"/>
+          <a:miter lim="800000"/>
+        </a:ln>
+      </a:lnStyleLst>
+      <a:effectStyleLst>
+        <a:effectStyle>
+          <a:effectLst/>
+        </a:effectStyle>
+        <a:effectStyle>
+          <a:effectLst/>
+        </a:effectStyle>
+        <a:effectStyle>
+          <a:effectLst>
+            <a:outerShdw blurRad="57150" dist="19050" dir="5400000" algn="ctr" rotWithShape="0">
+              <a:srgbClr val="000000">
+                <a:alpha val="63000"/>
+              </a:srgbClr>
+            </a:outerShdw>
+          </a:effectLst>
+        </a:effectStyle>
+      </a:effectStyleLst>
+      <a:bgFillStyleLst>
+        <a:solidFill>
+          <a:schemeClr val="phClr"/>
+        </a:solidFill>
+        <a:solidFill>
+          <a:schemeClr val="phClr">
+            <a:tint val="95000"/>
+            <a:satMod val="170000"/>
+          </a:schemeClr>
+        </a:solidFill>
+        <a:gradFill rotWithShape="1">
+          <a:gsLst>
+            <a:gs pos="0">
+              <a:schemeClr val="phClr">
+                <a:tint val="93000"/>
+                <a:satMod val="150000"/>
+                <a:shade val="98000"/>
+                <a:lumMod val="102000"/>
+              </a:schemeClr>
+            </a:gs>
+            <a:gs pos="50000">
+              <a:schemeClr val="phClr">
+                <a:tint val="98000"/>
+                <a:satMod val="130000"/>
+                <a:shade val="90000"/>
+                <a:lumMod val="103000"/>
+              </a:schemeClr>
+            </a:gs>
+            <a:gs pos="100000">
+              <a:schemeClr val="phClr">
+                <a:shade val="63000"/>
+                <a:satMod val="120000"/>
+              </a:schemeClr>
+            </a:gs>
+          </a:gsLst>
+          <a:lin ang="5400000" scaled="0"/>
+        </a:gradFill>
+      </a:bgFillStyleLst>
+    </a:fmtScheme>
+  </a:themeElements>
+  <a:objectDefaults/>
+  <a:extraClrSchemeLst/>
+  <a:extLst>
+    <a:ext uri="{05A4C25C-085E-4340-85A3-A5531E510DB2}">
+      <thm15:themeFamily xmlns:thm15="http://schemas.microsoft.com/office/thememl/2012/main" name="Office Theme" id="{62F939B6-93AF-4DB8-9C6B-D6C7DFDC589F}" vid="{4A3C46E8-61CC-4603-A589-7422A47A8E4A}"/>
+    </a:ext>
+  </a:extLst>
+</a:theme>
 </file>